--- a/documents/팀프로젝트/아키텍처 설계/시스템_아키텍처_김현욱_20200319_1630.pptx
+++ b/documents/팀프로젝트/아키텍처 설계/시스템_아키텍처_김현욱_20200319_1630.pptx
@@ -5,14 +5,13 @@
     <p:sldMasterId id="2147483648" r:id="rId1"/>
   </p:sldMasterIdLst>
   <p:notesMasterIdLst>
-    <p:notesMasterId r:id="rId4"/>
+    <p:notesMasterId r:id="rId3"/>
   </p:notesMasterIdLst>
   <p:handoutMasterIdLst>
-    <p:handoutMasterId r:id="rId5"/>
+    <p:handoutMasterId r:id="rId4"/>
   </p:handoutMasterIdLst>
   <p:sldIdLst>
     <p:sldId id="444" r:id="rId2"/>
-    <p:sldId id="445" r:id="rId3"/>
   </p:sldIdLst>
   <p:sldSz cx="9144000" cy="6858000" type="screen4x3"/>
   <p:notesSz cx="6858000" cy="9144000"/>
@@ -113,7 +112,7 @@
   </p:defaultTextStyle>
   <p:extLst>
     <p:ext uri="{EFAFB233-063F-42B5-8137-9DF3F51BA10A}">
-      <p15:sldGuideLst xmlns:p15="http://schemas.microsoft.com/office/powerpoint/2012/main" xmlns="">
+      <p15:sldGuideLst xmlns="" xmlns:p15="http://schemas.microsoft.com/office/powerpoint/2012/main">
         <p15:guide id="1" orient="horz" pos="2160" userDrawn="1">
           <p15:clr>
             <a:srgbClr val="A4A3A4"/>
@@ -135,7 +134,7 @@
   <p:cmAuthor id="1" name="kh" initials="k" lastIdx="1" clrIdx="0">
     <p:extLst>
       <p:ext uri="{19B8F6BF-5375-455C-9EA6-DF929625EA0E}">
-        <p15:presenceInfo xmlns:p15="http://schemas.microsoft.com/office/powerpoint/2012/main" xmlns="" userId="kh" providerId="None"/>
+        <p15:presenceInfo xmlns="" xmlns:p15="http://schemas.microsoft.com/office/powerpoint/2012/main" userId="kh" providerId="None"/>
       </p:ext>
     </p:extLst>
   </p:cmAuthor>
@@ -224,7 +223,7 @@
           <a:p>
             <a:fld id="{8112BF03-BB90-4660-82CE-B9DB66EF2F79}" type="datetimeFigureOut">
               <a:rPr lang="ko-KR" altLang="en-US" smtClean="0"/>
-              <a:t>2020-03-19</a:t>
+              <a:t>2020-03-24</a:t>
             </a:fld>
             <a:endParaRPr lang="ko-KR" altLang="en-US"/>
           </a:p>
@@ -394,7 +393,7 @@
           <a:p>
             <a:fld id="{7C29F3FE-6DBA-4271-946A-415661AD8E39}" type="datetimeFigureOut">
               <a:rPr lang="ko-KR" altLang="en-US" smtClean="0"/>
-              <a:t>2020-03-19</a:t>
+              <a:t>2020-03-24</a:t>
             </a:fld>
             <a:endParaRPr lang="ko-KR" altLang="en-US"/>
           </a:p>
@@ -2031,35 +2030,35 @@
                 <a:gridCol w="856100">
                   <a:extLst>
                     <a:ext uri="{9D8B030D-6E8A-4147-A177-3AD203B41FA5}">
-                      <a16:colId xmlns:a16="http://schemas.microsoft.com/office/drawing/2014/main" xmlns="" val="20000"/>
+                      <a16:colId xmlns="" xmlns:a16="http://schemas.microsoft.com/office/drawing/2014/main" val="20000"/>
                     </a:ext>
                   </a:extLst>
                 </a:gridCol>
                 <a:gridCol w="1063052">
                   <a:extLst>
                     <a:ext uri="{9D8B030D-6E8A-4147-A177-3AD203B41FA5}">
-                      <a16:colId xmlns:a16="http://schemas.microsoft.com/office/drawing/2014/main" xmlns="" val="20001"/>
+                      <a16:colId xmlns="" xmlns:a16="http://schemas.microsoft.com/office/drawing/2014/main" val="20001"/>
                     </a:ext>
                   </a:extLst>
                 </a:gridCol>
                 <a:gridCol w="5136599">
                   <a:extLst>
                     <a:ext uri="{9D8B030D-6E8A-4147-A177-3AD203B41FA5}">
-                      <a16:colId xmlns:a16="http://schemas.microsoft.com/office/drawing/2014/main" xmlns="" val="20002"/>
+                      <a16:colId xmlns="" xmlns:a16="http://schemas.microsoft.com/office/drawing/2014/main" val="20002"/>
                     </a:ext>
                   </a:extLst>
                 </a:gridCol>
                 <a:gridCol w="832279">
                   <a:extLst>
                     <a:ext uri="{9D8B030D-6E8A-4147-A177-3AD203B41FA5}">
-                      <a16:colId xmlns:a16="http://schemas.microsoft.com/office/drawing/2014/main" xmlns="" val="20003"/>
+                      <a16:colId xmlns="" xmlns:a16="http://schemas.microsoft.com/office/drawing/2014/main" val="20003"/>
                     </a:ext>
                   </a:extLst>
                 </a:gridCol>
                 <a:gridCol w="751879">
                   <a:extLst>
                     <a:ext uri="{9D8B030D-6E8A-4147-A177-3AD203B41FA5}">
-                      <a16:colId xmlns:a16="http://schemas.microsoft.com/office/drawing/2014/main" xmlns="" val="20004"/>
+                      <a16:colId xmlns="" xmlns:a16="http://schemas.microsoft.com/office/drawing/2014/main" val="20004"/>
                     </a:ext>
                   </a:extLst>
                 </a:gridCol>
@@ -2522,7 +2521,7 @@
                 </a:tc>
                 <a:extLst>
                   <a:ext uri="{0D108BD9-81ED-4DB2-BD59-A6C34878D82A}">
-                    <a16:rowId xmlns:a16="http://schemas.microsoft.com/office/drawing/2014/main" xmlns="" val="10000"/>
+                    <a16:rowId xmlns="" xmlns:a16="http://schemas.microsoft.com/office/drawing/2014/main" val="10000"/>
                   </a:ext>
                 </a:extLst>
               </a:tr>
@@ -2930,7 +2929,7 @@
                 </a:tc>
                 <a:extLst>
                   <a:ext uri="{0D108BD9-81ED-4DB2-BD59-A6C34878D82A}">
-                    <a16:rowId xmlns:a16="http://schemas.microsoft.com/office/drawing/2014/main" xmlns="" val="10001"/>
+                    <a16:rowId xmlns="" xmlns:a16="http://schemas.microsoft.com/office/drawing/2014/main" val="10001"/>
                   </a:ext>
                 </a:extLst>
               </a:tr>
@@ -3307,7 +3306,7 @@
                 </a:tc>
                 <a:extLst>
                   <a:ext uri="{0D108BD9-81ED-4DB2-BD59-A6C34878D82A}">
-                    <a16:rowId xmlns:a16="http://schemas.microsoft.com/office/drawing/2014/main" xmlns="" val="10002"/>
+                    <a16:rowId xmlns="" xmlns:a16="http://schemas.microsoft.com/office/drawing/2014/main" val="10002"/>
                   </a:ext>
                 </a:extLst>
               </a:tr>
@@ -3684,7 +3683,7 @@
                 </a:tc>
                 <a:extLst>
                   <a:ext uri="{0D108BD9-81ED-4DB2-BD59-A6C34878D82A}">
-                    <a16:rowId xmlns:a16="http://schemas.microsoft.com/office/drawing/2014/main" xmlns="" val="10003"/>
+                    <a16:rowId xmlns="" xmlns:a16="http://schemas.microsoft.com/office/drawing/2014/main" val="10003"/>
                   </a:ext>
                 </a:extLst>
               </a:tr>
@@ -4061,7 +4060,7 @@
                 </a:tc>
                 <a:extLst>
                   <a:ext uri="{0D108BD9-81ED-4DB2-BD59-A6C34878D82A}">
-                    <a16:rowId xmlns:a16="http://schemas.microsoft.com/office/drawing/2014/main" xmlns="" val="10004"/>
+                    <a16:rowId xmlns="" xmlns:a16="http://schemas.microsoft.com/office/drawing/2014/main" val="10004"/>
                   </a:ext>
                 </a:extLst>
               </a:tr>
@@ -4438,7 +4437,7 @@
                 </a:tc>
                 <a:extLst>
                   <a:ext uri="{0D108BD9-81ED-4DB2-BD59-A6C34878D82A}">
-                    <a16:rowId xmlns:a16="http://schemas.microsoft.com/office/drawing/2014/main" xmlns="" val="10005"/>
+                    <a16:rowId xmlns="" xmlns:a16="http://schemas.microsoft.com/office/drawing/2014/main" val="10005"/>
                   </a:ext>
                 </a:extLst>
               </a:tr>
@@ -4815,7 +4814,7 @@
                 </a:tc>
                 <a:extLst>
                   <a:ext uri="{0D108BD9-81ED-4DB2-BD59-A6C34878D82A}">
-                    <a16:rowId xmlns:a16="http://schemas.microsoft.com/office/drawing/2014/main" xmlns="" val="10006"/>
+                    <a16:rowId xmlns="" xmlns:a16="http://schemas.microsoft.com/office/drawing/2014/main" val="10006"/>
                   </a:ext>
                 </a:extLst>
               </a:tr>
@@ -5192,7 +5191,7 @@
                 </a:tc>
                 <a:extLst>
                   <a:ext uri="{0D108BD9-81ED-4DB2-BD59-A6C34878D82A}">
-                    <a16:rowId xmlns:a16="http://schemas.microsoft.com/office/drawing/2014/main" xmlns="" val="10007"/>
+                    <a16:rowId xmlns="" xmlns:a16="http://schemas.microsoft.com/office/drawing/2014/main" val="10007"/>
                   </a:ext>
                 </a:extLst>
               </a:tr>
@@ -5569,7 +5568,7 @@
                 </a:tc>
                 <a:extLst>
                   <a:ext uri="{0D108BD9-81ED-4DB2-BD59-A6C34878D82A}">
-                    <a16:rowId xmlns:a16="http://schemas.microsoft.com/office/drawing/2014/main" xmlns="" val="10008"/>
+                    <a16:rowId xmlns="" xmlns:a16="http://schemas.microsoft.com/office/drawing/2014/main" val="10008"/>
                   </a:ext>
                 </a:extLst>
               </a:tr>
@@ -5946,7 +5945,7 @@
                 </a:tc>
                 <a:extLst>
                   <a:ext uri="{0D108BD9-81ED-4DB2-BD59-A6C34878D82A}">
-                    <a16:rowId xmlns:a16="http://schemas.microsoft.com/office/drawing/2014/main" xmlns="" val="10009"/>
+                    <a16:rowId xmlns="" xmlns:a16="http://schemas.microsoft.com/office/drawing/2014/main" val="10009"/>
                   </a:ext>
                 </a:extLst>
               </a:tr>
@@ -6323,7 +6322,7 @@
                 </a:tc>
                 <a:extLst>
                   <a:ext uri="{0D108BD9-81ED-4DB2-BD59-A6C34878D82A}">
-                    <a16:rowId xmlns:a16="http://schemas.microsoft.com/office/drawing/2014/main" xmlns="" val="10010"/>
+                    <a16:rowId xmlns="" xmlns:a16="http://schemas.microsoft.com/office/drawing/2014/main" val="10010"/>
                   </a:ext>
                 </a:extLst>
               </a:tr>
@@ -6700,7 +6699,7 @@
                 </a:tc>
                 <a:extLst>
                   <a:ext uri="{0D108BD9-81ED-4DB2-BD59-A6C34878D82A}">
-                    <a16:rowId xmlns:a16="http://schemas.microsoft.com/office/drawing/2014/main" xmlns="" val="10011"/>
+                    <a16:rowId xmlns="" xmlns:a16="http://schemas.microsoft.com/office/drawing/2014/main" val="10011"/>
                   </a:ext>
                 </a:extLst>
               </a:tr>
@@ -7077,7 +7076,7 @@
                 </a:tc>
                 <a:extLst>
                   <a:ext uri="{0D108BD9-81ED-4DB2-BD59-A6C34878D82A}">
-                    <a16:rowId xmlns:a16="http://schemas.microsoft.com/office/drawing/2014/main" xmlns="" val="10012"/>
+                    <a16:rowId xmlns="" xmlns:a16="http://schemas.microsoft.com/office/drawing/2014/main" val="10012"/>
                   </a:ext>
                 </a:extLst>
               </a:tr>
@@ -7454,7 +7453,7 @@
                 </a:tc>
                 <a:extLst>
                   <a:ext uri="{0D108BD9-81ED-4DB2-BD59-A6C34878D82A}">
-                    <a16:rowId xmlns:a16="http://schemas.microsoft.com/office/drawing/2014/main" xmlns="" val="10013"/>
+                    <a16:rowId xmlns="" xmlns:a16="http://schemas.microsoft.com/office/drawing/2014/main" val="10013"/>
                   </a:ext>
                 </a:extLst>
               </a:tr>
@@ -7831,7 +7830,7 @@
                 </a:tc>
                 <a:extLst>
                   <a:ext uri="{0D108BD9-81ED-4DB2-BD59-A6C34878D82A}">
-                    <a16:rowId xmlns:a16="http://schemas.microsoft.com/office/drawing/2014/main" xmlns="" val="10014"/>
+                    <a16:rowId xmlns="" xmlns:a16="http://schemas.microsoft.com/office/drawing/2014/main" val="10014"/>
                   </a:ext>
                 </a:extLst>
               </a:tr>
@@ -8208,7 +8207,7 @@
                 </a:tc>
                 <a:extLst>
                   <a:ext uri="{0D108BD9-81ED-4DB2-BD59-A6C34878D82A}">
-                    <a16:rowId xmlns:a16="http://schemas.microsoft.com/office/drawing/2014/main" xmlns="" val="10015"/>
+                    <a16:rowId xmlns="" xmlns:a16="http://schemas.microsoft.com/office/drawing/2014/main" val="10015"/>
                   </a:ext>
                 </a:extLst>
               </a:tr>
@@ -8585,7 +8584,7 @@
                 </a:tc>
                 <a:extLst>
                   <a:ext uri="{0D108BD9-81ED-4DB2-BD59-A6C34878D82A}">
-                    <a16:rowId xmlns:a16="http://schemas.microsoft.com/office/drawing/2014/main" xmlns="" val="10016"/>
+                    <a16:rowId xmlns="" xmlns:a16="http://schemas.microsoft.com/office/drawing/2014/main" val="10016"/>
                   </a:ext>
                 </a:extLst>
               </a:tr>
@@ -8962,7 +8961,7 @@
                 </a:tc>
                 <a:extLst>
                   <a:ext uri="{0D108BD9-81ED-4DB2-BD59-A6C34878D82A}">
-                    <a16:rowId xmlns:a16="http://schemas.microsoft.com/office/drawing/2014/main" xmlns="" val="10017"/>
+                    <a16:rowId xmlns="" xmlns:a16="http://schemas.microsoft.com/office/drawing/2014/main" val="10017"/>
                   </a:ext>
                 </a:extLst>
               </a:tr>
@@ -9339,7 +9338,7 @@
                 </a:tc>
                 <a:extLst>
                   <a:ext uri="{0D108BD9-81ED-4DB2-BD59-A6C34878D82A}">
-                    <a16:rowId xmlns:a16="http://schemas.microsoft.com/office/drawing/2014/main" xmlns="" val="10018"/>
+                    <a16:rowId xmlns="" xmlns:a16="http://schemas.microsoft.com/office/drawing/2014/main" val="10018"/>
                   </a:ext>
                 </a:extLst>
               </a:tr>
@@ -9716,7 +9715,7 @@
                 </a:tc>
                 <a:extLst>
                   <a:ext uri="{0D108BD9-81ED-4DB2-BD59-A6C34878D82A}">
-                    <a16:rowId xmlns:a16="http://schemas.microsoft.com/office/drawing/2014/main" xmlns="" val="10019"/>
+                    <a16:rowId xmlns="" xmlns:a16="http://schemas.microsoft.com/office/drawing/2014/main" val="10019"/>
                   </a:ext>
                 </a:extLst>
               </a:tr>
@@ -10325,35 +10324,35 @@
                 <a:gridCol w="2055963">
                   <a:extLst>
                     <a:ext uri="{9D8B030D-6E8A-4147-A177-3AD203B41FA5}">
-                      <a16:colId xmlns:a16="http://schemas.microsoft.com/office/drawing/2014/main" xmlns="" val="20000"/>
+                      <a16:colId xmlns="" xmlns:a16="http://schemas.microsoft.com/office/drawing/2014/main" val="20000"/>
                     </a:ext>
                   </a:extLst>
                 </a:gridCol>
                 <a:gridCol w="4806232">
                   <a:extLst>
                     <a:ext uri="{9D8B030D-6E8A-4147-A177-3AD203B41FA5}">
-                      <a16:colId xmlns:a16="http://schemas.microsoft.com/office/drawing/2014/main" xmlns="" val="20001"/>
+                      <a16:colId xmlns="" xmlns:a16="http://schemas.microsoft.com/office/drawing/2014/main" val="20001"/>
                     </a:ext>
                   </a:extLst>
                 </a:gridCol>
                 <a:gridCol w="244751">
                   <a:extLst>
                     <a:ext uri="{9D8B030D-6E8A-4147-A177-3AD203B41FA5}">
-                      <a16:colId xmlns:a16="http://schemas.microsoft.com/office/drawing/2014/main" xmlns="" val="20002"/>
+                      <a16:colId xmlns="" xmlns:a16="http://schemas.microsoft.com/office/drawing/2014/main" val="20002"/>
                     </a:ext>
                   </a:extLst>
                 </a:gridCol>
                 <a:gridCol w="1226667">
                   <a:extLst>
                     <a:ext uri="{9D8B030D-6E8A-4147-A177-3AD203B41FA5}">
-                      <a16:colId xmlns:a16="http://schemas.microsoft.com/office/drawing/2014/main" xmlns="" val="20003"/>
+                      <a16:colId xmlns="" xmlns:a16="http://schemas.microsoft.com/office/drawing/2014/main" val="20003"/>
                     </a:ext>
                   </a:extLst>
                 </a:gridCol>
                 <a:gridCol w="829295">
                   <a:extLst>
                     <a:ext uri="{9D8B030D-6E8A-4147-A177-3AD203B41FA5}">
-                      <a16:colId xmlns:a16="http://schemas.microsoft.com/office/drawing/2014/main" xmlns="" val="20004"/>
+                      <a16:colId xmlns="" xmlns:a16="http://schemas.microsoft.com/office/drawing/2014/main" val="20004"/>
                     </a:ext>
                   </a:extLst>
                 </a:gridCol>
@@ -10585,7 +10584,7 @@
                 </a:tc>
                 <a:extLst>
                   <a:ext uri="{0D108BD9-81ED-4DB2-BD59-A6C34878D82A}">
-                    <a16:rowId xmlns:a16="http://schemas.microsoft.com/office/drawing/2014/main" xmlns="" val="10000"/>
+                    <a16:rowId xmlns="" xmlns:a16="http://schemas.microsoft.com/office/drawing/2014/main" val="10000"/>
                   </a:ext>
                 </a:extLst>
               </a:tr>
@@ -10679,14 +10678,14 @@
                 <a:gridCol w="4572000">
                   <a:extLst>
                     <a:ext uri="{9D8B030D-6E8A-4147-A177-3AD203B41FA5}">
-                      <a16:colId xmlns:a16="http://schemas.microsoft.com/office/drawing/2014/main" xmlns="" val="20000"/>
+                      <a16:colId xmlns="" xmlns:a16="http://schemas.microsoft.com/office/drawing/2014/main" val="20000"/>
                     </a:ext>
                   </a:extLst>
                 </a:gridCol>
                 <a:gridCol w="4572000">
                   <a:extLst>
                     <a:ext uri="{9D8B030D-6E8A-4147-A177-3AD203B41FA5}">
-                      <a16:colId xmlns:a16="http://schemas.microsoft.com/office/drawing/2014/main" xmlns="" val="20001"/>
+                      <a16:colId xmlns="" xmlns:a16="http://schemas.microsoft.com/office/drawing/2014/main" val="20001"/>
                     </a:ext>
                   </a:extLst>
                 </a:gridCol>
@@ -10764,7 +10763,7 @@
                 </a:tc>
                 <a:extLst>
                   <a:ext uri="{0D108BD9-81ED-4DB2-BD59-A6C34878D82A}">
-                    <a16:rowId xmlns:a16="http://schemas.microsoft.com/office/drawing/2014/main" xmlns="" val="10000"/>
+                    <a16:rowId xmlns="" xmlns:a16="http://schemas.microsoft.com/office/drawing/2014/main" val="10000"/>
                   </a:ext>
                 </a:extLst>
               </a:tr>
@@ -11222,7 +11221,7 @@
         </p:nvCxnSpPr>
         <p:spPr>
           <a:xfrm flipV="1">
-            <a:off x="3491" y="1881740"/>
+            <a:off x="3491" y="1508124"/>
             <a:ext cx="9158821" cy="14818"/>
           </a:xfrm>
           <a:prstGeom prst="line">
@@ -11258,7 +11257,7 @@
         </p:nvCxnSpPr>
         <p:spPr>
           <a:xfrm flipV="1">
-            <a:off x="3491" y="3173753"/>
+            <a:off x="3491" y="2354603"/>
             <a:ext cx="9158821" cy="14818"/>
           </a:xfrm>
           <a:prstGeom prst="line">
@@ -11324,92 +11323,6 @@
       </p:cxnSp>
       <p:sp>
         <p:nvSpPr>
-          <p:cNvPr id="77" name="TextBox 76"/>
-          <p:cNvSpPr txBox="1"/>
-          <p:nvPr/>
-        </p:nvSpPr>
-        <p:spPr>
-          <a:xfrm>
-            <a:off x="5943466" y="1172162"/>
-            <a:ext cx="1566332" cy="523220"/>
-          </a:xfrm>
-          <a:prstGeom prst="rect">
-            <a:avLst/>
-          </a:prstGeom>
-          <a:noFill/>
-          <a:ln w="3175">
-            <a:solidFill>
-              <a:schemeClr val="tx1"/>
-            </a:solidFill>
-          </a:ln>
-        </p:spPr>
-        <p:txBody>
-          <a:bodyPr wrap="square" lIns="36000" rIns="36000" rtlCol="0">
-            <a:spAutoFit/>
-          </a:bodyPr>
-          <a:lstStyle/>
-          <a:p>
-            <a:pPr marL="228600" indent="-228600">
-              <a:buAutoNum type="arabicPeriod"/>
-            </a:pPr>
-            <a:r>
-              <a:rPr lang="en-US" altLang="ko-KR" sz="700" dirty="0" err="1" smtClean="0">
-                <a:latin typeface="+mj-lt"/>
-              </a:rPr>
-              <a:t>tutorApplicationManaging.jsp</a:t>
-            </a:r>
-            <a:r>
-              <a:rPr lang="en-US" altLang="ko-KR" sz="700" dirty="0" smtClean="0">
-                <a:latin typeface="+mj-lt"/>
-              </a:rPr>
-              <a:t> : </a:t>
-            </a:r>
-            <a:r>
-              <a:rPr lang="ko-KR" altLang="en-US" sz="700" dirty="0" err="1" smtClean="0">
-                <a:latin typeface="+mj-lt"/>
-              </a:rPr>
-              <a:t>튜터</a:t>
-            </a:r>
-            <a:r>
-              <a:rPr lang="ko-KR" altLang="en-US" sz="700" dirty="0" smtClean="0">
-                <a:latin typeface="+mj-lt"/>
-              </a:rPr>
-              <a:t> 신청 관리</a:t>
-            </a:r>
-            <a:endParaRPr lang="en-US" altLang="ko-KR" sz="700" dirty="0" smtClean="0">
-              <a:latin typeface="+mj-lt"/>
-            </a:endParaRPr>
-          </a:p>
-          <a:p>
-            <a:pPr marL="228600" indent="-228600">
-              <a:buAutoNum type="arabicPeriod"/>
-            </a:pPr>
-            <a:r>
-              <a:rPr lang="en-US" altLang="ko-KR" sz="700" dirty="0" err="1" smtClean="0">
-                <a:latin typeface="+mj-lt"/>
-              </a:rPr>
-              <a:t>tutorApplying.jsp</a:t>
-            </a:r>
-            <a:r>
-              <a:rPr lang="en-US" altLang="ko-KR" sz="700" dirty="0" smtClean="0">
-                <a:latin typeface="+mj-lt"/>
-              </a:rPr>
-              <a:t> : </a:t>
-            </a:r>
-            <a:r>
-              <a:rPr lang="ko-KR" altLang="en-US" sz="700" dirty="0" err="1" smtClean="0">
-                <a:latin typeface="+mj-lt"/>
-              </a:rPr>
-              <a:t>튜터신청양식</a:t>
-            </a:r>
-            <a:endParaRPr lang="en-US" altLang="ko-KR" sz="700" dirty="0" smtClean="0">
-              <a:latin typeface="+mj-lt"/>
-            </a:endParaRPr>
-          </a:p>
-        </p:txBody>
-      </p:sp>
-      <p:sp>
-        <p:nvSpPr>
           <p:cNvPr id="4" name="TextBox 3"/>
           <p:cNvSpPr txBox="1"/>
           <p:nvPr/>
@@ -11446,7 +11359,7 @@
         </p:nvSpPr>
         <p:spPr>
           <a:xfrm>
-            <a:off x="110055" y="1921905"/>
+            <a:off x="110055" y="1548289"/>
             <a:ext cx="838691" cy="415498"/>
           </a:xfrm>
           <a:prstGeom prst="rect">
@@ -11560,7 +11473,7 @@
         </p:nvSpPr>
         <p:spPr>
           <a:xfrm>
-            <a:off x="3888725" y="1955659"/>
+            <a:off x="3888725" y="1582043"/>
             <a:ext cx="1293526" cy="230832"/>
           </a:xfrm>
           <a:prstGeom prst="rect">
@@ -12020,8 +11933,8 @@
         </p:nvSpPr>
         <p:spPr>
           <a:xfrm>
-            <a:off x="-22548" y="848996"/>
-            <a:ext cx="1722965" cy="846386"/>
+            <a:off x="488716" y="952873"/>
+            <a:ext cx="1722965" cy="369332"/>
           </a:xfrm>
           <a:prstGeom prst="rect">
             <a:avLst/>
@@ -12039,110 +11952,101 @@
           </a:bodyPr>
           <a:lstStyle/>
           <a:p>
-            <a:pPr marL="228600" indent="-228600">
+            <a:pPr marL="85725" indent="-85725">
               <a:buFont typeface="+mj-lt"/>
               <a:buAutoNum type="arabicPeriod"/>
             </a:pPr>
             <a:r>
-              <a:rPr lang="en-US" altLang="ko-KR" sz="700" dirty="0" err="1" smtClean="0">
+              <a:rPr lang="en-US" altLang="ko-KR" sz="600" dirty="0" err="1">
                 <a:latin typeface="+mj-lt"/>
               </a:rPr>
-              <a:t>LearningManaging.jsp</a:t>
-            </a:r>
-            <a:r>
-              <a:rPr lang="en-US" altLang="ko-KR" sz="700" dirty="0" smtClean="0">
+              <a:t>l</a:t>
+            </a:r>
+            <a:r>
+              <a:rPr lang="en-US" altLang="ko-KR" sz="600" dirty="0" err="1" smtClean="0">
+                <a:latin typeface="+mj-lt"/>
+              </a:rPr>
+              <a:t>earningContentManaging.jsp</a:t>
+            </a:r>
+            <a:r>
+              <a:rPr lang="en-US" altLang="ko-KR" sz="600" dirty="0" smtClean="0">
                 <a:latin typeface="+mj-lt"/>
               </a:rPr>
               <a:t>: </a:t>
             </a:r>
             <a:r>
-              <a:rPr lang="ko-KR" altLang="en-US" sz="700" dirty="0" smtClean="0">
+              <a:rPr lang="ko-KR" altLang="en-US" sz="600" dirty="0" smtClean="0">
                 <a:latin typeface="+mj-lt"/>
               </a:rPr>
               <a:t>과목 관리</a:t>
             </a:r>
-            <a:endParaRPr lang="en-US" altLang="ko-KR" sz="700" dirty="0" smtClean="0">
+            <a:endParaRPr lang="en-US" altLang="ko-KR" sz="600" dirty="0" smtClean="0">
               <a:latin typeface="+mj-lt"/>
             </a:endParaRPr>
           </a:p>
           <a:p>
-            <a:pPr marL="228600" indent="-228600">
+            <a:pPr marL="85725" indent="-85725">
               <a:buFont typeface="+mj-lt"/>
               <a:buAutoNum type="arabicPeriod"/>
             </a:pPr>
             <a:r>
-              <a:rPr lang="en-US" altLang="ko-KR" sz="700" dirty="0" err="1" smtClean="0">
+              <a:rPr lang="en-US" altLang="ko-KR" sz="600" dirty="0" err="1" smtClean="0">
                 <a:latin typeface="+mj-lt"/>
               </a:rPr>
-              <a:t>UnitContentManaging.jsp</a:t>
-            </a:r>
-            <a:r>
-              <a:rPr lang="en-US" altLang="ko-KR" sz="700" dirty="0" smtClean="0">
+              <a:t>unitContentEditor.jsp</a:t>
+            </a:r>
+            <a:r>
+              <a:rPr lang="en-US" altLang="ko-KR" sz="600" dirty="0" smtClean="0">
                 <a:latin typeface="+mj-lt"/>
               </a:rPr>
-              <a:t> : </a:t>
-            </a:r>
-            <a:r>
-              <a:rPr lang="ko-KR" altLang="en-US" sz="700" dirty="0" smtClean="0">
+              <a:t> </a:t>
+            </a:r>
+            <a:r>
+              <a:rPr lang="en-US" altLang="ko-KR" sz="600" dirty="0" smtClean="0">
+                <a:latin typeface="+mj-lt"/>
+              </a:rPr>
+              <a:t>: </a:t>
+            </a:r>
+            <a:r>
+              <a:rPr lang="ko-KR" altLang="en-US" sz="600" dirty="0" smtClean="0">
                 <a:latin typeface="+mj-lt"/>
               </a:rPr>
               <a:t>단원내용 관리</a:t>
             </a:r>
-            <a:endParaRPr lang="en-US" altLang="ko-KR" sz="700" dirty="0" smtClean="0">
+            <a:endParaRPr lang="en-US" altLang="ko-KR" sz="600" dirty="0" smtClean="0">
               <a:latin typeface="+mj-lt"/>
             </a:endParaRPr>
           </a:p>
           <a:p>
-            <a:pPr marL="228600" indent="-228600">
+            <a:pPr marL="85725" indent="-85725">
               <a:buFont typeface="+mj-lt"/>
               <a:buAutoNum type="arabicPeriod"/>
             </a:pPr>
             <a:r>
-              <a:rPr lang="en-US" altLang="ko-KR" sz="700" dirty="0" err="1" smtClean="0">
+              <a:rPr lang="en-US" altLang="ko-KR" sz="600" dirty="0" err="1" smtClean="0">
                 <a:latin typeface="+mj-lt"/>
               </a:rPr>
-              <a:t>FinalTestManaging.jsp</a:t>
-            </a:r>
-            <a:r>
-              <a:rPr lang="en-US" altLang="ko-KR" sz="700" dirty="0" smtClean="0">
-                <a:latin typeface="+mj-lt"/>
-              </a:rPr>
-              <a:t> : </a:t>
-            </a:r>
-            <a:r>
-              <a:rPr lang="ko-KR" altLang="en-US" sz="700" dirty="0" smtClean="0">
-                <a:latin typeface="+mj-lt"/>
-              </a:rPr>
-              <a:t>마무리 문제 관리</a:t>
-            </a:r>
-            <a:endParaRPr lang="en-US" altLang="ko-KR" sz="700" dirty="0" smtClean="0">
-              <a:latin typeface="+mj-lt"/>
-            </a:endParaRPr>
-          </a:p>
-          <a:p>
-            <a:pPr marL="228600" indent="-228600">
-              <a:buFont typeface="+mj-lt"/>
-              <a:buAutoNum type="arabicPeriod"/>
-            </a:pPr>
-            <a:r>
-              <a:rPr lang="en-US" altLang="ko-KR" sz="700" dirty="0" err="1" smtClean="0">
-                <a:latin typeface="+mj-lt"/>
-              </a:rPr>
-              <a:t>ChallengeContentManaing.jsp</a:t>
-            </a:r>
-            <a:r>
-              <a:rPr lang="en-US" altLang="ko-KR" sz="700" dirty="0" smtClean="0">
+              <a:t>challengeContentManager.jsp</a:t>
+            </a:r>
+            <a:r>
+              <a:rPr lang="en-US" altLang="ko-KR" sz="600" dirty="0" smtClean="0">
                 <a:latin typeface="+mj-lt"/>
               </a:rPr>
               <a:t>: </a:t>
             </a:r>
             <a:r>
-              <a:rPr lang="ko-KR" altLang="en-US" sz="700" dirty="0" smtClean="0">
+              <a:rPr lang="ko-KR" altLang="en-US" sz="600" dirty="0" smtClean="0">
                 <a:latin typeface="+mj-lt"/>
               </a:rPr>
-              <a:t>도전과제 내용 관리</a:t>
-            </a:r>
-            <a:endParaRPr lang="en-US" altLang="ko-KR" sz="700" dirty="0" smtClean="0">
+              <a:t>도전과제 </a:t>
+            </a:r>
+            <a:r>
+              <a:rPr lang="ko-KR" altLang="en-US" sz="600" dirty="0" smtClean="0">
+                <a:latin typeface="+mj-lt"/>
+              </a:rPr>
+              <a:t>관리</a:t>
+            </a:r>
+            <a:endParaRPr lang="en-US" altLang="ko-KR" sz="600" dirty="0" smtClean="0">
               <a:latin typeface="+mj-lt"/>
             </a:endParaRPr>
           </a:p>
@@ -12156,8 +12060,8 @@
         </p:nvSpPr>
         <p:spPr>
           <a:xfrm>
-            <a:off x="297143" y="2488074"/>
-            <a:ext cx="1293526" cy="230832"/>
+            <a:off x="2565846" y="2065298"/>
+            <a:ext cx="971845" cy="200055"/>
           </a:xfrm>
           <a:prstGeom prst="rect">
             <a:avLst/>
@@ -12177,10 +12081,10 @@
           <a:p>
             <a:pPr algn="ctr"/>
             <a:r>
-              <a:rPr lang="en-US" altLang="ko-KR" sz="900" b="1" dirty="0" err="1" smtClean="0"/>
+              <a:rPr lang="en-US" altLang="ko-KR" sz="700" b="1" dirty="0" err="1" smtClean="0"/>
               <a:t>ContentController</a:t>
             </a:r>
-            <a:endParaRPr lang="ko-KR" altLang="en-US" sz="900" b="1" dirty="0"/>
+            <a:endParaRPr lang="ko-KR" altLang="en-US" sz="700" b="1" dirty="0"/>
           </a:p>
         </p:txBody>
       </p:sp>
@@ -12192,8 +12096,8 @@
         </p:nvSpPr>
         <p:spPr>
           <a:xfrm>
-            <a:off x="1717741" y="2488074"/>
-            <a:ext cx="1293526" cy="230832"/>
+            <a:off x="1472109" y="2065298"/>
+            <a:ext cx="971845" cy="200055"/>
           </a:xfrm>
           <a:prstGeom prst="rect">
             <a:avLst/>
@@ -12213,10 +12117,10 @@
           <a:p>
             <a:pPr algn="ctr"/>
             <a:r>
-              <a:rPr lang="en-US" altLang="ko-KR" sz="900" b="1" dirty="0" err="1" smtClean="0"/>
+              <a:rPr lang="en-US" altLang="ko-KR" sz="700" b="1" dirty="0" err="1" smtClean="0"/>
               <a:t>LearningController</a:t>
             </a:r>
-            <a:endParaRPr lang="ko-KR" altLang="en-US" sz="900" b="1" dirty="0"/>
+            <a:endParaRPr lang="ko-KR" altLang="en-US" sz="700" b="1" dirty="0"/>
           </a:p>
         </p:txBody>
       </p:sp>
@@ -12228,8 +12132,8 @@
         </p:nvSpPr>
         <p:spPr>
           <a:xfrm>
-            <a:off x="3138339" y="2488074"/>
-            <a:ext cx="1293526" cy="230832"/>
+            <a:off x="417016" y="2065296"/>
+            <a:ext cx="971845" cy="200055"/>
           </a:xfrm>
           <a:prstGeom prst="rect">
             <a:avLst/>
@@ -12249,10 +12153,10 @@
           <a:p>
             <a:pPr algn="ctr"/>
             <a:r>
-              <a:rPr lang="en-US" altLang="ko-KR" sz="900" b="1" dirty="0" err="1" smtClean="0"/>
+              <a:rPr lang="en-US" altLang="ko-KR" sz="700" b="1" dirty="0" err="1" smtClean="0"/>
               <a:t>ChallengeController</a:t>
             </a:r>
-            <a:endParaRPr lang="ko-KR" altLang="en-US" sz="900" b="1" dirty="0"/>
+            <a:endParaRPr lang="ko-KR" altLang="en-US" sz="700" b="1" dirty="0"/>
           </a:p>
         </p:txBody>
       </p:sp>
@@ -12264,8 +12168,8 @@
         </p:nvSpPr>
         <p:spPr>
           <a:xfrm>
-            <a:off x="4558937" y="2488074"/>
-            <a:ext cx="1293526" cy="230832"/>
+            <a:off x="5642360" y="2065298"/>
+            <a:ext cx="971845" cy="200055"/>
           </a:xfrm>
           <a:prstGeom prst="rect">
             <a:avLst/>
@@ -12285,10 +12189,10 @@
           <a:p>
             <a:pPr algn="ctr"/>
             <a:r>
-              <a:rPr lang="en-US" altLang="ko-KR" sz="900" b="1" dirty="0" err="1" smtClean="0"/>
+              <a:rPr lang="en-US" altLang="ko-KR" sz="700" b="1" dirty="0" err="1" smtClean="0"/>
               <a:t>UserController</a:t>
             </a:r>
-            <a:endParaRPr lang="ko-KR" altLang="en-US" sz="900" b="1" dirty="0"/>
+            <a:endParaRPr lang="ko-KR" altLang="en-US" sz="700" b="1" dirty="0"/>
           </a:p>
         </p:txBody>
       </p:sp>
@@ -12300,8 +12204,8 @@
         </p:nvSpPr>
         <p:spPr>
           <a:xfrm>
-            <a:off x="7400132" y="2488074"/>
-            <a:ext cx="1293526" cy="230832"/>
+            <a:off x="7728117" y="2065298"/>
+            <a:ext cx="971845" cy="200055"/>
           </a:xfrm>
           <a:prstGeom prst="rect">
             <a:avLst/>
@@ -12321,10 +12225,10 @@
           <a:p>
             <a:pPr algn="ctr"/>
             <a:r>
-              <a:rPr lang="en-US" altLang="ko-KR" sz="900" b="1" dirty="0" err="1" smtClean="0"/>
+              <a:rPr lang="en-US" altLang="ko-KR" sz="700" b="1" dirty="0" err="1" smtClean="0"/>
               <a:t>BoardController</a:t>
             </a:r>
-            <a:endParaRPr lang="ko-KR" altLang="en-US" sz="900" b="1" dirty="0"/>
+            <a:endParaRPr lang="ko-KR" altLang="en-US" sz="700" b="1" dirty="0"/>
           </a:p>
         </p:txBody>
       </p:sp>
@@ -12336,8 +12240,8 @@
         </p:nvSpPr>
         <p:spPr>
           <a:xfrm>
-            <a:off x="5979535" y="2488074"/>
-            <a:ext cx="1293526" cy="230832"/>
+            <a:off x="4693991" y="2065294"/>
+            <a:ext cx="971845" cy="200055"/>
           </a:xfrm>
           <a:prstGeom prst="rect">
             <a:avLst/>
@@ -12357,10 +12261,10 @@
           <a:p>
             <a:pPr algn="ctr"/>
             <a:r>
-              <a:rPr lang="en-US" altLang="ko-KR" sz="900" b="1" dirty="0" err="1" smtClean="0"/>
+              <a:rPr lang="en-US" altLang="ko-KR" sz="700" b="1" dirty="0" err="1" smtClean="0"/>
               <a:t>AdminController</a:t>
             </a:r>
-            <a:endParaRPr lang="ko-KR" altLang="en-US" sz="900" b="1" dirty="0"/>
+            <a:endParaRPr lang="ko-KR" altLang="en-US" sz="700" b="1" dirty="0"/>
           </a:p>
         </p:txBody>
       </p:sp>
@@ -12375,8 +12279,8 @@
         </p:nvCxnSpPr>
         <p:spPr>
           <a:xfrm rot="5400000">
-            <a:off x="4009504" y="1962089"/>
-            <a:ext cx="301583" cy="750386"/>
+            <a:off x="2593004" y="122811"/>
+            <a:ext cx="252421" cy="3632549"/>
           </a:xfrm>
           <a:prstGeom prst="bentConnector3">
             <a:avLst/>
@@ -12414,8 +12318,8 @@
         </p:nvCxnSpPr>
         <p:spPr>
           <a:xfrm rot="5400000">
-            <a:off x="3299205" y="1251790"/>
-            <a:ext cx="301583" cy="2170984"/>
+            <a:off x="3120549" y="650358"/>
+            <a:ext cx="252423" cy="2577456"/>
           </a:xfrm>
           <a:prstGeom prst="bentConnector3">
             <a:avLst/>
@@ -12453,8 +12357,8 @@
         </p:nvCxnSpPr>
         <p:spPr>
           <a:xfrm rot="5400000">
-            <a:off x="2588906" y="541491"/>
-            <a:ext cx="301583" cy="3591582"/>
+            <a:off x="3667418" y="1197227"/>
+            <a:ext cx="252423" cy="1483719"/>
           </a:xfrm>
           <a:prstGeom prst="bentConnector3">
             <a:avLst/>
@@ -12492,8 +12396,8 @@
         </p:nvCxnSpPr>
         <p:spPr>
           <a:xfrm rot="16200000" flipH="1">
-            <a:off x="4719803" y="2002176"/>
-            <a:ext cx="301583" cy="670212"/>
+            <a:off x="5205674" y="1142688"/>
+            <a:ext cx="252423" cy="1592795"/>
           </a:xfrm>
           <a:prstGeom prst="bentConnector3">
             <a:avLst/>
@@ -12531,8 +12435,8 @@
         </p:nvCxnSpPr>
         <p:spPr>
           <a:xfrm rot="16200000" flipH="1">
-            <a:off x="5430102" y="1291877"/>
-            <a:ext cx="301583" cy="2090810"/>
+            <a:off x="4731492" y="1616871"/>
+            <a:ext cx="252419" cy="644426"/>
           </a:xfrm>
           <a:prstGeom prst="bentConnector3">
             <a:avLst/>
@@ -12570,8 +12474,8 @@
         </p:nvCxnSpPr>
         <p:spPr>
           <a:xfrm rot="16200000" flipH="1">
-            <a:off x="6140400" y="581578"/>
-            <a:ext cx="301583" cy="3511407"/>
+            <a:off x="6248553" y="99810"/>
+            <a:ext cx="252423" cy="3678552"/>
           </a:xfrm>
           <a:prstGeom prst="bentConnector3">
             <a:avLst/>
@@ -12606,8 +12510,8 @@
         </p:nvSpPr>
         <p:spPr>
           <a:xfrm>
-            <a:off x="6179662" y="3646330"/>
-            <a:ext cx="1293526" cy="230832"/>
+            <a:off x="7628542" y="3175395"/>
+            <a:ext cx="730161" cy="200055"/>
           </a:xfrm>
           <a:prstGeom prst="rect">
             <a:avLst/>
@@ -12627,10 +12531,10 @@
           <a:p>
             <a:pPr algn="ctr"/>
             <a:r>
-              <a:rPr lang="en-US" altLang="ko-KR" sz="900" b="1" dirty="0" err="1" smtClean="0"/>
+              <a:rPr lang="en-US" altLang="ko-KR" sz="700" b="1" dirty="0" err="1" smtClean="0"/>
               <a:t>BoardManager</a:t>
             </a:r>
-            <a:endParaRPr lang="ko-KR" altLang="en-US" sz="900" b="1" dirty="0"/>
+            <a:endParaRPr lang="ko-KR" altLang="en-US" sz="700" b="1" dirty="0"/>
           </a:p>
         </p:txBody>
       </p:sp>
@@ -12642,8 +12546,8 @@
         </p:nvSpPr>
         <p:spPr>
           <a:xfrm>
-            <a:off x="2397039" y="3648324"/>
-            <a:ext cx="1293526" cy="230832"/>
+            <a:off x="2194500" y="3057911"/>
+            <a:ext cx="971845" cy="200055"/>
           </a:xfrm>
           <a:prstGeom prst="rect">
             <a:avLst/>
@@ -12663,46 +12567,10 @@
           <a:p>
             <a:pPr algn="ctr"/>
             <a:r>
-              <a:rPr lang="en-US" altLang="ko-KR" sz="900" b="1" dirty="0" err="1" smtClean="0"/>
+              <a:rPr lang="en-US" altLang="ko-KR" sz="700" b="1" dirty="0" err="1" smtClean="0"/>
               <a:t>ContentManager</a:t>
             </a:r>
-            <a:endParaRPr lang="ko-KR" altLang="en-US" sz="900" b="1" dirty="0"/>
-          </a:p>
-        </p:txBody>
-      </p:sp>
-      <p:sp>
-        <p:nvSpPr>
-          <p:cNvPr id="126" name="TextBox 125"/>
-          <p:cNvSpPr txBox="1"/>
-          <p:nvPr/>
-        </p:nvSpPr>
-        <p:spPr>
-          <a:xfrm>
-            <a:off x="4692279" y="3648324"/>
-            <a:ext cx="1293526" cy="230832"/>
-          </a:xfrm>
-          <a:prstGeom prst="rect">
-            <a:avLst/>
-          </a:prstGeom>
-          <a:noFill/>
-          <a:ln>
-            <a:solidFill>
-              <a:schemeClr val="tx1"/>
-            </a:solidFill>
-          </a:ln>
-        </p:spPr>
-        <p:txBody>
-          <a:bodyPr wrap="square" lIns="36000" rIns="36000" rtlCol="0">
-            <a:spAutoFit/>
-          </a:bodyPr>
-          <a:lstStyle/>
-          <a:p>
-            <a:pPr algn="ctr"/>
-            <a:r>
-              <a:rPr lang="en-US" altLang="ko-KR" sz="900" b="1" dirty="0" err="1" smtClean="0"/>
-              <a:t>UserManager</a:t>
-            </a:r>
-            <a:endParaRPr lang="ko-KR" altLang="en-US" sz="900" b="1" dirty="0"/>
+            <a:endParaRPr lang="ko-KR" altLang="en-US" sz="700" b="1" dirty="0"/>
           </a:p>
         </p:txBody>
       </p:sp>
@@ -12714,8 +12582,8 @@
         </p:nvSpPr>
         <p:spPr>
           <a:xfrm>
-            <a:off x="557900" y="3859431"/>
-            <a:ext cx="971845" cy="230832"/>
+            <a:off x="678742" y="3859431"/>
+            <a:ext cx="730161" cy="200055"/>
           </a:xfrm>
           <a:prstGeom prst="rect">
             <a:avLst/>
@@ -12735,10 +12603,10 @@
           <a:p>
             <a:pPr algn="ctr"/>
             <a:r>
-              <a:rPr lang="en-US" altLang="ko-KR" sz="900" b="1" dirty="0" err="1" smtClean="0"/>
+              <a:rPr lang="en-US" altLang="ko-KR" sz="700" b="1" dirty="0" err="1" smtClean="0"/>
               <a:t>JavaLauncher</a:t>
             </a:r>
-            <a:endParaRPr lang="ko-KR" altLang="en-US" sz="900" b="1" dirty="0"/>
+            <a:endParaRPr lang="ko-KR" altLang="en-US" sz="700" b="1" dirty="0"/>
           </a:p>
         </p:txBody>
       </p:sp>
@@ -12750,8 +12618,8 @@
         </p:nvSpPr>
         <p:spPr>
           <a:xfrm>
-            <a:off x="8104909" y="3938741"/>
-            <a:ext cx="866087" cy="230832"/>
+            <a:off x="8180064" y="3862541"/>
+            <a:ext cx="715776" cy="200055"/>
           </a:xfrm>
           <a:prstGeom prst="rect">
             <a:avLst/>
@@ -12771,10 +12639,10 @@
           <a:p>
             <a:pPr algn="ctr"/>
             <a:r>
-              <a:rPr lang="en-US" altLang="ko-KR" sz="900" b="1" dirty="0" err="1" smtClean="0"/>
+              <a:rPr lang="en-US" altLang="ko-KR" sz="700" b="1" dirty="0" err="1" smtClean="0"/>
               <a:t>PageManager</a:t>
             </a:r>
-            <a:endParaRPr lang="ko-KR" altLang="en-US" sz="900" b="1" dirty="0"/>
+            <a:endParaRPr lang="ko-KR" altLang="en-US" sz="700" b="1" dirty="0"/>
           </a:p>
         </p:txBody>
       </p:sp>
@@ -12786,8 +12654,8 @@
         </p:nvSpPr>
         <p:spPr>
           <a:xfrm>
-            <a:off x="6179662" y="3318386"/>
-            <a:ext cx="1293526" cy="230832"/>
+            <a:off x="7628542" y="2870311"/>
+            <a:ext cx="730161" cy="200055"/>
           </a:xfrm>
           <a:prstGeom prst="rect">
             <a:avLst/>
@@ -12807,10 +12675,10 @@
           <a:p>
             <a:pPr algn="ctr"/>
             <a:r>
-              <a:rPr lang="en-US" altLang="ko-KR" sz="900" b="1" dirty="0" err="1" smtClean="0"/>
+              <a:rPr lang="en-US" altLang="ko-KR" sz="700" b="1" dirty="0" err="1" smtClean="0"/>
               <a:t>BoardService</a:t>
             </a:r>
-            <a:endParaRPr lang="ko-KR" altLang="en-US" sz="900" b="1" dirty="0"/>
+            <a:endParaRPr lang="ko-KR" altLang="en-US" sz="700" b="1" dirty="0"/>
           </a:p>
         </p:txBody>
       </p:sp>
@@ -12822,8 +12690,8 @@
         </p:nvSpPr>
         <p:spPr>
           <a:xfrm>
-            <a:off x="2261219" y="3320380"/>
-            <a:ext cx="1565167" cy="230832"/>
+            <a:off x="2092456" y="2760447"/>
+            <a:ext cx="1175933" cy="200055"/>
           </a:xfrm>
           <a:prstGeom prst="rect">
             <a:avLst/>
@@ -12843,50 +12711,14 @@
           <a:p>
             <a:pPr algn="ctr"/>
             <a:r>
-              <a:rPr lang="en-US" altLang="ko-KR" sz="900" b="1" dirty="0" err="1"/>
+              <a:rPr lang="en-US" altLang="ko-KR" sz="700" b="1" dirty="0" err="1"/>
               <a:t>Content</a:t>
             </a:r>
             <a:r>
-              <a:rPr lang="en-US" altLang="ko-KR" sz="900" b="1" dirty="0" err="1" smtClean="0"/>
+              <a:rPr lang="en-US" altLang="ko-KR" sz="700" b="1" dirty="0" err="1" smtClean="0"/>
               <a:t>ManagingService</a:t>
             </a:r>
-            <a:endParaRPr lang="ko-KR" altLang="en-US" sz="900" b="1" dirty="0"/>
-          </a:p>
-        </p:txBody>
-      </p:sp>
-      <p:sp>
-        <p:nvSpPr>
-          <p:cNvPr id="133" name="TextBox 132"/>
-          <p:cNvSpPr txBox="1"/>
-          <p:nvPr/>
-        </p:nvSpPr>
-        <p:spPr>
-          <a:xfrm>
-            <a:off x="4692279" y="3320380"/>
-            <a:ext cx="1293526" cy="230832"/>
-          </a:xfrm>
-          <a:prstGeom prst="rect">
-            <a:avLst/>
-          </a:prstGeom>
-          <a:noFill/>
-          <a:ln>
-            <a:solidFill>
-              <a:schemeClr val="tx1"/>
-            </a:solidFill>
-          </a:ln>
-        </p:spPr>
-        <p:txBody>
-          <a:bodyPr wrap="square" lIns="36000" rIns="36000" rtlCol="0">
-            <a:spAutoFit/>
-          </a:bodyPr>
-          <a:lstStyle/>
-          <a:p>
-            <a:pPr algn="ctr"/>
-            <a:r>
-              <a:rPr lang="en-US" altLang="ko-KR" sz="900" b="1" dirty="0" err="1" smtClean="0"/>
-              <a:t>UserService</a:t>
-            </a:r>
-            <a:endParaRPr lang="ko-KR" altLang="en-US" sz="900" b="1" dirty="0"/>
+            <a:endParaRPr lang="ko-KR" altLang="en-US" sz="700" b="1" dirty="0"/>
           </a:p>
         </p:txBody>
       </p:sp>
@@ -12898,53 +12730,7 @@
         </p:nvSpPr>
         <p:spPr>
           <a:xfrm>
-            <a:off x="2999746" y="3160618"/>
-            <a:ext cx="89970" cy="89970"/>
-          </a:xfrm>
-          <a:prstGeom prst="ellipse">
-            <a:avLst/>
-          </a:prstGeom>
-          <a:noFill/>
-          <a:ln w="9525">
-            <a:solidFill>
-              <a:schemeClr val="tx1"/>
-            </a:solidFill>
-          </a:ln>
-        </p:spPr>
-        <p:style>
-          <a:lnRef idx="2">
-            <a:schemeClr val="accent1">
-              <a:shade val="50000"/>
-            </a:schemeClr>
-          </a:lnRef>
-          <a:fillRef idx="1">
-            <a:schemeClr val="accent1"/>
-          </a:fillRef>
-          <a:effectRef idx="0">
-            <a:schemeClr val="accent1"/>
-          </a:effectRef>
-          <a:fontRef idx="minor">
-            <a:schemeClr val="lt1"/>
-          </a:fontRef>
-        </p:style>
-        <p:txBody>
-          <a:bodyPr rtlCol="0" anchor="ctr"/>
-          <a:lstStyle/>
-          <a:p>
-            <a:pPr algn="ctr"/>
-            <a:endParaRPr lang="ko-KR" altLang="en-US"/>
-          </a:p>
-        </p:txBody>
-      </p:sp>
-      <p:sp>
-        <p:nvSpPr>
-          <p:cNvPr id="141" name="타원 140"/>
-          <p:cNvSpPr/>
-          <p:nvPr/>
-        </p:nvSpPr>
-        <p:spPr>
-          <a:xfrm>
-            <a:off x="5294057" y="3160618"/>
+            <a:off x="2634491" y="2571884"/>
             <a:ext cx="89970" cy="89970"/>
           </a:xfrm>
           <a:prstGeom prst="ellipse">
@@ -12990,7 +12776,7 @@
         </p:nvSpPr>
         <p:spPr>
           <a:xfrm>
-            <a:off x="6781440" y="3160618"/>
+            <a:off x="7945594" y="2686184"/>
             <a:ext cx="89970" cy="89970"/>
           </a:xfrm>
           <a:prstGeom prst="ellipse">
@@ -13036,8 +12822,8 @@
         </p:nvSpPr>
         <p:spPr>
           <a:xfrm>
-            <a:off x="560835" y="3512834"/>
-            <a:ext cx="971845" cy="230832"/>
+            <a:off x="681677" y="3512834"/>
+            <a:ext cx="730161" cy="200055"/>
           </a:xfrm>
           <a:prstGeom prst="rect">
             <a:avLst/>
@@ -13057,10 +12843,10 @@
           <a:p>
             <a:pPr algn="ctr"/>
             <a:r>
-              <a:rPr lang="en-US" altLang="ko-KR" sz="900" b="1" dirty="0" err="1" smtClean="0"/>
+              <a:rPr lang="en-US" altLang="ko-KR" sz="700" b="1" dirty="0" err="1" smtClean="0"/>
               <a:t>CodeLauncher</a:t>
             </a:r>
-            <a:endParaRPr lang="ko-KR" altLang="en-US" sz="900" b="1" dirty="0"/>
+            <a:endParaRPr lang="ko-KR" altLang="en-US" sz="700" b="1" dirty="0"/>
           </a:p>
         </p:txBody>
       </p:sp>
@@ -13118,8 +12904,8 @@
         </p:nvSpPr>
         <p:spPr>
           <a:xfrm>
-            <a:off x="8104909" y="3600611"/>
-            <a:ext cx="866087" cy="230832"/>
+            <a:off x="8180064" y="3570131"/>
+            <a:ext cx="715776" cy="200055"/>
           </a:xfrm>
           <a:prstGeom prst="rect">
             <a:avLst/>
@@ -13139,10 +12925,10 @@
           <a:p>
             <a:pPr algn="ctr"/>
             <a:r>
-              <a:rPr lang="en-US" altLang="ko-KR" sz="900" b="1" dirty="0" err="1" smtClean="0"/>
+              <a:rPr lang="en-US" altLang="ko-KR" sz="700" b="1" dirty="0" err="1" smtClean="0"/>
               <a:t>PagingService</a:t>
             </a:r>
-            <a:endParaRPr lang="ko-KR" altLang="en-US" sz="900" b="1" dirty="0"/>
+            <a:endParaRPr lang="ko-KR" altLang="en-US" sz="700" b="1" dirty="0"/>
           </a:p>
         </p:txBody>
       </p:sp>
@@ -13237,13 +13023,13 @@
           <p:nvPr/>
         </p:nvCxnSpPr>
         <p:spPr>
-          <a:xfrm rot="16200000" flipH="1">
-            <a:off x="1750970" y="1911842"/>
-            <a:ext cx="454888" cy="2069016"/>
+          <a:xfrm rot="5400000">
+            <a:off x="2689865" y="2223155"/>
+            <a:ext cx="319707" cy="404102"/>
           </a:xfrm>
           <a:prstGeom prst="bentConnector3">
             <a:avLst>
-              <a:gd name="adj1" fmla="val 68427"/>
+              <a:gd name="adj1" fmla="val 50000"/>
             </a:avLst>
           </a:prstGeom>
           <a:ln w="6350">
@@ -13279,8 +13065,8 @@
         </p:nvCxnSpPr>
         <p:spPr>
           <a:xfrm rot="5400000">
-            <a:off x="4623975" y="1171471"/>
-            <a:ext cx="454888" cy="3549758"/>
+            <a:off x="3785745" y="1190890"/>
+            <a:ext cx="319711" cy="2468629"/>
           </a:xfrm>
           <a:prstGeom prst="bentConnector3">
             <a:avLst>
@@ -13314,14 +13100,14 @@
           <p:cNvPr id="67" name="꺾인 연결선 66"/>
           <p:cNvCxnSpPr>
             <a:stCxn id="116" idx="2"/>
-            <a:endCxn id="20" idx="0"/>
+            <a:endCxn id="287" idx="0"/>
           </p:cNvCxnSpPr>
           <p:nvPr/>
         </p:nvCxnSpPr>
         <p:spPr>
           <a:xfrm rot="16200000" flipH="1">
-            <a:off x="2483761" y="2599648"/>
-            <a:ext cx="441712" cy="680227"/>
+            <a:off x="2909540" y="1313845"/>
+            <a:ext cx="306531" cy="2209546"/>
           </a:xfrm>
           <a:prstGeom prst="bentConnector3">
             <a:avLst>
@@ -13355,14 +13141,14 @@
           <p:cNvPr id="78" name="꺾인 연결선 77"/>
           <p:cNvCxnSpPr>
             <a:stCxn id="121" idx="2"/>
-            <a:endCxn id="142" idx="7"/>
+            <a:endCxn id="142" idx="0"/>
           </p:cNvCxnSpPr>
           <p:nvPr/>
         </p:nvCxnSpPr>
         <p:spPr>
           <a:xfrm rot="5400000">
-            <a:off x="7225121" y="2352020"/>
-            <a:ext cx="454888" cy="1188661"/>
+            <a:off x="7891895" y="2364038"/>
+            <a:ext cx="420831" cy="223461"/>
           </a:xfrm>
           <a:prstGeom prst="bentConnector3">
             <a:avLst>
@@ -13396,18 +13182,18 @@
           <p:cNvPr id="82" name="꺾인 연결선 81"/>
           <p:cNvCxnSpPr>
             <a:stCxn id="119" idx="2"/>
-            <a:endCxn id="141" idx="1"/>
+            <a:endCxn id="141" idx="0"/>
           </p:cNvCxnSpPr>
           <p:nvPr/>
         </p:nvCxnSpPr>
         <p:spPr>
           <a:xfrm rot="16200000" flipH="1">
-            <a:off x="5029022" y="2895583"/>
-            <a:ext cx="454888" cy="101533"/>
+            <a:off x="6004139" y="2389497"/>
+            <a:ext cx="365353" cy="117064"/>
           </a:xfrm>
           <a:prstGeom prst="bentConnector3">
             <a:avLst>
-              <a:gd name="adj1" fmla="val 73732"/>
+              <a:gd name="adj1" fmla="val 50000"/>
             </a:avLst>
           </a:prstGeom>
           <a:ln w="6350">
@@ -13442,13 +13228,13 @@
           <p:nvPr/>
         </p:nvCxnSpPr>
         <p:spPr>
-          <a:xfrm rot="5400000">
-            <a:off x="5771131" y="2318627"/>
-            <a:ext cx="454888" cy="1255447"/>
+          <a:xfrm rot="16200000" flipH="1">
+            <a:off x="5539269" y="1905994"/>
+            <a:ext cx="378533" cy="1097242"/>
           </a:xfrm>
           <a:prstGeom prst="bentConnector3">
             <a:avLst>
-              <a:gd name="adj1" fmla="val 72335"/>
+              <a:gd name="adj1" fmla="val 50000"/>
             </a:avLst>
           </a:prstGeom>
           <a:ln w="6350">
@@ -13478,14 +13264,14 @@
           <p:cNvPr id="87" name="꺾인 연결선 86"/>
           <p:cNvCxnSpPr>
             <a:stCxn id="123" idx="2"/>
-            <a:endCxn id="142" idx="1"/>
+            <a:endCxn id="141" idx="7"/>
           </p:cNvCxnSpPr>
           <p:nvPr/>
         </p:nvCxnSpPr>
         <p:spPr>
           <a:xfrm rot="16200000" flipH="1">
-            <a:off x="6483013" y="2862191"/>
-            <a:ext cx="454888" cy="168318"/>
+            <a:off x="5539269" y="1905994"/>
+            <a:ext cx="378533" cy="1097242"/>
           </a:xfrm>
           <a:prstGeom prst="bentConnector3">
             <a:avLst>
@@ -13518,19 +13304,18 @@
         <p:nvCxnSpPr>
           <p:cNvPr id="91" name="꺾인 연결선 90"/>
           <p:cNvCxnSpPr>
-            <a:stCxn id="125" idx="1"/>
+            <a:stCxn id="226" idx="2"/>
+            <a:endCxn id="144" idx="6"/>
           </p:cNvCxnSpPr>
           <p:nvPr/>
         </p:nvCxnSpPr>
         <p:spPr>
-          <a:xfrm rot="10800000">
-            <a:off x="1101677" y="3597774"/>
-            <a:ext cx="1295362" cy="165966"/>
-          </a:xfrm>
-          <a:prstGeom prst="bentConnector3">
-            <a:avLst>
-              <a:gd name="adj1" fmla="val 50000"/>
-            </a:avLst>
+          <a:xfrm rot="5400000">
+            <a:off x="1079582" y="3266681"/>
+            <a:ext cx="142876" cy="119876"/>
+          </a:xfrm>
+          <a:prstGeom prst="bentConnector2">
+            <a:avLst/>
           </a:prstGeom>
           <a:ln w="6350">
             <a:solidFill>
@@ -13562,8 +13347,8 @@
         </p:nvSpPr>
         <p:spPr>
           <a:xfrm>
-            <a:off x="6581646" y="4767356"/>
-            <a:ext cx="710698" cy="230832"/>
+            <a:off x="6565205" y="4757524"/>
+            <a:ext cx="568032" cy="200055"/>
           </a:xfrm>
           <a:prstGeom prst="rect">
             <a:avLst/>
@@ -13582,10 +13367,10 @@
           <a:lstStyle/>
           <a:p>
             <a:r>
-              <a:rPr lang="en-US" altLang="ko-KR" sz="900" dirty="0" err="1" smtClean="0"/>
+              <a:rPr lang="en-US" altLang="ko-KR" sz="700" dirty="0" err="1" smtClean="0"/>
               <a:t>PostingDAO</a:t>
             </a:r>
-            <a:endParaRPr lang="ko-KR" altLang="en-US" sz="900" dirty="0"/>
+            <a:endParaRPr lang="ko-KR" altLang="en-US" sz="700" dirty="0"/>
           </a:p>
         </p:txBody>
       </p:sp>
@@ -13597,7 +13382,7 @@
         </p:nvGrpSpPr>
         <p:grpSpPr>
           <a:xfrm>
-            <a:off x="5094568" y="2759410"/>
+            <a:off x="3065361" y="3404438"/>
             <a:ext cx="222264" cy="303124"/>
             <a:chOff x="5174570" y="2116512"/>
             <a:chExt cx="222264" cy="303124"/>
@@ -13897,48 +13682,9 @@
           <p:nvPr/>
         </p:nvCxnSpPr>
         <p:spPr>
-          <a:xfrm flipH="1">
-            <a:off x="3043802" y="3551212"/>
-            <a:ext cx="1" cy="97112"/>
-          </a:xfrm>
-          <a:prstGeom prst="straightConnector1">
-            <a:avLst/>
-          </a:prstGeom>
-          <a:ln>
-            <a:solidFill>
-              <a:schemeClr val="tx1"/>
-            </a:solidFill>
-            <a:tailEnd type="triangle" w="med" len="sm"/>
-          </a:ln>
-        </p:spPr>
-        <p:style>
-          <a:lnRef idx="1">
-            <a:schemeClr val="accent1"/>
-          </a:lnRef>
-          <a:fillRef idx="0">
-            <a:schemeClr val="accent1"/>
-          </a:fillRef>
-          <a:effectRef idx="0">
-            <a:schemeClr val="accent1"/>
-          </a:effectRef>
-          <a:fontRef idx="minor">
-            <a:schemeClr val="tx1"/>
-          </a:fontRef>
-        </p:style>
-      </p:cxnSp>
-      <p:cxnSp>
-        <p:nvCxnSpPr>
-          <p:cNvPr id="117" name="직선 화살표 연결선 116"/>
-          <p:cNvCxnSpPr>
-            <a:stCxn id="133" idx="2"/>
-            <a:endCxn id="126" idx="0"/>
-          </p:cNvCxnSpPr>
-          <p:nvPr/>
-        </p:nvCxnSpPr>
-        <p:spPr>
           <a:xfrm>
-            <a:off x="5339042" y="3551212"/>
-            <a:ext cx="0" cy="97112"/>
+            <a:off x="2680423" y="2960502"/>
+            <a:ext cx="0" cy="97409"/>
           </a:xfrm>
           <a:prstGeom prst="straightConnector1">
             <a:avLst/>
@@ -13976,8 +13722,8 @@
         </p:nvCxnSpPr>
         <p:spPr>
           <a:xfrm>
-            <a:off x="6826425" y="3549218"/>
-            <a:ext cx="0" cy="97112"/>
+            <a:off x="7993623" y="3070366"/>
+            <a:ext cx="0" cy="105029"/>
           </a:xfrm>
           <a:prstGeom prst="straightConnector1">
             <a:avLst/>
@@ -14015,8 +13761,8 @@
         </p:nvCxnSpPr>
         <p:spPr>
           <a:xfrm>
-            <a:off x="8537953" y="3831443"/>
-            <a:ext cx="0" cy="107298"/>
+            <a:off x="8537952" y="3770186"/>
+            <a:ext cx="0" cy="92355"/>
           </a:xfrm>
           <a:prstGeom prst="straightConnector1">
             <a:avLst/>
@@ -14054,8 +13800,8 @@
         </p:nvCxnSpPr>
         <p:spPr>
           <a:xfrm flipH="1">
-            <a:off x="1043823" y="3743666"/>
-            <a:ext cx="2935" cy="115765"/>
+            <a:off x="1043823" y="3712889"/>
+            <a:ext cx="2935" cy="146542"/>
           </a:xfrm>
           <a:prstGeom prst="straightConnector1">
             <a:avLst/>
@@ -14131,9 +13877,9 @@
           <p:nvPr/>
         </p:nvCxnSpPr>
         <p:spPr>
-          <a:xfrm flipH="1">
-            <a:off x="3043803" y="3250588"/>
-            <a:ext cx="928" cy="69792"/>
+          <a:xfrm>
+            <a:off x="2679476" y="2661854"/>
+            <a:ext cx="947" cy="98593"/>
           </a:xfrm>
           <a:prstGeom prst="straightConnector1">
             <a:avLst/>
@@ -14160,45 +13906,217 @@
           </a:fontRef>
         </p:style>
       </p:cxnSp>
-      <p:cxnSp>
-        <p:nvCxnSpPr>
-          <p:cNvPr id="135" name="직선 화살표 연결선 134"/>
-          <p:cNvCxnSpPr>
-            <a:stCxn id="141" idx="4"/>
-            <a:endCxn id="133" idx="0"/>
-          </p:cNvCxnSpPr>
+      <p:grpSp>
+        <p:nvGrpSpPr>
+          <p:cNvPr id="368" name="그룹 367"/>
+          <p:cNvGrpSpPr/>
           <p:nvPr/>
-        </p:nvCxnSpPr>
-        <p:spPr>
+        </p:nvGrpSpPr>
+        <p:grpSpPr>
           <a:xfrm>
-            <a:off x="5339042" y="3250588"/>
-            <a:ext cx="0" cy="69792"/>
-          </a:xfrm>
-          <a:prstGeom prst="straightConnector1">
-            <a:avLst/>
-          </a:prstGeom>
-          <a:ln>
-            <a:solidFill>
+            <a:off x="5909613" y="2630706"/>
+            <a:ext cx="671469" cy="695913"/>
+            <a:chOff x="5144287" y="2571884"/>
+            <a:chExt cx="671469" cy="695913"/>
+          </a:xfrm>
+        </p:grpSpPr>
+        <p:sp>
+          <p:nvSpPr>
+            <p:cNvPr id="126" name="TextBox 125"/>
+            <p:cNvSpPr txBox="1"/>
+            <p:nvPr/>
+          </p:nvSpPr>
+          <p:spPr>
+            <a:xfrm>
+              <a:off x="5144287" y="3067742"/>
+              <a:ext cx="671469" cy="200055"/>
+            </a:xfrm>
+            <a:prstGeom prst="rect">
+              <a:avLst/>
+            </a:prstGeom>
+            <a:noFill/>
+            <a:ln>
+              <a:solidFill>
+                <a:schemeClr val="tx1"/>
+              </a:solidFill>
+            </a:ln>
+          </p:spPr>
+          <p:txBody>
+            <a:bodyPr wrap="square" lIns="36000" rIns="36000" rtlCol="0">
+              <a:spAutoFit/>
+            </a:bodyPr>
+            <a:lstStyle/>
+            <a:p>
+              <a:pPr algn="ctr"/>
+              <a:r>
+                <a:rPr lang="en-US" altLang="ko-KR" sz="700" b="1" dirty="0" err="1" smtClean="0"/>
+                <a:t>UserManager</a:t>
+              </a:r>
+              <a:endParaRPr lang="ko-KR" altLang="en-US" sz="700" b="1" dirty="0"/>
+            </a:p>
+          </p:txBody>
+        </p:sp>
+        <p:sp>
+          <p:nvSpPr>
+            <p:cNvPr id="133" name="TextBox 132"/>
+            <p:cNvSpPr txBox="1"/>
+            <p:nvPr/>
+          </p:nvSpPr>
+          <p:spPr>
+            <a:xfrm>
+              <a:off x="5144287" y="2762658"/>
+              <a:ext cx="671469" cy="200055"/>
+            </a:xfrm>
+            <a:prstGeom prst="rect">
+              <a:avLst/>
+            </a:prstGeom>
+            <a:noFill/>
+            <a:ln>
+              <a:solidFill>
+                <a:schemeClr val="tx1"/>
+              </a:solidFill>
+            </a:ln>
+          </p:spPr>
+          <p:txBody>
+            <a:bodyPr wrap="square" lIns="36000" rIns="36000" rtlCol="0">
+              <a:spAutoFit/>
+            </a:bodyPr>
+            <a:lstStyle/>
+            <a:p>
+              <a:pPr algn="ctr"/>
+              <a:r>
+                <a:rPr lang="en-US" altLang="ko-KR" sz="700" b="1" dirty="0" err="1" smtClean="0"/>
+                <a:t>UserService</a:t>
+              </a:r>
+              <a:endParaRPr lang="ko-KR" altLang="en-US" sz="700" b="1" dirty="0"/>
+            </a:p>
+          </p:txBody>
+        </p:sp>
+        <p:sp>
+          <p:nvSpPr>
+            <p:cNvPr id="141" name="타원 140"/>
+            <p:cNvSpPr/>
+            <p:nvPr/>
+          </p:nvSpPr>
+          <p:spPr>
+            <a:xfrm>
+              <a:off x="5435036" y="2571884"/>
+              <a:ext cx="89970" cy="89970"/>
+            </a:xfrm>
+            <a:prstGeom prst="ellipse">
+              <a:avLst/>
+            </a:prstGeom>
+            <a:noFill/>
+            <a:ln w="9525">
+              <a:solidFill>
+                <a:schemeClr val="tx1"/>
+              </a:solidFill>
+            </a:ln>
+          </p:spPr>
+          <p:style>
+            <a:lnRef idx="2">
+              <a:schemeClr val="accent1">
+                <a:shade val="50000"/>
+              </a:schemeClr>
+            </a:lnRef>
+            <a:fillRef idx="1">
+              <a:schemeClr val="accent1"/>
+            </a:fillRef>
+            <a:effectRef idx="0">
+              <a:schemeClr val="accent1"/>
+            </a:effectRef>
+            <a:fontRef idx="minor">
+              <a:schemeClr val="lt1"/>
+            </a:fontRef>
+          </p:style>
+          <p:txBody>
+            <a:bodyPr rtlCol="0" anchor="ctr"/>
+            <a:lstStyle/>
+            <a:p>
+              <a:pPr algn="ctr"/>
+              <a:endParaRPr lang="ko-KR" altLang="en-US"/>
+            </a:p>
+          </p:txBody>
+        </p:sp>
+        <p:cxnSp>
+          <p:nvCxnSpPr>
+            <p:cNvPr id="117" name="직선 화살표 연결선 116"/>
+            <p:cNvCxnSpPr>
+              <a:stCxn id="133" idx="2"/>
+              <a:endCxn id="126" idx="0"/>
+            </p:cNvCxnSpPr>
+            <p:nvPr/>
+          </p:nvCxnSpPr>
+          <p:spPr>
+            <a:xfrm>
+              <a:off x="5480022" y="2962713"/>
+              <a:ext cx="0" cy="105029"/>
+            </a:xfrm>
+            <a:prstGeom prst="straightConnector1">
+              <a:avLst/>
+            </a:prstGeom>
+            <a:ln>
+              <a:solidFill>
+                <a:schemeClr val="tx1"/>
+              </a:solidFill>
+              <a:tailEnd type="triangle" w="med" len="sm"/>
+            </a:ln>
+          </p:spPr>
+          <p:style>
+            <a:lnRef idx="1">
+              <a:schemeClr val="accent1"/>
+            </a:lnRef>
+            <a:fillRef idx="0">
+              <a:schemeClr val="accent1"/>
+            </a:fillRef>
+            <a:effectRef idx="0">
+              <a:schemeClr val="accent1"/>
+            </a:effectRef>
+            <a:fontRef idx="minor">
               <a:schemeClr val="tx1"/>
-            </a:solidFill>
-            <a:tailEnd type="triangle" w="med" len="sm"/>
-          </a:ln>
-        </p:spPr>
-        <p:style>
-          <a:lnRef idx="1">
-            <a:schemeClr val="accent1"/>
-          </a:lnRef>
-          <a:fillRef idx="0">
-            <a:schemeClr val="accent1"/>
-          </a:fillRef>
-          <a:effectRef idx="0">
-            <a:schemeClr val="accent1"/>
-          </a:effectRef>
-          <a:fontRef idx="minor">
-            <a:schemeClr val="tx1"/>
-          </a:fontRef>
-        </p:style>
-      </p:cxnSp>
+            </a:fontRef>
+          </p:style>
+        </p:cxnSp>
+        <p:cxnSp>
+          <p:nvCxnSpPr>
+            <p:cNvPr id="135" name="직선 화살표 연결선 134"/>
+            <p:cNvCxnSpPr>
+              <a:stCxn id="141" idx="4"/>
+              <a:endCxn id="133" idx="0"/>
+            </p:cNvCxnSpPr>
+            <p:nvPr/>
+          </p:nvCxnSpPr>
+          <p:spPr>
+            <a:xfrm>
+              <a:off x="5480021" y="2661854"/>
+              <a:ext cx="1" cy="100804"/>
+            </a:xfrm>
+            <a:prstGeom prst="straightConnector1">
+              <a:avLst/>
+            </a:prstGeom>
+            <a:ln>
+              <a:solidFill>
+                <a:schemeClr val="tx1"/>
+              </a:solidFill>
+              <a:tailEnd type="triangle" w="med" len="sm"/>
+            </a:ln>
+          </p:spPr>
+          <p:style>
+            <a:lnRef idx="1">
+              <a:schemeClr val="accent1"/>
+            </a:lnRef>
+            <a:fillRef idx="0">
+              <a:schemeClr val="accent1"/>
+            </a:fillRef>
+            <a:effectRef idx="0">
+              <a:schemeClr val="accent1"/>
+            </a:effectRef>
+            <a:fontRef idx="minor">
+              <a:schemeClr val="tx1"/>
+            </a:fontRef>
+          </p:style>
+        </p:cxnSp>
+      </p:grpSp>
       <p:cxnSp>
         <p:nvCxnSpPr>
           <p:cNvPr id="136" name="직선 화살표 연결선 135"/>
@@ -14210,8 +14128,8 @@
         </p:nvCxnSpPr>
         <p:spPr>
           <a:xfrm>
-            <a:off x="6826425" y="3250588"/>
-            <a:ext cx="0" cy="67798"/>
+            <a:off x="7990579" y="2776154"/>
+            <a:ext cx="3044" cy="94157"/>
           </a:xfrm>
           <a:prstGeom prst="straightConnector1">
             <a:avLst/>
@@ -14250,7 +14168,7 @@
         <p:spPr>
           <a:xfrm>
             <a:off x="8530942" y="3462239"/>
-            <a:ext cx="7011" cy="138372"/>
+            <a:ext cx="7010" cy="107892"/>
           </a:xfrm>
           <a:prstGeom prst="straightConnector1">
             <a:avLst/>
@@ -14282,19 +14200,17 @@
           <p:cNvPr id="147" name="꺾인 연결선 146"/>
           <p:cNvCxnSpPr>
             <a:stCxn id="124" idx="3"/>
-            <a:endCxn id="146" idx="2"/>
+            <a:endCxn id="146" idx="0"/>
           </p:cNvCxnSpPr>
           <p:nvPr/>
         </p:nvCxnSpPr>
         <p:spPr>
-          <a:xfrm flipV="1">
-            <a:off x="7473188" y="3417254"/>
-            <a:ext cx="1012769" cy="344492"/>
-          </a:xfrm>
-          <a:prstGeom prst="bentConnector3">
-            <a:avLst>
-              <a:gd name="adj1" fmla="val 50000"/>
-            </a:avLst>
+          <a:xfrm>
+            <a:off x="8358703" y="3275423"/>
+            <a:ext cx="172239" cy="96846"/>
+          </a:xfrm>
+          <a:prstGeom prst="bentConnector2">
+            <a:avLst/>
           </a:prstGeom>
           <a:ln w="6350">
             <a:solidFill>
@@ -14326,8 +14242,8 @@
         </p:nvSpPr>
         <p:spPr>
           <a:xfrm>
-            <a:off x="3220315" y="4799162"/>
-            <a:ext cx="771612" cy="230832"/>
+            <a:off x="2782456" y="4836763"/>
+            <a:ext cx="614518" cy="200055"/>
           </a:xfrm>
           <a:prstGeom prst="rect">
             <a:avLst/>
@@ -14346,10 +14262,10 @@
           <a:lstStyle/>
           <a:p>
             <a:r>
-              <a:rPr lang="en-US" altLang="ko-KR" sz="900" dirty="0" err="1" smtClean="0"/>
+              <a:rPr lang="en-US" altLang="ko-KR" sz="700" dirty="0" err="1" smtClean="0"/>
               <a:t>LearningDAO</a:t>
             </a:r>
-            <a:endParaRPr lang="ko-KR" altLang="en-US" sz="900" dirty="0"/>
+            <a:endParaRPr lang="ko-KR" altLang="en-US" sz="700" dirty="0"/>
           </a:p>
         </p:txBody>
       </p:sp>
@@ -14361,8 +14277,8 @@
         </p:nvSpPr>
         <p:spPr>
           <a:xfrm>
-            <a:off x="7928341" y="5049943"/>
-            <a:ext cx="835733" cy="230832"/>
+            <a:off x="7916780" y="5040111"/>
+            <a:ext cx="664212" cy="200055"/>
           </a:xfrm>
           <a:prstGeom prst="rect">
             <a:avLst/>
@@ -14381,10 +14297,10 @@
           <a:lstStyle/>
           <a:p>
             <a:r>
-              <a:rPr lang="en-US" altLang="ko-KR" sz="900" dirty="0" err="1" smtClean="0"/>
+              <a:rPr lang="en-US" altLang="ko-KR" sz="700" dirty="0" err="1" smtClean="0"/>
               <a:t>CommentDAO</a:t>
             </a:r>
-            <a:endParaRPr lang="ko-KR" altLang="en-US" sz="900" dirty="0"/>
+            <a:endParaRPr lang="ko-KR" altLang="en-US" sz="700" dirty="0"/>
           </a:p>
         </p:txBody>
       </p:sp>
@@ -14396,8 +14312,8 @@
         </p:nvSpPr>
         <p:spPr>
           <a:xfrm>
-            <a:off x="1004568" y="5074417"/>
-            <a:ext cx="840542" cy="230832"/>
+            <a:off x="926732" y="5192190"/>
+            <a:ext cx="667418" cy="200055"/>
           </a:xfrm>
           <a:prstGeom prst="rect">
             <a:avLst/>
@@ -14416,10 +14332,10 @@
           <a:lstStyle/>
           <a:p>
             <a:r>
-              <a:rPr lang="en-US" altLang="ko-KR" sz="900" dirty="0" err="1" smtClean="0"/>
+              <a:rPr lang="en-US" altLang="ko-KR" sz="700" dirty="0" err="1" smtClean="0"/>
               <a:t>ChallengeDAO</a:t>
             </a:r>
-            <a:endParaRPr lang="ko-KR" altLang="en-US" sz="900" dirty="0"/>
+            <a:endParaRPr lang="ko-KR" altLang="en-US" sz="700" dirty="0"/>
           </a:p>
         </p:txBody>
       </p:sp>
@@ -14431,8 +14347,8 @@
         </p:nvSpPr>
         <p:spPr>
           <a:xfrm>
-            <a:off x="5327900" y="4751996"/>
-            <a:ext cx="555208" cy="230832"/>
+            <a:off x="5302716" y="4742164"/>
+            <a:ext cx="446203" cy="200055"/>
           </a:xfrm>
           <a:prstGeom prst="rect">
             <a:avLst/>
@@ -14451,10 +14367,10 @@
           <a:lstStyle/>
           <a:p>
             <a:r>
-              <a:rPr lang="en-US" altLang="ko-KR" sz="900" dirty="0" err="1" smtClean="0"/>
+              <a:rPr lang="en-US" altLang="ko-KR" sz="700" dirty="0" err="1" smtClean="0"/>
               <a:t>UserDAO</a:t>
             </a:r>
-            <a:endParaRPr lang="ko-KR" altLang="en-US" sz="900" dirty="0"/>
+            <a:endParaRPr lang="ko-KR" altLang="en-US" sz="700" dirty="0"/>
           </a:p>
         </p:txBody>
       </p:sp>
@@ -14466,8 +14382,8 @@
         </p:nvSpPr>
         <p:spPr>
           <a:xfrm>
-            <a:off x="6467031" y="5095016"/>
-            <a:ext cx="939928" cy="230832"/>
+            <a:off x="6475437" y="5085184"/>
+            <a:ext cx="747568" cy="200055"/>
           </a:xfrm>
           <a:prstGeom prst="rect">
             <a:avLst/>
@@ -14486,10 +14402,10 @@
           <a:lstStyle/>
           <a:p>
             <a:r>
-              <a:rPr lang="en-US" altLang="ko-KR" sz="900" dirty="0" err="1" smtClean="0"/>
+              <a:rPr lang="en-US" altLang="ko-KR" sz="700" dirty="0" err="1" smtClean="0"/>
               <a:t>PostingDAOImpl</a:t>
             </a:r>
-            <a:endParaRPr lang="ko-KR" altLang="en-US" sz="900" dirty="0"/>
+            <a:endParaRPr lang="ko-KR" altLang="en-US" sz="700" dirty="0"/>
           </a:p>
         </p:txBody>
       </p:sp>
@@ -14501,8 +14417,8 @@
         </p:nvSpPr>
         <p:spPr>
           <a:xfrm>
-            <a:off x="3105700" y="5126822"/>
-            <a:ext cx="1000842" cy="230832"/>
+            <a:off x="2692688" y="5164423"/>
+            <a:ext cx="794054" cy="200055"/>
           </a:xfrm>
           <a:prstGeom prst="rect">
             <a:avLst/>
@@ -14521,10 +14437,10 @@
           <a:lstStyle/>
           <a:p>
             <a:r>
-              <a:rPr lang="en-US" altLang="ko-KR" sz="900" dirty="0" err="1"/>
+              <a:rPr lang="en-US" altLang="ko-KR" sz="700" dirty="0" err="1"/>
               <a:t>LearningDAOImpl</a:t>
             </a:r>
-            <a:endParaRPr lang="ko-KR" altLang="en-US" sz="900" dirty="0"/>
+            <a:endParaRPr lang="ko-KR" altLang="en-US" sz="700" dirty="0"/>
           </a:p>
         </p:txBody>
       </p:sp>
@@ -14536,8 +14452,8 @@
         </p:nvSpPr>
         <p:spPr>
           <a:xfrm>
-            <a:off x="7813726" y="5377603"/>
-            <a:ext cx="1064962" cy="230832"/>
+            <a:off x="7827012" y="5367771"/>
+            <a:ext cx="843748" cy="200055"/>
           </a:xfrm>
           <a:prstGeom prst="rect">
             <a:avLst/>
@@ -14556,14 +14472,14 @@
           <a:lstStyle/>
           <a:p>
             <a:r>
-              <a:rPr lang="en-US" altLang="ko-KR" sz="900" dirty="0" err="1" smtClean="0"/>
+              <a:rPr lang="en-US" altLang="ko-KR" sz="700" dirty="0" err="1" smtClean="0"/>
               <a:t>CommentDAO</a:t>
             </a:r>
             <a:r>
-              <a:rPr lang="en-US" altLang="ko-KR" sz="900" dirty="0" err="1"/>
+              <a:rPr lang="en-US" altLang="ko-KR" sz="700" dirty="0" err="1"/>
               <a:t>Impl</a:t>
             </a:r>
-            <a:endParaRPr lang="ko-KR" altLang="en-US" sz="900" dirty="0"/>
+            <a:endParaRPr lang="ko-KR" altLang="en-US" sz="700" dirty="0"/>
           </a:p>
         </p:txBody>
       </p:sp>
@@ -14575,8 +14491,8 @@
         </p:nvSpPr>
         <p:spPr>
           <a:xfrm>
-            <a:off x="889954" y="5402077"/>
-            <a:ext cx="1069771" cy="230832"/>
+            <a:off x="836964" y="5519850"/>
+            <a:ext cx="846954" cy="200055"/>
           </a:xfrm>
           <a:prstGeom prst="rect">
             <a:avLst/>
@@ -14595,10 +14511,10 @@
           <a:lstStyle/>
           <a:p>
             <a:r>
-              <a:rPr lang="en-US" altLang="ko-KR" sz="900" dirty="0" err="1" smtClean="0"/>
+              <a:rPr lang="en-US" altLang="ko-KR" sz="700" dirty="0" err="1" smtClean="0"/>
               <a:t>ChallengeDAOImpl</a:t>
             </a:r>
-            <a:endParaRPr lang="ko-KR" altLang="en-US" sz="900" dirty="0"/>
+            <a:endParaRPr lang="ko-KR" altLang="en-US" sz="700" dirty="0"/>
           </a:p>
         </p:txBody>
       </p:sp>
@@ -14610,8 +14526,8 @@
         </p:nvSpPr>
         <p:spPr>
           <a:xfrm>
-            <a:off x="5213286" y="5079656"/>
-            <a:ext cx="784436" cy="230832"/>
+            <a:off x="5212947" y="5069824"/>
+            <a:ext cx="625740" cy="200055"/>
           </a:xfrm>
           <a:prstGeom prst="rect">
             <a:avLst/>
@@ -14630,10 +14546,10 @@
           <a:lstStyle/>
           <a:p>
             <a:r>
-              <a:rPr lang="en-US" altLang="ko-KR" sz="900" dirty="0" err="1"/>
+              <a:rPr lang="en-US" altLang="ko-KR" sz="700" dirty="0" err="1"/>
               <a:t>UserDAOImpl</a:t>
             </a:r>
-            <a:endParaRPr lang="ko-KR" altLang="en-US" sz="900" dirty="0"/>
+            <a:endParaRPr lang="ko-KR" altLang="en-US" sz="700" dirty="0"/>
           </a:p>
         </p:txBody>
       </p:sp>
@@ -14645,7 +14561,7 @@
         </p:nvSpPr>
         <p:spPr>
           <a:xfrm>
-            <a:off x="1375356" y="4893108"/>
+            <a:off x="1210958" y="5020713"/>
             <a:ext cx="98967" cy="98967"/>
           </a:xfrm>
           <a:prstGeom prst="ellipse">
@@ -14691,7 +14607,7 @@
         </p:nvSpPr>
         <p:spPr>
           <a:xfrm>
-            <a:off x="3556638" y="4617853"/>
+            <a:off x="3040232" y="4665286"/>
             <a:ext cx="98967" cy="98967"/>
           </a:xfrm>
           <a:prstGeom prst="ellipse">
@@ -14737,7 +14653,7 @@
         </p:nvSpPr>
         <p:spPr>
           <a:xfrm>
-            <a:off x="5556021" y="4570687"/>
+            <a:off x="5476334" y="4570687"/>
             <a:ext cx="98967" cy="98967"/>
           </a:xfrm>
           <a:prstGeom prst="ellipse">
@@ -14783,7 +14699,7 @@
         </p:nvSpPr>
         <p:spPr>
           <a:xfrm>
-            <a:off x="6887512" y="4586047"/>
+            <a:off x="6799738" y="4586047"/>
             <a:ext cx="98967" cy="98967"/>
           </a:xfrm>
           <a:prstGeom prst="ellipse">
@@ -14829,7 +14745,7 @@
         </p:nvSpPr>
         <p:spPr>
           <a:xfrm>
-            <a:off x="8296724" y="4868634"/>
+            <a:off x="8199403" y="4868634"/>
             <a:ext cx="98967" cy="98967"/>
           </a:xfrm>
           <a:prstGeom prst="ellipse">
@@ -14878,12 +14794,12 @@
         </p:nvCxnSpPr>
         <p:spPr>
           <a:xfrm rot="16200000" flipH="1">
-            <a:off x="808167" y="4325919"/>
-            <a:ext cx="817338" cy="346026"/>
+            <a:off x="646777" y="4456532"/>
+            <a:ext cx="975720" cy="181628"/>
           </a:xfrm>
           <a:prstGeom prst="bentConnector3">
             <a:avLst>
-              <a:gd name="adj1" fmla="val 64917"/>
+              <a:gd name="adj1" fmla="val 50000"/>
             </a:avLst>
           </a:prstGeom>
           <a:ln w="6350">
@@ -14919,12 +14835,12 @@
         </p:nvCxnSpPr>
         <p:spPr>
           <a:xfrm rot="5400000">
-            <a:off x="1737594" y="3601392"/>
-            <a:ext cx="1028445" cy="1583972"/>
+            <a:off x="1099308" y="3454091"/>
+            <a:ext cx="1777240" cy="1384991"/>
           </a:xfrm>
           <a:prstGeom prst="bentConnector3">
             <a:avLst>
-              <a:gd name="adj1" fmla="val 70993"/>
+              <a:gd name="adj1" fmla="val 50000"/>
             </a:avLst>
           </a:prstGeom>
           <a:ln w="6350">
@@ -14960,12 +14876,12 @@
         </p:nvCxnSpPr>
         <p:spPr>
           <a:xfrm rot="16200000" flipH="1">
-            <a:off x="2955614" y="3967344"/>
-            <a:ext cx="738697" cy="562320"/>
+            <a:off x="2181409" y="3756979"/>
+            <a:ext cx="1407320" cy="409293"/>
           </a:xfrm>
           <a:prstGeom prst="bentConnector3">
             <a:avLst>
-              <a:gd name="adj1" fmla="val 25243"/>
+              <a:gd name="adj1" fmla="val 50000"/>
             </a:avLst>
           </a:prstGeom>
           <a:ln w="6350">
@@ -14995,19 +14911,18 @@
           <p:cNvPr id="170" name="꺾인 연결선 169"/>
           <p:cNvCxnSpPr>
             <a:stCxn id="126" idx="2"/>
-            <a:endCxn id="162" idx="6"/>
+            <a:endCxn id="162" idx="0"/>
           </p:cNvCxnSpPr>
           <p:nvPr/>
         </p:nvCxnSpPr>
         <p:spPr>
-          <a:xfrm rot="16200000" flipH="1">
-            <a:off x="5126508" y="4091690"/>
-            <a:ext cx="741015" cy="315946"/>
-          </a:xfrm>
-          <a:prstGeom prst="bentConnector4">
+          <a:xfrm rot="5400000">
+            <a:off x="5263549" y="3588888"/>
+            <a:ext cx="1244068" cy="719530"/>
+          </a:xfrm>
+          <a:prstGeom prst="bentConnector3">
             <a:avLst>
-              <a:gd name="adj1" fmla="val 18725"/>
-              <a:gd name="adj2" fmla="val 178579"/>
+              <a:gd name="adj1" fmla="val 50000"/>
             </a:avLst>
           </a:prstGeom>
           <a:ln w="6350">
@@ -15042,12 +14957,15 @@
           <p:nvPr/>
         </p:nvCxnSpPr>
         <p:spPr>
-          <a:xfrm rot="16200000" flipH="1">
-            <a:off x="6477784" y="4225802"/>
-            <a:ext cx="758369" cy="61087"/>
-          </a:xfrm>
-          <a:prstGeom prst="bentConnector2">
-            <a:avLst/>
+          <a:xfrm rot="5400000">
+            <a:off x="6766641" y="3408548"/>
+            <a:ext cx="1260081" cy="1193885"/>
+          </a:xfrm>
+          <a:prstGeom prst="bentConnector4">
+            <a:avLst>
+              <a:gd name="adj1" fmla="val 48036"/>
+              <a:gd name="adj2" fmla="val 119148"/>
+            </a:avLst>
           </a:prstGeom>
           <a:ln w="6350">
             <a:solidFill>
@@ -15082,12 +15000,12 @@
         </p:nvCxnSpPr>
         <p:spPr>
           <a:xfrm rot="16200000" flipH="1">
-            <a:off x="7065839" y="3637748"/>
-            <a:ext cx="1005965" cy="1484792"/>
+            <a:off x="7349921" y="4019151"/>
+            <a:ext cx="1507677" cy="220273"/>
           </a:xfrm>
           <a:prstGeom prst="bentConnector3">
             <a:avLst>
-              <a:gd name="adj1" fmla="val 67675"/>
+              <a:gd name="adj1" fmla="val 50000"/>
             </a:avLst>
           </a:prstGeom>
           <a:ln w="6350">
@@ -15115,13 +15033,16 @@
       <p:cxnSp>
         <p:nvCxnSpPr>
           <p:cNvPr id="177" name="직선 화살표 연결선 176"/>
-          <p:cNvCxnSpPr/>
+          <p:cNvCxnSpPr>
+            <a:stCxn id="160" idx="4"/>
+            <a:endCxn id="150" idx="0"/>
+          </p:cNvCxnSpPr>
           <p:nvPr/>
         </p:nvCxnSpPr>
         <p:spPr>
           <a:xfrm flipH="1">
-            <a:off x="1424839" y="4992075"/>
-            <a:ext cx="1" cy="82342"/>
+            <a:off x="1260441" y="5119680"/>
+            <a:ext cx="1" cy="72510"/>
           </a:xfrm>
           <a:prstGeom prst="straightConnector1">
             <a:avLst/>
@@ -15151,13 +15072,16 @@
       <p:cxnSp>
         <p:nvCxnSpPr>
           <p:cNvPr id="180" name="직선 화살표 연결선 179"/>
-          <p:cNvCxnSpPr/>
+          <p:cNvCxnSpPr>
+            <a:stCxn id="150" idx="2"/>
+            <a:endCxn id="155" idx="0"/>
+          </p:cNvCxnSpPr>
           <p:nvPr/>
         </p:nvCxnSpPr>
         <p:spPr>
           <a:xfrm>
-            <a:off x="1424839" y="5305249"/>
-            <a:ext cx="1" cy="96828"/>
+            <a:off x="1260441" y="5392245"/>
+            <a:ext cx="0" cy="127605"/>
           </a:xfrm>
           <a:prstGeom prst="straightConnector1">
             <a:avLst/>
@@ -15187,13 +15111,16 @@
       <p:cxnSp>
         <p:nvCxnSpPr>
           <p:cNvPr id="184" name="직선 화살표 연결선 183"/>
-          <p:cNvCxnSpPr/>
+          <p:cNvCxnSpPr>
+            <a:stCxn id="161" idx="4"/>
+            <a:endCxn id="148" idx="0"/>
+          </p:cNvCxnSpPr>
           <p:nvPr/>
         </p:nvCxnSpPr>
         <p:spPr>
           <a:xfrm flipH="1">
-            <a:off x="3606121" y="4716820"/>
-            <a:ext cx="1" cy="82342"/>
+            <a:off x="3089715" y="4764253"/>
+            <a:ext cx="1" cy="72510"/>
           </a:xfrm>
           <a:prstGeom prst="straightConnector1">
             <a:avLst/>
@@ -15223,13 +15150,16 @@
       <p:cxnSp>
         <p:nvCxnSpPr>
           <p:cNvPr id="187" name="직선 화살표 연결선 186"/>
-          <p:cNvCxnSpPr/>
+          <p:cNvCxnSpPr>
+            <a:stCxn id="148" idx="2"/>
+            <a:endCxn id="153" idx="0"/>
+          </p:cNvCxnSpPr>
           <p:nvPr/>
         </p:nvCxnSpPr>
         <p:spPr>
           <a:xfrm>
-            <a:off x="3606121" y="5029994"/>
-            <a:ext cx="0" cy="96828"/>
+            <a:off x="3089715" y="5036818"/>
+            <a:ext cx="0" cy="127605"/>
           </a:xfrm>
           <a:prstGeom prst="straightConnector1">
             <a:avLst/>
@@ -15259,13 +15189,16 @@
       <p:cxnSp>
         <p:nvCxnSpPr>
           <p:cNvPr id="190" name="직선 화살표 연결선 189"/>
-          <p:cNvCxnSpPr/>
+          <p:cNvCxnSpPr>
+            <a:stCxn id="162" idx="4"/>
+            <a:endCxn id="151" idx="0"/>
+          </p:cNvCxnSpPr>
           <p:nvPr/>
         </p:nvCxnSpPr>
         <p:spPr>
-          <a:xfrm flipH="1">
-            <a:off x="5580946" y="4669654"/>
-            <a:ext cx="1" cy="82342"/>
+          <a:xfrm>
+            <a:off x="5525818" y="4669654"/>
+            <a:ext cx="0" cy="72510"/>
           </a:xfrm>
           <a:prstGeom prst="straightConnector1">
             <a:avLst/>
@@ -15295,13 +15228,16 @@
       <p:cxnSp>
         <p:nvCxnSpPr>
           <p:cNvPr id="193" name="직선 화살표 연결선 192"/>
-          <p:cNvCxnSpPr/>
+          <p:cNvCxnSpPr>
+            <a:stCxn id="151" idx="2"/>
+            <a:endCxn id="157" idx="0"/>
+          </p:cNvCxnSpPr>
           <p:nvPr/>
         </p:nvCxnSpPr>
         <p:spPr>
-          <a:xfrm>
-            <a:off x="5580946" y="4982828"/>
-            <a:ext cx="0" cy="96828"/>
+          <a:xfrm flipH="1">
+            <a:off x="5525817" y="4942219"/>
+            <a:ext cx="1" cy="127605"/>
           </a:xfrm>
           <a:prstGeom prst="straightConnector1">
             <a:avLst/>
@@ -15331,13 +15267,16 @@
       <p:cxnSp>
         <p:nvCxnSpPr>
           <p:cNvPr id="196" name="직선 화살표 연결선 195"/>
-          <p:cNvCxnSpPr/>
+          <p:cNvCxnSpPr>
+            <a:stCxn id="95" idx="2"/>
+            <a:endCxn id="152" idx="0"/>
+          </p:cNvCxnSpPr>
           <p:nvPr/>
         </p:nvCxnSpPr>
         <p:spPr>
           <a:xfrm>
-            <a:off x="6896920" y="5087088"/>
-            <a:ext cx="1" cy="96828"/>
+            <a:off x="6849221" y="4957579"/>
+            <a:ext cx="0" cy="127605"/>
           </a:xfrm>
           <a:prstGeom prst="straightConnector1">
             <a:avLst/>
@@ -15375,8 +15314,8 @@
         </p:nvCxnSpPr>
         <p:spPr>
           <a:xfrm flipH="1">
-            <a:off x="6936995" y="4685014"/>
-            <a:ext cx="1" cy="82342"/>
+            <a:off x="6849221" y="4685014"/>
+            <a:ext cx="1" cy="72510"/>
           </a:xfrm>
           <a:prstGeom prst="straightConnector1">
             <a:avLst/>
@@ -15413,9 +15352,9 @@
           <p:nvPr/>
         </p:nvCxnSpPr>
         <p:spPr>
-          <a:xfrm>
-            <a:off x="8346208" y="4967601"/>
-            <a:ext cx="0" cy="82342"/>
+          <a:xfrm flipH="1">
+            <a:off x="8248886" y="4967601"/>
+            <a:ext cx="1" cy="72510"/>
           </a:xfrm>
           <a:prstGeom prst="straightConnector1">
             <a:avLst/>
@@ -15452,9 +15391,9 @@
           <p:nvPr/>
         </p:nvCxnSpPr>
         <p:spPr>
-          <a:xfrm flipH="1">
-            <a:off x="8346207" y="5280775"/>
-            <a:ext cx="1" cy="96828"/>
+          <a:xfrm>
+            <a:off x="8248886" y="5240166"/>
+            <a:ext cx="0" cy="127605"/>
           </a:xfrm>
           <a:prstGeom prst="straightConnector1">
             <a:avLst/>
@@ -15492,8 +15431,8 @@
         </p:nvCxnSpPr>
         <p:spPr>
           <a:xfrm>
-            <a:off x="2176130" y="5837172"/>
-            <a:ext cx="2030001" cy="279247"/>
+            <a:off x="1850631" y="5939557"/>
+            <a:ext cx="2355500" cy="176862"/>
           </a:xfrm>
           <a:prstGeom prst="bentConnector3">
             <a:avLst>
@@ -15533,8 +15472,8 @@
         </p:nvCxnSpPr>
         <p:spPr>
           <a:xfrm rot="16200000" flipH="1">
-            <a:off x="3928939" y="5354515"/>
-            <a:ext cx="312128" cy="957763"/>
+            <a:off x="3674148" y="5099724"/>
+            <a:ext cx="305304" cy="1474169"/>
           </a:xfrm>
           <a:prstGeom prst="bentConnector3">
             <a:avLst>
@@ -15574,8 +15513,8 @@
         </p:nvCxnSpPr>
         <p:spPr>
           <a:xfrm rot="5400000">
-            <a:off x="5578474" y="4630939"/>
-            <a:ext cx="343934" cy="2373111"/>
+            <a:off x="5514282" y="4654521"/>
+            <a:ext cx="384543" cy="2285336"/>
           </a:xfrm>
           <a:prstGeom prst="bentConnector3">
             <a:avLst>
@@ -15615,8 +15554,8 @@
         </p:nvCxnSpPr>
         <p:spPr>
           <a:xfrm rot="5400000">
-            <a:off x="6561996" y="4332207"/>
-            <a:ext cx="143855" cy="3424568"/>
+            <a:off x="6493031" y="4360563"/>
+            <a:ext cx="184464" cy="3327248"/>
           </a:xfrm>
           <a:prstGeom prst="bentConnector2">
             <a:avLst/>
@@ -15651,8 +15590,8 @@
         </p:nvSpPr>
         <p:spPr>
           <a:xfrm>
-            <a:off x="4996881" y="5399335"/>
-            <a:ext cx="1217247" cy="230832"/>
+            <a:off x="5046235" y="5389503"/>
+            <a:ext cx="959164" cy="200055"/>
           </a:xfrm>
           <a:prstGeom prst="rect">
             <a:avLst/>
@@ -15671,10 +15610,10 @@
           <a:lstStyle/>
           <a:p>
             <a:r>
-              <a:rPr lang="en-US" altLang="ko-KR" sz="900" dirty="0" smtClean="0"/>
+              <a:rPr lang="en-US" altLang="ko-KR" sz="700" dirty="0" smtClean="0"/>
               <a:t>UserDAO-mapper.xml</a:t>
             </a:r>
-            <a:endParaRPr lang="ko-KR" altLang="en-US" sz="900" dirty="0"/>
+            <a:endParaRPr lang="ko-KR" altLang="en-US" sz="700" dirty="0"/>
           </a:p>
         </p:txBody>
       </p:sp>
@@ -15686,8 +15625,8 @@
         </p:nvSpPr>
         <p:spPr>
           <a:xfrm>
-            <a:off x="6253031" y="5414695"/>
-            <a:ext cx="1367929" cy="230832"/>
+            <a:off x="6308725" y="5404863"/>
+            <a:ext cx="1080992" cy="200055"/>
           </a:xfrm>
           <a:prstGeom prst="rect">
             <a:avLst/>
@@ -15706,10 +15645,10 @@
           <a:lstStyle/>
           <a:p>
             <a:r>
-              <a:rPr lang="en-US" altLang="ko-KR" sz="900" dirty="0" smtClean="0"/>
+              <a:rPr lang="en-US" altLang="ko-KR" sz="700" dirty="0" smtClean="0"/>
               <a:t>PostingDAO-mapper.xml</a:t>
             </a:r>
-            <a:endParaRPr lang="ko-KR" altLang="en-US" sz="900" dirty="0"/>
+            <a:endParaRPr lang="ko-KR" altLang="en-US" sz="700" dirty="0"/>
           </a:p>
         </p:txBody>
       </p:sp>
@@ -15721,8 +15660,8 @@
         </p:nvSpPr>
         <p:spPr>
           <a:xfrm>
-            <a:off x="2889295" y="5446501"/>
-            <a:ext cx="1433653" cy="230832"/>
+            <a:off x="2525976" y="5484102"/>
+            <a:ext cx="1127479" cy="200055"/>
           </a:xfrm>
           <a:prstGeom prst="rect">
             <a:avLst/>
@@ -15741,10 +15680,10 @@
           <a:lstStyle/>
           <a:p>
             <a:r>
-              <a:rPr lang="en-US" altLang="ko-KR" sz="900" dirty="0" smtClean="0"/>
+              <a:rPr lang="en-US" altLang="ko-KR" sz="700" dirty="0" smtClean="0"/>
               <a:t>LearningDAO-mapper.xml</a:t>
             </a:r>
-            <a:endParaRPr lang="ko-KR" altLang="en-US" sz="900" dirty="0"/>
+            <a:endParaRPr lang="ko-KR" altLang="en-US" sz="700" dirty="0"/>
           </a:p>
         </p:txBody>
       </p:sp>
@@ -15756,8 +15695,8 @@
         </p:nvSpPr>
         <p:spPr>
           <a:xfrm>
-            <a:off x="7599725" y="5741732"/>
-            <a:ext cx="1492964" cy="230832"/>
+            <a:off x="7660300" y="5731900"/>
+            <a:ext cx="1177173" cy="200055"/>
           </a:xfrm>
           <a:prstGeom prst="rect">
             <a:avLst/>
@@ -15776,10 +15715,10 @@
           <a:lstStyle/>
           <a:p>
             <a:r>
-              <a:rPr lang="en-US" altLang="ko-KR" sz="900" dirty="0" smtClean="0"/>
+              <a:rPr lang="en-US" altLang="ko-KR" sz="700" dirty="0" smtClean="0"/>
               <a:t>CommentDAO-mapper.xml</a:t>
             </a:r>
-            <a:endParaRPr lang="ko-KR" altLang="en-US" sz="900" dirty="0"/>
+            <a:endParaRPr lang="ko-KR" altLang="en-US" sz="700" dirty="0"/>
           </a:p>
         </p:txBody>
       </p:sp>
@@ -15791,8 +15730,8 @@
         </p:nvSpPr>
         <p:spPr>
           <a:xfrm>
-            <a:off x="673548" y="5721756"/>
-            <a:ext cx="1502582" cy="230832"/>
+            <a:off x="670252" y="5839529"/>
+            <a:ext cx="1180379" cy="200055"/>
           </a:xfrm>
           <a:prstGeom prst="rect">
             <a:avLst/>
@@ -15811,10 +15750,10 @@
           <a:lstStyle/>
           <a:p>
             <a:r>
-              <a:rPr lang="en-US" altLang="ko-KR" sz="900" dirty="0" smtClean="0"/>
+              <a:rPr lang="en-US" altLang="ko-KR" sz="700" dirty="0" smtClean="0"/>
               <a:t>ChallengeDAO-mapper.xml</a:t>
             </a:r>
-            <a:endParaRPr lang="ko-KR" altLang="en-US" sz="900" dirty="0"/>
+            <a:endParaRPr lang="ko-KR" altLang="en-US" sz="700" dirty="0"/>
           </a:p>
         </p:txBody>
       </p:sp>
@@ -15828,9 +15767,9 @@
           <p:nvPr/>
         </p:nvCxnSpPr>
         <p:spPr>
-          <a:xfrm flipH="1">
-            <a:off x="1424839" y="5632909"/>
-            <a:ext cx="1" cy="88847"/>
+          <a:xfrm>
+            <a:off x="1260441" y="5719905"/>
+            <a:ext cx="1" cy="119624"/>
           </a:xfrm>
           <a:prstGeom prst="straightConnector1">
             <a:avLst/>
@@ -15868,8 +15807,8 @@
         </p:nvCxnSpPr>
         <p:spPr>
           <a:xfrm>
-            <a:off x="3606121" y="5357654"/>
-            <a:ext cx="1" cy="88847"/>
+            <a:off x="3089715" y="5364478"/>
+            <a:ext cx="1" cy="119624"/>
           </a:xfrm>
           <a:prstGeom prst="straightConnector1">
             <a:avLst/>
@@ -15907,8 +15846,8 @@
         </p:nvCxnSpPr>
         <p:spPr>
           <a:xfrm>
-            <a:off x="5605504" y="5310488"/>
-            <a:ext cx="1" cy="88847"/>
+            <a:off x="5525817" y="5269879"/>
+            <a:ext cx="0" cy="119624"/>
           </a:xfrm>
           <a:prstGeom prst="straightConnector1">
             <a:avLst/>
@@ -15946,8 +15885,8 @@
         </p:nvCxnSpPr>
         <p:spPr>
           <a:xfrm>
-            <a:off x="6936995" y="5325848"/>
-            <a:ext cx="1" cy="88847"/>
+            <a:off x="6849221" y="5285239"/>
+            <a:ext cx="0" cy="119624"/>
           </a:xfrm>
           <a:prstGeom prst="straightConnector1">
             <a:avLst/>
@@ -15985,8 +15924,8 @@
         </p:nvCxnSpPr>
         <p:spPr>
           <a:xfrm>
-            <a:off x="8346207" y="5608435"/>
-            <a:ext cx="0" cy="133297"/>
+            <a:off x="8248886" y="5567826"/>
+            <a:ext cx="1" cy="164074"/>
           </a:xfrm>
           <a:prstGeom prst="straightConnector1">
             <a:avLst/>
@@ -16061,8 +16000,8 @@
         </p:nvSpPr>
         <p:spPr>
           <a:xfrm>
-            <a:off x="1725588" y="956718"/>
-            <a:ext cx="1423938" cy="738664"/>
+            <a:off x="2310192" y="1045206"/>
+            <a:ext cx="1423938" cy="276999"/>
           </a:xfrm>
           <a:prstGeom prst="rect">
             <a:avLst/>
@@ -16080,86 +16019,72 @@
           </a:bodyPr>
           <a:lstStyle/>
           <a:p>
-            <a:pPr marL="228600" indent="-228600">
+            <a:pPr marL="85725" indent="-85725">
               <a:buAutoNum type="arabicPeriod"/>
             </a:pPr>
             <a:r>
-              <a:rPr lang="en-US" altLang="ko-KR" sz="700" dirty="0" err="1" smtClean="0">
+              <a:rPr lang="en-US" altLang="ko-KR" sz="600" dirty="0" err="1" smtClean="0">
                 <a:latin typeface="+mj-lt"/>
               </a:rPr>
               <a:t>SubjectList.jsp</a:t>
             </a:r>
             <a:r>
-              <a:rPr lang="en-US" altLang="ko-KR" sz="700" dirty="0" smtClean="0">
+              <a:rPr lang="en-US" altLang="ko-KR" sz="600" dirty="0" smtClean="0">
                 <a:latin typeface="+mj-lt"/>
               </a:rPr>
               <a:t> : </a:t>
             </a:r>
             <a:r>
-              <a:rPr lang="ko-KR" altLang="en-US" sz="700" dirty="0" smtClean="0">
+              <a:rPr lang="ko-KR" altLang="en-US" sz="600" dirty="0" smtClean="0">
                 <a:latin typeface="+mj-lt"/>
               </a:rPr>
-              <a:t>과목 리스트 보기</a:t>
-            </a:r>
-            <a:endParaRPr lang="en-US" altLang="ko-KR" sz="700" dirty="0" smtClean="0">
+              <a:t>과목 </a:t>
+            </a:r>
+            <a:r>
+              <a:rPr lang="ko-KR" altLang="en-US" sz="600" dirty="0" smtClean="0">
+                <a:latin typeface="+mj-lt"/>
+              </a:rPr>
+              <a:t>및 단원 </a:t>
+            </a:r>
+            <a:r>
+              <a:rPr lang="ko-KR" altLang="en-US" sz="600" dirty="0" smtClean="0">
+                <a:latin typeface="+mj-lt"/>
+              </a:rPr>
+              <a:t>보기</a:t>
+            </a:r>
+            <a:endParaRPr lang="en-US" altLang="ko-KR" sz="600" dirty="0" smtClean="0">
               <a:latin typeface="+mj-lt"/>
             </a:endParaRPr>
           </a:p>
           <a:p>
-            <a:pPr marL="228600" indent="-228600">
+            <a:pPr marL="85725" indent="-85725">
               <a:buAutoNum type="arabicPeriod"/>
             </a:pPr>
             <a:r>
-              <a:rPr lang="en-US" altLang="ko-KR" sz="700" dirty="0" err="1" smtClean="0">
+              <a:rPr lang="en-US" altLang="ko-KR" sz="600" dirty="0" err="1" smtClean="0">
                 <a:latin typeface="+mj-lt"/>
               </a:rPr>
-              <a:t>UnitContent</a:t>
-            </a:r>
-            <a:r>
-              <a:rPr lang="en-US" altLang="ko-KR" sz="700" dirty="0" smtClean="0">
+              <a:t>quiz.jsp</a:t>
+            </a:r>
+            <a:r>
+              <a:rPr lang="en-US" altLang="ko-KR" sz="600" dirty="0" smtClean="0">
+                <a:latin typeface="+mj-lt"/>
+              </a:rPr>
+              <a:t> </a:t>
+            </a:r>
+            <a:r>
+              <a:rPr lang="en-US" altLang="ko-KR" sz="600" dirty="0" smtClean="0">
                 <a:latin typeface="+mj-lt"/>
               </a:rPr>
               <a:t>: </a:t>
             </a:r>
             <a:r>
-              <a:rPr lang="ko-KR" altLang="en-US" sz="700" dirty="0" smtClean="0">
-                <a:latin typeface="+mj-lt"/>
-              </a:rPr>
-              <a:t>단원 내용 보기</a:t>
-            </a:r>
-            <a:endParaRPr lang="en-US" altLang="ko-KR" sz="700" dirty="0" smtClean="0">
-              <a:latin typeface="+mj-lt"/>
-            </a:endParaRPr>
-          </a:p>
-          <a:p>
-            <a:pPr marL="228600" indent="-228600">
-              <a:buAutoNum type="arabicPeriod"/>
-            </a:pPr>
-            <a:r>
-              <a:rPr lang="en-US" altLang="ko-KR" sz="700" dirty="0" smtClean="0">
-                <a:latin typeface="+mj-lt"/>
-              </a:rPr>
-              <a:t>Final-</a:t>
-            </a:r>
-            <a:r>
-              <a:rPr lang="en-US" altLang="ko-KR" sz="700" dirty="0" err="1" smtClean="0">
-                <a:latin typeface="+mj-lt"/>
-              </a:rPr>
-              <a:t>test.jsp</a:t>
-            </a:r>
-            <a:r>
-              <a:rPr lang="en-US" altLang="ko-KR" sz="700" dirty="0" smtClean="0">
-                <a:latin typeface="+mj-lt"/>
-              </a:rPr>
-              <a:t> : </a:t>
-            </a:r>
-            <a:r>
-              <a:rPr lang="ko-KR" altLang="en-US" sz="700" dirty="0" smtClean="0">
+              <a:rPr lang="ko-KR" altLang="en-US" sz="600" dirty="0" smtClean="0">
                 <a:latin typeface="+mj-lt"/>
               </a:rPr>
               <a:t>마무리문제 풀기화면</a:t>
             </a:r>
-            <a:endParaRPr lang="en-US" altLang="ko-KR" sz="700" dirty="0" smtClean="0">
+            <a:endParaRPr lang="en-US" altLang="ko-KR" sz="600" dirty="0" smtClean="0">
               <a:latin typeface="+mj-lt"/>
             </a:endParaRPr>
           </a:p>
@@ -16173,8 +16098,8 @@
         </p:nvSpPr>
         <p:spPr>
           <a:xfrm>
-            <a:off x="3174697" y="1064440"/>
-            <a:ext cx="1423938" cy="630942"/>
+            <a:off x="3832641" y="952873"/>
+            <a:ext cx="1423938" cy="369332"/>
           </a:xfrm>
           <a:prstGeom prst="rect">
             <a:avLst/>
@@ -16192,92 +16117,104 @@
           </a:bodyPr>
           <a:lstStyle/>
           <a:p>
-            <a:pPr marL="228600" indent="-228600">
+            <a:pPr marL="85725" indent="-85725">
               <a:buAutoNum type="arabicPeriod"/>
             </a:pPr>
             <a:r>
-              <a:rPr lang="en-US" altLang="ko-KR" sz="700" dirty="0" err="1" smtClean="0">
+              <a:rPr lang="en-US" altLang="ko-KR" sz="600" dirty="0" err="1" smtClean="0">
                 <a:latin typeface="+mj-lt"/>
               </a:rPr>
-              <a:t>ChallengeList</a:t>
-            </a:r>
-            <a:r>
-              <a:rPr lang="en-US" altLang="ko-KR" sz="700" dirty="0" smtClean="0">
+              <a:t>challengeList</a:t>
+            </a:r>
+            <a:r>
+              <a:rPr lang="en-US" altLang="ko-KR" sz="600" dirty="0" smtClean="0">
                 <a:latin typeface="+mj-lt"/>
               </a:rPr>
-              <a:t> : </a:t>
-            </a:r>
-            <a:r>
-              <a:rPr lang="ko-KR" altLang="en-US" sz="700" dirty="0" smtClean="0">
+              <a:t> </a:t>
+            </a:r>
+            <a:r>
+              <a:rPr lang="en-US" altLang="ko-KR" sz="600" dirty="0" smtClean="0">
+                <a:latin typeface="+mj-lt"/>
+              </a:rPr>
+              <a:t>: </a:t>
+            </a:r>
+            <a:r>
+              <a:rPr lang="ko-KR" altLang="en-US" sz="600" dirty="0" smtClean="0">
                 <a:latin typeface="+mj-lt"/>
               </a:rPr>
               <a:t>도전과제 리스트</a:t>
             </a:r>
             <a:r>
-              <a:rPr lang="en-US" altLang="ko-KR" sz="700" dirty="0" smtClean="0">
+              <a:rPr lang="en-US" altLang="ko-KR" sz="600" dirty="0" smtClean="0">
                 <a:latin typeface="+mj-lt"/>
               </a:rPr>
               <a:t>/</a:t>
             </a:r>
             <a:r>
-              <a:rPr lang="ko-KR" altLang="en-US" sz="700" dirty="0" smtClean="0">
+              <a:rPr lang="ko-KR" altLang="en-US" sz="600" dirty="0" smtClean="0">
                 <a:latin typeface="+mj-lt"/>
               </a:rPr>
               <a:t>검색</a:t>
             </a:r>
-            <a:endParaRPr lang="en-US" altLang="ko-KR" sz="700" dirty="0" smtClean="0">
+            <a:endParaRPr lang="en-US" altLang="ko-KR" sz="600" dirty="0" smtClean="0">
               <a:latin typeface="+mj-lt"/>
             </a:endParaRPr>
           </a:p>
           <a:p>
-            <a:pPr marL="228600" indent="-228600">
+            <a:pPr marL="85725" indent="-85725">
               <a:buAutoNum type="arabicPeriod"/>
             </a:pPr>
             <a:r>
-              <a:rPr lang="en-US" altLang="ko-KR" sz="700" dirty="0" err="1" smtClean="0">
+              <a:rPr lang="en-US" altLang="ko-KR" sz="600" dirty="0" err="1" smtClean="0">
                 <a:latin typeface="+mj-lt"/>
               </a:rPr>
-              <a:t>doChallenge.jsp</a:t>
-            </a:r>
-            <a:r>
-              <a:rPr lang="en-US" altLang="ko-KR" sz="700" dirty="0" smtClean="0">
+              <a:t>challengeSolving.jsp</a:t>
+            </a:r>
+            <a:r>
+              <a:rPr lang="en-US" altLang="ko-KR" sz="600" dirty="0" smtClean="0">
                 <a:latin typeface="+mj-lt"/>
               </a:rPr>
-              <a:t> : </a:t>
-            </a:r>
-            <a:r>
-              <a:rPr lang="ko-KR" altLang="en-US" sz="700" dirty="0" smtClean="0">
+              <a:t>: </a:t>
+            </a:r>
+            <a:r>
+              <a:rPr lang="ko-KR" altLang="en-US" sz="600" dirty="0" smtClean="0">
                 <a:latin typeface="+mj-lt"/>
               </a:rPr>
               <a:t>도전과제 참여</a:t>
             </a:r>
-            <a:endParaRPr lang="en-US" altLang="ko-KR" sz="700" dirty="0" smtClean="0">
+            <a:endParaRPr lang="en-US" altLang="ko-KR" sz="600" dirty="0" smtClean="0">
               <a:latin typeface="+mj-lt"/>
             </a:endParaRPr>
           </a:p>
           <a:p>
-            <a:pPr marL="228600" indent="-228600">
+            <a:pPr marL="85725" indent="-85725">
               <a:buAutoNum type="arabicPeriod"/>
             </a:pPr>
             <a:r>
-              <a:rPr lang="en-US" altLang="ko-KR" sz="700" dirty="0" err="1" smtClean="0">
+              <a:rPr lang="en-US" altLang="ko-KR" sz="600" dirty="0" err="1" smtClean="0">
                 <a:latin typeface="+mj-lt"/>
               </a:rPr>
-              <a:t>Ranking.jsp</a:t>
-            </a:r>
-            <a:r>
-              <a:rPr lang="en-US" altLang="ko-KR" sz="700" dirty="0" smtClean="0">
+              <a:t>ranking.jsp</a:t>
+            </a:r>
+            <a:r>
+              <a:rPr lang="en-US" altLang="ko-KR" sz="600" dirty="0" smtClean="0">
                 <a:latin typeface="+mj-lt"/>
               </a:rPr>
-              <a:t> : </a:t>
-            </a:r>
-            <a:r>
-              <a:rPr lang="ko-KR" altLang="en-US" sz="700" dirty="0" smtClean="0">
+              <a:t> </a:t>
+            </a:r>
+            <a:r>
+              <a:rPr lang="en-US" altLang="ko-KR" sz="600" dirty="0" smtClean="0">
+                <a:latin typeface="+mj-lt"/>
+              </a:rPr>
+              <a:t>: </a:t>
+            </a:r>
+            <a:r>
+              <a:rPr lang="ko-KR" altLang="en-US" sz="600" dirty="0" smtClean="0">
                 <a:latin typeface="+mj-lt"/>
               </a:rPr>
               <a:t>도전과제 랭킹</a:t>
             </a:r>
-            <a:endParaRPr lang="en-US" altLang="ko-KR" sz="700" dirty="0" smtClean="0">
+            <a:endParaRPr lang="en-US" altLang="ko-KR" sz="600" dirty="0" smtClean="0">
               <a:latin typeface="+mj-lt"/>
             </a:endParaRPr>
           </a:p>
@@ -16291,8 +16228,8 @@
         </p:nvSpPr>
         <p:spPr>
           <a:xfrm>
-            <a:off x="7534971" y="1383213"/>
-            <a:ext cx="1566332" cy="312169"/>
+            <a:off x="7327823" y="860540"/>
+            <a:ext cx="1566332" cy="461665"/>
           </a:xfrm>
           <a:prstGeom prst="rect">
             <a:avLst/>
@@ -16310,84 +16247,160 @@
           </a:bodyPr>
           <a:lstStyle/>
           <a:p>
-            <a:pPr marL="228600" indent="-228600">
+            <a:pPr marL="85725" indent="-85725">
               <a:buAutoNum type="arabicPeriod"/>
             </a:pPr>
             <a:r>
-              <a:rPr lang="en-US" altLang="ko-KR" sz="700" dirty="0" err="1" smtClean="0">
+              <a:rPr lang="en-US" altLang="ko-KR" sz="600" dirty="0" err="1" smtClean="0">
                 <a:latin typeface="+mj-lt"/>
               </a:rPr>
-              <a:t>Posting.jsp</a:t>
-            </a:r>
-            <a:r>
-              <a:rPr lang="en-US" altLang="ko-KR" sz="700" dirty="0" smtClean="0">
+              <a:t>board.j</a:t>
+            </a:r>
+            <a:r>
+              <a:rPr lang="en-US" altLang="ko-KR" sz="600" dirty="0" err="1" smtClean="0">
+                <a:latin typeface="+mj-lt"/>
+              </a:rPr>
+              <a:t>sp</a:t>
+            </a:r>
+            <a:r>
+              <a:rPr lang="en-US" altLang="ko-KR" sz="600" dirty="0" smtClean="0">
                 <a:latin typeface="+mj-lt"/>
               </a:rPr>
               <a:t> : </a:t>
             </a:r>
             <a:r>
-              <a:rPr lang="ko-KR" altLang="en-US" sz="700" dirty="0" err="1" smtClean="0">
+              <a:rPr lang="ko-KR" altLang="en-US" sz="600" dirty="0" smtClean="0">
                 <a:latin typeface="+mj-lt"/>
               </a:rPr>
-              <a:t>게시글</a:t>
-            </a:r>
-            <a:r>
-              <a:rPr lang="en-US" altLang="ko-KR" sz="700" dirty="0" smtClean="0">
-                <a:latin typeface="+mj-lt"/>
-              </a:rPr>
-              <a:t>/</a:t>
-            </a:r>
-            <a:r>
-              <a:rPr lang="ko-KR" altLang="en-US" sz="700" dirty="0" smtClean="0">
-                <a:latin typeface="+mj-lt"/>
-              </a:rPr>
-              <a:t>작성</a:t>
-            </a:r>
-            <a:r>
-              <a:rPr lang="en-US" altLang="ko-KR" sz="700" dirty="0" smtClean="0">
-                <a:latin typeface="+mj-lt"/>
-              </a:rPr>
-              <a:t>/</a:t>
-            </a:r>
-            <a:r>
-              <a:rPr lang="ko-KR" altLang="en-US" sz="700" dirty="0" smtClean="0">
-                <a:latin typeface="+mj-lt"/>
-              </a:rPr>
-              <a:t>수정</a:t>
-            </a:r>
-            <a:endParaRPr lang="en-US" altLang="ko-KR" sz="700" dirty="0">
+              <a:t>게시판 메인</a:t>
+            </a:r>
+            <a:endParaRPr lang="en-US" altLang="ko-KR" sz="600" dirty="0" smtClean="0">
               <a:latin typeface="+mj-lt"/>
             </a:endParaRPr>
           </a:p>
           <a:p>
-            <a:pPr marL="228600" indent="-228600">
+            <a:pPr marL="85725" indent="-85725">
               <a:buAutoNum type="arabicPeriod"/>
             </a:pPr>
             <a:r>
-              <a:rPr lang="en-US" altLang="ko-KR" sz="700" dirty="0" err="1" smtClean="0">
+              <a:rPr lang="en-US" altLang="ko-KR" sz="600" dirty="0" err="1">
+                <a:latin typeface="+mj-lt"/>
+              </a:rPr>
+              <a:t>p</a:t>
+            </a:r>
+            <a:r>
+              <a:rPr lang="en-US" altLang="ko-KR" sz="600" dirty="0" err="1" smtClean="0">
+                <a:latin typeface="+mj-lt"/>
+              </a:rPr>
+              <a:t>osting.jsp</a:t>
+            </a:r>
+            <a:r>
+              <a:rPr lang="en-US" altLang="ko-KR" sz="600" dirty="0" smtClean="0">
+                <a:latin typeface="+mj-lt"/>
+              </a:rPr>
+              <a:t> </a:t>
+            </a:r>
+            <a:r>
+              <a:rPr lang="en-US" altLang="ko-KR" sz="600" dirty="0" smtClean="0">
+                <a:latin typeface="+mj-lt"/>
+              </a:rPr>
+              <a:t>: </a:t>
+            </a:r>
+            <a:r>
+              <a:rPr lang="ko-KR" altLang="en-US" sz="600" dirty="0" err="1" smtClean="0">
+                <a:latin typeface="+mj-lt"/>
+              </a:rPr>
+              <a:t>게시글</a:t>
+            </a:r>
+            <a:r>
+              <a:rPr lang="en-US" altLang="ko-KR" sz="600" dirty="0" smtClean="0">
+                <a:latin typeface="+mj-lt"/>
+              </a:rPr>
+              <a:t>/</a:t>
+            </a:r>
+            <a:r>
+              <a:rPr lang="ko-KR" altLang="en-US" sz="600" dirty="0" smtClean="0">
+                <a:latin typeface="+mj-lt"/>
+              </a:rPr>
+              <a:t>작성</a:t>
+            </a:r>
+            <a:r>
+              <a:rPr lang="en-US" altLang="ko-KR" sz="600" dirty="0" smtClean="0">
+                <a:latin typeface="+mj-lt"/>
+              </a:rPr>
+              <a:t>/</a:t>
+            </a:r>
+            <a:r>
+              <a:rPr lang="ko-KR" altLang="en-US" sz="600" dirty="0" smtClean="0">
+                <a:latin typeface="+mj-lt"/>
+              </a:rPr>
+              <a:t>수정</a:t>
+            </a:r>
+            <a:endParaRPr lang="en-US" altLang="ko-KR" sz="600" dirty="0" smtClean="0">
+              <a:latin typeface="+mj-lt"/>
+            </a:endParaRPr>
+          </a:p>
+          <a:p>
+            <a:pPr marL="85725" indent="-85725">
+              <a:buAutoNum type="arabicPeriod"/>
+            </a:pPr>
+            <a:r>
+              <a:rPr lang="en-US" altLang="ko-KR" sz="600" dirty="0" err="1" smtClean="0">
+                <a:latin typeface="+mj-lt"/>
+              </a:rPr>
+              <a:t>postView.jsp</a:t>
+            </a:r>
+            <a:r>
+              <a:rPr lang="en-US" altLang="ko-KR" sz="600" dirty="0" smtClean="0">
+                <a:latin typeface="+mj-lt"/>
+              </a:rPr>
+              <a:t> : </a:t>
+            </a:r>
+            <a:r>
+              <a:rPr lang="ko-KR" altLang="en-US" sz="600" dirty="0" err="1" smtClean="0">
+                <a:latin typeface="+mj-lt"/>
+              </a:rPr>
+              <a:t>게시글</a:t>
+            </a:r>
+            <a:r>
+              <a:rPr lang="ko-KR" altLang="en-US" sz="600" dirty="0" smtClean="0">
+                <a:latin typeface="+mj-lt"/>
+              </a:rPr>
+              <a:t> 내용 열람</a:t>
+            </a:r>
+            <a:endParaRPr lang="en-US" altLang="ko-KR" sz="600" dirty="0">
+              <a:latin typeface="+mj-lt"/>
+            </a:endParaRPr>
+          </a:p>
+          <a:p>
+            <a:pPr marL="85725" indent="-85725">
+              <a:buAutoNum type="arabicPeriod"/>
+            </a:pPr>
+            <a:r>
+              <a:rPr lang="en-US" altLang="ko-KR" sz="600" dirty="0" err="1" smtClean="0">
                 <a:latin typeface="+mj-lt"/>
               </a:rPr>
               <a:t>Comment.jsp</a:t>
             </a:r>
             <a:r>
-              <a:rPr lang="en-US" altLang="ko-KR" sz="700" dirty="0" smtClean="0">
+              <a:rPr lang="en-US" altLang="ko-KR" sz="600" dirty="0" smtClean="0">
                 <a:latin typeface="+mj-lt"/>
               </a:rPr>
               <a:t> : </a:t>
             </a:r>
             <a:r>
-              <a:rPr lang="ko-KR" altLang="en-US" sz="700" dirty="0" err="1" smtClean="0">
+              <a:rPr lang="ko-KR" altLang="en-US" sz="600" dirty="0" err="1" smtClean="0">
                 <a:latin typeface="+mj-lt"/>
               </a:rPr>
               <a:t>답글</a:t>
             </a:r>
             <a:r>
-              <a:rPr lang="ko-KR" altLang="en-US" sz="700" dirty="0" smtClean="0">
+              <a:rPr lang="ko-KR" altLang="en-US" sz="600" dirty="0" smtClean="0">
                 <a:latin typeface="+mj-lt"/>
               </a:rPr>
               <a:t> 작성</a:t>
             </a:r>
-            <a:endParaRPr lang="en-US" altLang="ko-KR" sz="700" dirty="0" smtClean="0">
+            <a:endParaRPr lang="en-US" altLang="ko-KR" sz="600" dirty="0" smtClean="0">
               <a:latin typeface="+mj-lt"/>
             </a:endParaRPr>
           </a:p>
@@ -16699,8 +16712,8 @@
         </p:nvSpPr>
         <p:spPr>
           <a:xfrm>
-            <a:off x="4623806" y="1172161"/>
-            <a:ext cx="1294489" cy="523221"/>
+            <a:off x="5355090" y="768207"/>
+            <a:ext cx="1874224" cy="553998"/>
           </a:xfrm>
           <a:prstGeom prst="rect">
             <a:avLst/>
@@ -16718,86 +16731,140 @@
           </a:bodyPr>
           <a:lstStyle/>
           <a:p>
-            <a:pPr marL="228600" indent="-228600">
+            <a:pPr marL="85725" indent="-85725">
               <a:buAutoNum type="arabicPeriod"/>
             </a:pPr>
             <a:r>
-              <a:rPr lang="en-US" altLang="ko-KR" sz="700" dirty="0" err="1" smtClean="0">
+              <a:rPr lang="en-US" altLang="ko-KR" sz="600" dirty="0" err="1" smtClean="0">
                 <a:latin typeface="+mj-lt"/>
               </a:rPr>
               <a:t>signup.jsp</a:t>
             </a:r>
             <a:r>
-              <a:rPr lang="en-US" altLang="ko-KR" sz="700" dirty="0" smtClean="0">
+              <a:rPr lang="en-US" altLang="ko-KR" sz="600" dirty="0" smtClean="0">
                 <a:latin typeface="+mj-lt"/>
               </a:rPr>
               <a:t> : </a:t>
             </a:r>
             <a:r>
-              <a:rPr lang="ko-KR" altLang="en-US" sz="700" dirty="0" smtClean="0">
+              <a:rPr lang="ko-KR" altLang="en-US" sz="600" dirty="0" smtClean="0">
                 <a:latin typeface="+mj-lt"/>
               </a:rPr>
               <a:t>회원가입</a:t>
             </a:r>
-            <a:endParaRPr lang="en-US" altLang="ko-KR" sz="700" dirty="0" smtClean="0">
+            <a:endParaRPr lang="en-US" altLang="ko-KR" sz="600" dirty="0" smtClean="0">
               <a:latin typeface="+mj-lt"/>
             </a:endParaRPr>
           </a:p>
           <a:p>
-            <a:pPr marL="228600" indent="-228600">
+            <a:pPr marL="85725" indent="-85725">
               <a:buAutoNum type="arabicPeriod"/>
             </a:pPr>
             <a:r>
-              <a:rPr lang="en-US" altLang="ko-KR" sz="700" dirty="0" err="1" smtClean="0">
+              <a:rPr lang="en-US" altLang="ko-KR" sz="600" dirty="0" err="1" smtClean="0">
                 <a:latin typeface="+mj-lt"/>
               </a:rPr>
               <a:t>signin.jsp</a:t>
             </a:r>
             <a:r>
-              <a:rPr lang="en-US" altLang="ko-KR" sz="700" dirty="0" smtClean="0">
+              <a:rPr lang="en-US" altLang="ko-KR" sz="600" dirty="0" smtClean="0">
                 <a:latin typeface="+mj-lt"/>
               </a:rPr>
               <a:t> : </a:t>
             </a:r>
             <a:r>
-              <a:rPr lang="ko-KR" altLang="en-US" sz="700" dirty="0" smtClean="0">
+              <a:rPr lang="ko-KR" altLang="en-US" sz="600" dirty="0" smtClean="0">
                 <a:latin typeface="+mj-lt"/>
               </a:rPr>
               <a:t>로그</a:t>
             </a:r>
             <a:r>
-              <a:rPr lang="ko-KR" altLang="en-US" sz="700" dirty="0">
+              <a:rPr lang="ko-KR" altLang="en-US" sz="600" dirty="0">
                 <a:latin typeface="+mj-lt"/>
               </a:rPr>
               <a:t>인</a:t>
             </a:r>
-            <a:endParaRPr lang="en-US" altLang="ko-KR" sz="700" dirty="0" smtClean="0">
+            <a:endParaRPr lang="en-US" altLang="ko-KR" sz="600" dirty="0" smtClean="0">
               <a:latin typeface="+mj-lt"/>
             </a:endParaRPr>
           </a:p>
           <a:p>
-            <a:pPr marL="228600" indent="-228600">
+            <a:pPr marL="85725" indent="-85725">
               <a:buAutoNum type="arabicPeriod"/>
             </a:pPr>
             <a:r>
-              <a:rPr lang="en-US" altLang="ko-KR" sz="700" dirty="0" err="1" smtClean="0">
+              <a:rPr lang="en-US" altLang="ko-KR" sz="600" dirty="0" err="1" smtClean="0">
                 <a:latin typeface="+mj-lt"/>
               </a:rPr>
-              <a:t>profileManaging.jsp</a:t>
-            </a:r>
-            <a:r>
-              <a:rPr lang="en-US" altLang="ko-KR" sz="700" dirty="0" smtClean="0">
+              <a:t>profile.jsp</a:t>
+            </a:r>
+            <a:r>
+              <a:rPr lang="en-US" altLang="ko-KR" sz="600" dirty="0" smtClean="0">
                 <a:latin typeface="+mj-lt"/>
               </a:rPr>
-              <a:t> : </a:t>
-            </a:r>
-            <a:r>
-              <a:rPr lang="ko-KR" altLang="en-US" sz="700" dirty="0" smtClean="0">
+              <a:t> </a:t>
+            </a:r>
+            <a:r>
+              <a:rPr lang="en-US" altLang="ko-KR" sz="600" dirty="0" smtClean="0">
                 <a:latin typeface="+mj-lt"/>
               </a:rPr>
-              <a:t>회원정보 수정</a:t>
-            </a:r>
-            <a:endParaRPr lang="en-US" altLang="ko-KR" sz="700" dirty="0" smtClean="0">
+              <a:t>: </a:t>
+            </a:r>
+            <a:r>
+              <a:rPr lang="ko-KR" altLang="en-US" sz="600" dirty="0" smtClean="0">
+                <a:latin typeface="+mj-lt"/>
+              </a:rPr>
+              <a:t>회원정보 </a:t>
+            </a:r>
+            <a:r>
+              <a:rPr lang="ko-KR" altLang="en-US" sz="600" dirty="0" smtClean="0">
+                <a:latin typeface="+mj-lt"/>
+              </a:rPr>
+              <a:t>수정</a:t>
+            </a:r>
+            <a:endParaRPr lang="en-US" altLang="ko-KR" sz="600" dirty="0" smtClean="0">
+              <a:latin typeface="+mj-lt"/>
+            </a:endParaRPr>
+          </a:p>
+          <a:p>
+            <a:pPr marL="85725" indent="-85725">
+              <a:buAutoNum type="arabicPeriod"/>
+            </a:pPr>
+            <a:r>
+              <a:rPr lang="en-US" altLang="ko-KR" sz="600" dirty="0" err="1"/>
+              <a:t>tutorApplicationList.jsp</a:t>
+            </a:r>
+            <a:r>
+              <a:rPr lang="en-US" altLang="ko-KR" sz="600" dirty="0"/>
+              <a:t> : </a:t>
+            </a:r>
+            <a:r>
+              <a:rPr lang="ko-KR" altLang="en-US" sz="600" dirty="0" err="1"/>
+              <a:t>튜터</a:t>
+            </a:r>
+            <a:r>
+              <a:rPr lang="ko-KR" altLang="en-US" sz="600" dirty="0"/>
+              <a:t> 신청 관리</a:t>
+            </a:r>
+            <a:endParaRPr lang="en-US" altLang="ko-KR" sz="600" dirty="0"/>
+          </a:p>
+          <a:p>
+            <a:pPr marL="85725" indent="-85725">
+              <a:buAutoNum type="arabicPeriod"/>
+            </a:pPr>
+            <a:r>
+              <a:rPr lang="en-US" altLang="ko-KR" sz="600" dirty="0" err="1"/>
+              <a:t>tutorApplication.jsp</a:t>
+            </a:r>
+            <a:r>
+              <a:rPr lang="en-US" altLang="ko-KR" sz="600" dirty="0"/>
+              <a:t> : </a:t>
+            </a:r>
+            <a:r>
+              <a:rPr lang="ko-KR" altLang="en-US" sz="600" dirty="0" err="1" smtClean="0"/>
+              <a:t>튜터신청양식</a:t>
+            </a:r>
+            <a:endParaRPr lang="en-US" altLang="ko-KR" sz="600" dirty="0" smtClean="0">
               <a:latin typeface="+mj-lt"/>
             </a:endParaRPr>
           </a:p>
@@ -16814,49 +16881,8 @@
         </p:nvCxnSpPr>
         <p:spPr>
           <a:xfrm rot="5400000">
-            <a:off x="4773132" y="1457739"/>
-            <a:ext cx="260277" cy="735563"/>
-          </a:xfrm>
-          <a:prstGeom prst="bentConnector3">
-            <a:avLst>
-              <a:gd name="adj1" fmla="val 50000"/>
-            </a:avLst>
-          </a:prstGeom>
-          <a:ln w="6350">
-            <a:solidFill>
-              <a:schemeClr val="tx1"/>
-            </a:solidFill>
-            <a:tailEnd type="triangle" w="med" len="sm"/>
-          </a:ln>
-        </p:spPr>
-        <p:style>
-          <a:lnRef idx="1">
-            <a:schemeClr val="accent1"/>
-          </a:lnRef>
-          <a:fillRef idx="0">
-            <a:schemeClr val="accent1"/>
-          </a:fillRef>
-          <a:effectRef idx="0">
-            <a:schemeClr val="accent1"/>
-          </a:effectRef>
-          <a:fontRef idx="minor">
-            <a:schemeClr val="tx1"/>
-          </a:fontRef>
-        </p:style>
-      </p:cxnSp>
-      <p:cxnSp>
-        <p:nvCxnSpPr>
-          <p:cNvPr id="302" name="꺾인 연결선 301"/>
-          <p:cNvCxnSpPr>
-            <a:stCxn id="77" idx="2"/>
-            <a:endCxn id="84" idx="0"/>
-          </p:cNvCxnSpPr>
-          <p:nvPr/>
-        </p:nvCxnSpPr>
-        <p:spPr>
-          <a:xfrm rot="5400000">
-            <a:off x="5500922" y="729948"/>
-            <a:ext cx="260277" cy="2191144"/>
+            <a:off x="5283926" y="573767"/>
+            <a:ext cx="259838" cy="1756714"/>
           </a:xfrm>
           <a:prstGeom prst="bentConnector3">
             <a:avLst>
@@ -16896,8 +16922,8 @@
         </p:nvCxnSpPr>
         <p:spPr>
           <a:xfrm rot="5400000">
-            <a:off x="6296675" y="-65804"/>
-            <a:ext cx="260277" cy="3782649"/>
+            <a:off x="6193320" y="-335626"/>
+            <a:ext cx="259838" cy="3575501"/>
           </a:xfrm>
           <a:prstGeom prst="bentConnector3">
             <a:avLst>
@@ -16936,9 +16962,9 @@
           <p:nvPr/>
         </p:nvCxnSpPr>
         <p:spPr>
-          <a:xfrm rot="16200000" flipH="1">
-            <a:off x="4080939" y="1501109"/>
-            <a:ext cx="260277" cy="648822"/>
+          <a:xfrm rot="5400000">
+            <a:off x="4410130" y="1447563"/>
+            <a:ext cx="259838" cy="9122"/>
           </a:xfrm>
           <a:prstGeom prst="bentConnector3">
             <a:avLst>
@@ -16978,8 +17004,8 @@
         </p:nvCxnSpPr>
         <p:spPr>
           <a:xfrm rot="16200000" flipH="1">
-            <a:off x="3356384" y="776554"/>
-            <a:ext cx="260277" cy="2097931"/>
+            <a:off x="3648905" y="695460"/>
+            <a:ext cx="259838" cy="1513327"/>
           </a:xfrm>
           <a:prstGeom prst="bentConnector3">
             <a:avLst>
@@ -17019,8 +17045,8 @@
         </p:nvCxnSpPr>
         <p:spPr>
           <a:xfrm rot="16200000" flipH="1">
-            <a:off x="2557073" y="-22757"/>
-            <a:ext cx="260277" cy="3696553"/>
+            <a:off x="2812924" y="-140521"/>
+            <a:ext cx="259838" cy="3185289"/>
           </a:xfrm>
           <a:prstGeom prst="bentConnector3">
             <a:avLst>
@@ -17174,8 +17200,8 @@
         </p:nvSpPr>
         <p:spPr>
           <a:xfrm>
-            <a:off x="3124348" y="4332439"/>
-            <a:ext cx="438188" cy="184666"/>
+            <a:off x="3168031" y="4332439"/>
+            <a:ext cx="341519" cy="169277"/>
           </a:xfrm>
           <a:prstGeom prst="rect">
             <a:avLst/>
@@ -17196,10 +17222,10 @@
           <a:lstStyle/>
           <a:p>
             <a:r>
-              <a:rPr lang="en-US" altLang="ko-KR" sz="600" dirty="0" err="1" smtClean="0"/>
+              <a:rPr lang="en-US" altLang="ko-KR" sz="500" dirty="0" err="1" smtClean="0"/>
               <a:t>SubjectVO</a:t>
             </a:r>
-            <a:endParaRPr lang="ko-KR" altLang="en-US" sz="600" dirty="0"/>
+            <a:endParaRPr lang="ko-KR" altLang="en-US" sz="500" dirty="0"/>
           </a:p>
         </p:txBody>
       </p:sp>
@@ -17211,8 +17237,8 @@
         </p:nvSpPr>
         <p:spPr>
           <a:xfrm>
-            <a:off x="5012127" y="4332439"/>
-            <a:ext cx="325978" cy="184666"/>
+            <a:off x="5281293" y="4332439"/>
+            <a:ext cx="256997" cy="169277"/>
           </a:xfrm>
           <a:prstGeom prst="rect">
             <a:avLst/>
@@ -17233,10 +17259,10 @@
           <a:lstStyle/>
           <a:p>
             <a:r>
-              <a:rPr lang="en-US" altLang="ko-KR" sz="600" dirty="0" err="1" smtClean="0"/>
+              <a:rPr lang="en-US" altLang="ko-KR" sz="500" dirty="0" err="1" smtClean="0"/>
               <a:t>UnitVO</a:t>
             </a:r>
-            <a:endParaRPr lang="ko-KR" altLang="en-US" sz="600" dirty="0"/>
+            <a:endParaRPr lang="ko-KR" altLang="en-US" sz="500" dirty="0"/>
           </a:p>
         </p:txBody>
       </p:sp>
@@ -17248,8 +17274,8 @@
         </p:nvSpPr>
         <p:spPr>
           <a:xfrm>
-            <a:off x="4231311" y="4332439"/>
-            <a:ext cx="733140" cy="184666"/>
+            <a:off x="4597049" y="4332439"/>
+            <a:ext cx="563025" cy="169277"/>
           </a:xfrm>
           <a:prstGeom prst="rect">
             <a:avLst/>
@@ -17270,10 +17296,10 @@
           <a:lstStyle/>
           <a:p>
             <a:r>
-              <a:rPr lang="en-US" altLang="ko-KR" sz="600" dirty="0" err="1" smtClean="0"/>
+              <a:rPr lang="en-US" altLang="ko-KR" sz="500" dirty="0" err="1" smtClean="0"/>
               <a:t>UnitCompletionVO</a:t>
             </a:r>
-            <a:endParaRPr lang="ko-KR" altLang="en-US" sz="600" dirty="0"/>
+            <a:endParaRPr lang="ko-KR" altLang="en-US" sz="500" dirty="0"/>
           </a:p>
         </p:txBody>
       </p:sp>
@@ -17285,8 +17311,8 @@
         </p:nvSpPr>
         <p:spPr>
           <a:xfrm>
-            <a:off x="3655469" y="4332439"/>
-            <a:ext cx="486278" cy="184666"/>
+            <a:off x="3630769" y="4332439"/>
+            <a:ext cx="267198" cy="169277"/>
           </a:xfrm>
           <a:prstGeom prst="rect">
             <a:avLst/>
@@ -17307,10 +17333,10 @@
           <a:lstStyle/>
           <a:p>
             <a:r>
-              <a:rPr lang="en-US" altLang="ko-KR" sz="600" dirty="0" err="1" smtClean="0"/>
-              <a:t>FinalTestVO</a:t>
-            </a:r>
-            <a:endParaRPr lang="ko-KR" altLang="en-US" sz="600" dirty="0"/>
+              <a:rPr lang="en-US" altLang="ko-KR" sz="500" dirty="0" err="1" smtClean="0"/>
+              <a:t>QuizVO</a:t>
+            </a:r>
+            <a:endParaRPr lang="ko-KR" altLang="en-US" sz="500" dirty="0"/>
           </a:p>
         </p:txBody>
       </p:sp>
@@ -17322,8 +17348,8 @@
         </p:nvSpPr>
         <p:spPr>
           <a:xfrm>
-            <a:off x="2476081" y="4332439"/>
-            <a:ext cx="537574" cy="184666"/>
+            <a:off x="2620771" y="4332439"/>
+            <a:ext cx="426041" cy="169277"/>
           </a:xfrm>
           <a:prstGeom prst="rect">
             <a:avLst/>
@@ -17344,10 +17370,10 @@
           <a:lstStyle/>
           <a:p>
             <a:r>
-              <a:rPr lang="en-US" altLang="ko-KR" sz="600" dirty="0" err="1" smtClean="0"/>
-              <a:t>TestResultVO</a:t>
-            </a:r>
-            <a:endParaRPr lang="ko-KR" altLang="en-US" sz="600" dirty="0"/>
+              <a:rPr lang="en-US" altLang="ko-KR" sz="500" dirty="0" err="1" smtClean="0"/>
+              <a:t>QuizResultVO</a:t>
+            </a:r>
+            <a:endParaRPr lang="ko-KR" altLang="en-US" sz="500" dirty="0"/>
           </a:p>
         </p:txBody>
       </p:sp>
@@ -17359,8 +17385,8 @@
         </p:nvSpPr>
         <p:spPr>
           <a:xfrm>
-            <a:off x="1838981" y="4332439"/>
-            <a:ext cx="526353" cy="184666"/>
+            <a:off x="2092456" y="4332439"/>
+            <a:ext cx="407096" cy="169277"/>
           </a:xfrm>
           <a:prstGeom prst="rect">
             <a:avLst/>
@@ -17381,10 +17407,10 @@
           <a:lstStyle/>
           <a:p>
             <a:r>
-              <a:rPr lang="en-US" altLang="ko-KR" sz="600" dirty="0" err="1" smtClean="0"/>
+              <a:rPr lang="en-US" altLang="ko-KR" sz="500" dirty="0" err="1" smtClean="0"/>
               <a:t>ChallengeVO</a:t>
             </a:r>
-            <a:endParaRPr lang="ko-KR" altLang="en-US" sz="600" dirty="0"/>
+            <a:endParaRPr lang="ko-KR" altLang="en-US" sz="500" dirty="0"/>
           </a:p>
         </p:txBody>
       </p:sp>
@@ -17396,8 +17422,8 @@
         </p:nvSpPr>
         <p:spPr>
           <a:xfrm>
-            <a:off x="327408" y="4332439"/>
-            <a:ext cx="689860" cy="184666"/>
+            <a:off x="754571" y="4332439"/>
+            <a:ext cx="529507" cy="169277"/>
           </a:xfrm>
           <a:prstGeom prst="rect">
             <a:avLst/>
@@ -17418,10 +17444,10 @@
           <a:lstStyle/>
           <a:p>
             <a:r>
-              <a:rPr lang="en-US" altLang="ko-KR" sz="600" dirty="0" err="1" smtClean="0"/>
+              <a:rPr lang="en-US" altLang="ko-KR" sz="500" dirty="0" err="1" smtClean="0"/>
               <a:t>ChallengeCaseVO</a:t>
             </a:r>
-            <a:endParaRPr lang="ko-KR" altLang="en-US" sz="600" dirty="0"/>
+            <a:endParaRPr lang="ko-KR" altLang="en-US" sz="500" dirty="0"/>
           </a:p>
         </p:txBody>
       </p:sp>
@@ -17433,8 +17459,8 @@
         </p:nvSpPr>
         <p:spPr>
           <a:xfrm>
-            <a:off x="1079147" y="4332439"/>
-            <a:ext cx="739552" cy="184666"/>
+            <a:off x="1405297" y="4332439"/>
+            <a:ext cx="565940" cy="169277"/>
           </a:xfrm>
           <a:prstGeom prst="rect">
             <a:avLst/>
@@ -17455,10 +17481,10 @@
           <a:lstStyle/>
           <a:p>
             <a:r>
-              <a:rPr lang="en-US" altLang="ko-KR" sz="600" dirty="0" err="1" smtClean="0"/>
+              <a:rPr lang="en-US" altLang="ko-KR" sz="500" dirty="0" err="1" smtClean="0"/>
               <a:t>ChallengeResultVO</a:t>
             </a:r>
-            <a:endParaRPr lang="ko-KR" altLang="en-US" sz="600" dirty="0"/>
+            <a:endParaRPr lang="ko-KR" altLang="en-US" sz="500" dirty="0"/>
           </a:p>
         </p:txBody>
       </p:sp>
@@ -17470,8 +17496,8 @@
         </p:nvSpPr>
         <p:spPr>
           <a:xfrm>
-            <a:off x="5520606" y="4332439"/>
-            <a:ext cx="337199" cy="184666"/>
+            <a:off x="5659509" y="4332439"/>
+            <a:ext cx="264284" cy="169277"/>
           </a:xfrm>
           <a:prstGeom prst="rect">
             <a:avLst/>
@@ -17492,10 +17518,10 @@
           <a:lstStyle/>
           <a:p>
             <a:r>
-              <a:rPr lang="en-US" altLang="ko-KR" sz="600" dirty="0" err="1" smtClean="0"/>
+              <a:rPr lang="en-US" altLang="ko-KR" sz="500" dirty="0" err="1" smtClean="0"/>
               <a:t>UserVO</a:t>
             </a:r>
-            <a:endParaRPr lang="ko-KR" altLang="en-US" sz="600" dirty="0"/>
+            <a:endParaRPr lang="ko-KR" altLang="en-US" sz="500" dirty="0"/>
           </a:p>
         </p:txBody>
       </p:sp>
@@ -17507,8 +17533,8 @@
         </p:nvSpPr>
         <p:spPr>
           <a:xfrm>
-            <a:off x="6861478" y="4332439"/>
-            <a:ext cx="385289" cy="184666"/>
+            <a:off x="6752573" y="4332439"/>
+            <a:ext cx="415840" cy="169277"/>
           </a:xfrm>
           <a:prstGeom prst="rect">
             <a:avLst/>
@@ -17529,10 +17555,10 @@
           <a:lstStyle/>
           <a:p>
             <a:r>
-              <a:rPr lang="en-US" altLang="ko-KR" sz="600" dirty="0" err="1" smtClean="0"/>
-              <a:t>BoardVO</a:t>
-            </a:r>
-            <a:endParaRPr lang="ko-KR" altLang="en-US" sz="600" dirty="0"/>
+              <a:rPr lang="en-US" altLang="ko-KR" sz="500" dirty="0" err="1" smtClean="0"/>
+              <a:t>BoardPostVO</a:t>
+            </a:r>
+            <a:endParaRPr lang="ko-KR" altLang="en-US" sz="500" dirty="0"/>
           </a:p>
         </p:txBody>
       </p:sp>
@@ -17544,8 +17570,8 @@
         </p:nvSpPr>
         <p:spPr>
           <a:xfrm>
-            <a:off x="7273096" y="4332439"/>
-            <a:ext cx="433379" cy="184666"/>
+            <a:off x="7289632" y="4332439"/>
+            <a:ext cx="405639" cy="169277"/>
           </a:xfrm>
           <a:prstGeom prst="rect">
             <a:avLst/>
@@ -17566,10 +17592,10 @@
           <a:lstStyle/>
           <a:p>
             <a:r>
-              <a:rPr lang="en-US" altLang="ko-KR" sz="600" dirty="0" err="1" smtClean="0"/>
-              <a:t>RboardVO</a:t>
-            </a:r>
-            <a:endParaRPr lang="ko-KR" altLang="en-US" sz="600" dirty="0"/>
+              <a:rPr lang="en-US" altLang="ko-KR" sz="500" dirty="0" err="1" smtClean="0"/>
+              <a:t>CommentVO</a:t>
+            </a:r>
+            <a:endParaRPr lang="ko-KR" altLang="en-US" sz="500" dirty="0"/>
           </a:p>
         </p:txBody>
       </p:sp>
@@ -17584,8 +17610,8 @@
         </p:nvCxnSpPr>
         <p:spPr>
           <a:xfrm rot="5400000">
-            <a:off x="4905048" y="5289004"/>
-            <a:ext cx="359294" cy="1041620"/>
+            <a:off x="4844900" y="5308543"/>
+            <a:ext cx="399903" cy="961932"/>
           </a:xfrm>
           <a:prstGeom prst="bentConnector3">
             <a:avLst>
@@ -17616,14 +17642,14 @@
       </p:cxnSp>
       <p:sp>
         <p:nvSpPr>
-          <p:cNvPr id="200" name="TextBox 199"/>
+          <p:cNvPr id="191" name="TextBox 190"/>
           <p:cNvSpPr txBox="1"/>
           <p:nvPr/>
         </p:nvSpPr>
         <p:spPr>
           <a:xfrm>
-            <a:off x="1567524" y="3068884"/>
-            <a:ext cx="438188" cy="184666"/>
+            <a:off x="6045012" y="4331827"/>
+            <a:ext cx="586342" cy="169277"/>
           </a:xfrm>
           <a:prstGeom prst="rect">
             <a:avLst/>
@@ -17644,23 +17670,23 @@
           <a:lstStyle/>
           <a:p>
             <a:r>
-              <a:rPr lang="en-US" altLang="ko-KR" sz="600" dirty="0" err="1" smtClean="0"/>
-              <a:t>SubjectVO</a:t>
-            </a:r>
-            <a:endParaRPr lang="ko-KR" altLang="en-US" sz="600" dirty="0"/>
+              <a:rPr lang="en-US" altLang="ko-KR" sz="500" dirty="0" err="1" smtClean="0"/>
+              <a:t>TutorApplicationVO</a:t>
+            </a:r>
+            <a:endParaRPr lang="ko-KR" altLang="en-US" sz="500" dirty="0"/>
           </a:p>
         </p:txBody>
       </p:sp>
       <p:sp>
         <p:nvSpPr>
-          <p:cNvPr id="201" name="TextBox 200"/>
+          <p:cNvPr id="219" name="TextBox 218"/>
           <p:cNvSpPr txBox="1"/>
           <p:nvPr/>
         </p:nvSpPr>
         <p:spPr>
           <a:xfrm>
-            <a:off x="2509939" y="3068884"/>
-            <a:ext cx="325978" cy="184666"/>
+            <a:off x="7816490" y="4326190"/>
+            <a:ext cx="453729" cy="169277"/>
           </a:xfrm>
           <a:prstGeom prst="rect">
             <a:avLst/>
@@ -17681,23 +17707,23 @@
           <a:lstStyle/>
           <a:p>
             <a:r>
-              <a:rPr lang="en-US" altLang="ko-KR" sz="600" dirty="0" err="1" smtClean="0"/>
-              <a:t>UnitVO</a:t>
-            </a:r>
-            <a:endParaRPr lang="ko-KR" altLang="en-US" sz="600" dirty="0"/>
+              <a:rPr lang="en-US" altLang="ko-KR" sz="500" dirty="0" err="1" smtClean="0"/>
+              <a:t>AttachmentVO</a:t>
+            </a:r>
+            <a:endParaRPr lang="ko-KR" altLang="en-US" sz="500" dirty="0"/>
           </a:p>
         </p:txBody>
       </p:sp>
       <p:sp>
         <p:nvSpPr>
-          <p:cNvPr id="202" name="TextBox 201"/>
+          <p:cNvPr id="220" name="TextBox 219"/>
           <p:cNvSpPr txBox="1"/>
           <p:nvPr/>
         </p:nvSpPr>
         <p:spPr>
           <a:xfrm>
-            <a:off x="4419063" y="3068884"/>
-            <a:ext cx="733140" cy="184666"/>
+            <a:off x="8391441" y="4319707"/>
+            <a:ext cx="646089" cy="169277"/>
           </a:xfrm>
           <a:prstGeom prst="rect">
             <a:avLst/>
@@ -17718,23 +17744,311 @@
           <a:lstStyle/>
           <a:p>
             <a:r>
-              <a:rPr lang="en-US" altLang="ko-KR" sz="600" dirty="0" err="1" smtClean="0"/>
-              <a:t>UnitCompletionVO</a:t>
-            </a:r>
-            <a:endParaRPr lang="ko-KR" altLang="en-US" sz="600" dirty="0"/>
+              <a:rPr lang="en-US" altLang="ko-KR" sz="500" dirty="0" err="1" smtClean="0"/>
+              <a:t>CommentPreferenceO</a:t>
+            </a:r>
+            <a:endParaRPr lang="ko-KR" altLang="en-US" sz="500" dirty="0"/>
           </a:p>
         </p:txBody>
       </p:sp>
       <p:sp>
         <p:nvSpPr>
-          <p:cNvPr id="203" name="TextBox 202"/>
+          <p:cNvPr id="224" name="TextBox 223"/>
           <p:cNvSpPr txBox="1"/>
           <p:nvPr/>
         </p:nvSpPr>
         <p:spPr>
           <a:xfrm>
-            <a:off x="2016095" y="3068884"/>
-            <a:ext cx="486278" cy="184666"/>
+            <a:off x="3727571" y="3053877"/>
+            <a:ext cx="812478" cy="200055"/>
+          </a:xfrm>
+          <a:prstGeom prst="rect">
+            <a:avLst/>
+          </a:prstGeom>
+          <a:noFill/>
+          <a:ln>
+            <a:solidFill>
+              <a:schemeClr val="tx1"/>
+            </a:solidFill>
+          </a:ln>
+        </p:spPr>
+        <p:txBody>
+          <a:bodyPr wrap="square" lIns="36000" rIns="36000" rtlCol="0">
+            <a:spAutoFit/>
+          </a:bodyPr>
+          <a:lstStyle/>
+          <a:p>
+            <a:pPr algn="ctr"/>
+            <a:r>
+              <a:rPr lang="en-US" altLang="ko-KR" sz="700" b="1" dirty="0" err="1" smtClean="0"/>
+              <a:t>LearningManager</a:t>
+            </a:r>
+            <a:endParaRPr lang="ko-KR" altLang="en-US" sz="700" b="1" dirty="0"/>
+          </a:p>
+        </p:txBody>
+      </p:sp>
+      <p:sp>
+        <p:nvSpPr>
+          <p:cNvPr id="225" name="TextBox 224"/>
+          <p:cNvSpPr txBox="1"/>
+          <p:nvPr/>
+        </p:nvSpPr>
+        <p:spPr>
+          <a:xfrm>
+            <a:off x="3727571" y="2748793"/>
+            <a:ext cx="812478" cy="200055"/>
+          </a:xfrm>
+          <a:prstGeom prst="rect">
+            <a:avLst/>
+          </a:prstGeom>
+          <a:noFill/>
+          <a:ln>
+            <a:solidFill>
+              <a:schemeClr val="tx1"/>
+            </a:solidFill>
+          </a:ln>
+        </p:spPr>
+        <p:txBody>
+          <a:bodyPr wrap="square" lIns="36000" rIns="36000" rtlCol="0">
+            <a:spAutoFit/>
+          </a:bodyPr>
+          <a:lstStyle/>
+          <a:p>
+            <a:pPr algn="ctr"/>
+            <a:r>
+              <a:rPr lang="en-US" altLang="ko-KR" sz="700" b="1" dirty="0" err="1" smtClean="0"/>
+              <a:t>LearningService</a:t>
+            </a:r>
+            <a:endParaRPr lang="ko-KR" altLang="en-US" sz="700" b="1" dirty="0"/>
+          </a:p>
+        </p:txBody>
+      </p:sp>
+      <p:sp>
+        <p:nvSpPr>
+          <p:cNvPr id="226" name="TextBox 225"/>
+          <p:cNvSpPr txBox="1"/>
+          <p:nvPr/>
+        </p:nvSpPr>
+        <p:spPr>
+          <a:xfrm>
+            <a:off x="769210" y="3055126"/>
+            <a:ext cx="883495" cy="200055"/>
+          </a:xfrm>
+          <a:prstGeom prst="rect">
+            <a:avLst/>
+          </a:prstGeom>
+          <a:noFill/>
+          <a:ln>
+            <a:solidFill>
+              <a:schemeClr val="tx1"/>
+            </a:solidFill>
+          </a:ln>
+        </p:spPr>
+        <p:txBody>
+          <a:bodyPr wrap="square" lIns="36000" rIns="36000" rtlCol="0">
+            <a:spAutoFit/>
+          </a:bodyPr>
+          <a:lstStyle/>
+          <a:p>
+            <a:pPr algn="ctr"/>
+            <a:r>
+              <a:rPr lang="en-US" altLang="ko-KR" sz="700" b="1" dirty="0" err="1" smtClean="0"/>
+              <a:t>ChallengeManager</a:t>
+            </a:r>
+            <a:endParaRPr lang="ko-KR" altLang="en-US" sz="700" b="1" dirty="0"/>
+          </a:p>
+        </p:txBody>
+      </p:sp>
+      <p:sp>
+        <p:nvSpPr>
+          <p:cNvPr id="227" name="TextBox 226"/>
+          <p:cNvSpPr txBox="1"/>
+          <p:nvPr/>
+        </p:nvSpPr>
+        <p:spPr>
+          <a:xfrm>
+            <a:off x="809369" y="2778608"/>
+            <a:ext cx="803177" cy="200055"/>
+          </a:xfrm>
+          <a:prstGeom prst="rect">
+            <a:avLst/>
+          </a:prstGeom>
+          <a:noFill/>
+          <a:ln>
+            <a:solidFill>
+              <a:schemeClr val="tx1"/>
+            </a:solidFill>
+          </a:ln>
+        </p:spPr>
+        <p:txBody>
+          <a:bodyPr wrap="square" lIns="36000" rIns="36000" rtlCol="0">
+            <a:spAutoFit/>
+          </a:bodyPr>
+          <a:lstStyle/>
+          <a:p>
+            <a:pPr algn="ctr"/>
+            <a:r>
+              <a:rPr lang="en-US" altLang="ko-KR" sz="700" b="1" dirty="0" err="1" smtClean="0"/>
+              <a:t>ChallengeService</a:t>
+            </a:r>
+            <a:endParaRPr lang="ko-KR" altLang="en-US" sz="700" b="1" dirty="0"/>
+          </a:p>
+        </p:txBody>
+      </p:sp>
+      <p:sp>
+        <p:nvSpPr>
+          <p:cNvPr id="228" name="TextBox 227"/>
+          <p:cNvSpPr txBox="1"/>
+          <p:nvPr/>
+        </p:nvSpPr>
+        <p:spPr>
+          <a:xfrm>
+            <a:off x="4365517" y="3760236"/>
+            <a:ext cx="812478" cy="200055"/>
+          </a:xfrm>
+          <a:prstGeom prst="rect">
+            <a:avLst/>
+          </a:prstGeom>
+          <a:noFill/>
+          <a:ln>
+            <a:solidFill>
+              <a:schemeClr val="tx1"/>
+            </a:solidFill>
+          </a:ln>
+        </p:spPr>
+        <p:txBody>
+          <a:bodyPr wrap="square" lIns="36000" rIns="36000" rtlCol="0">
+            <a:spAutoFit/>
+          </a:bodyPr>
+          <a:lstStyle/>
+          <a:p>
+            <a:pPr algn="ctr"/>
+            <a:r>
+              <a:rPr lang="en-US" altLang="ko-KR" sz="700" b="1" dirty="0" err="1" smtClean="0"/>
+              <a:t>RankingManager</a:t>
+            </a:r>
+            <a:endParaRPr lang="ko-KR" altLang="en-US" sz="700" b="1" dirty="0"/>
+          </a:p>
+        </p:txBody>
+      </p:sp>
+      <p:sp>
+        <p:nvSpPr>
+          <p:cNvPr id="229" name="TextBox 228"/>
+          <p:cNvSpPr txBox="1"/>
+          <p:nvPr/>
+        </p:nvSpPr>
+        <p:spPr>
+          <a:xfrm>
+            <a:off x="4365517" y="3432292"/>
+            <a:ext cx="812478" cy="200055"/>
+          </a:xfrm>
+          <a:prstGeom prst="rect">
+            <a:avLst/>
+          </a:prstGeom>
+          <a:noFill/>
+          <a:ln>
+            <a:solidFill>
+              <a:schemeClr val="tx1"/>
+            </a:solidFill>
+          </a:ln>
+        </p:spPr>
+        <p:txBody>
+          <a:bodyPr wrap="square" lIns="36000" rIns="36000" rtlCol="0">
+            <a:spAutoFit/>
+          </a:bodyPr>
+          <a:lstStyle/>
+          <a:p>
+            <a:pPr algn="ctr"/>
+            <a:r>
+              <a:rPr lang="en-US" altLang="ko-KR" sz="700" b="1" dirty="0" err="1" smtClean="0"/>
+              <a:t>RankingService</a:t>
+            </a:r>
+            <a:endParaRPr lang="ko-KR" altLang="en-US" sz="700" b="1" dirty="0"/>
+          </a:p>
+        </p:txBody>
+      </p:sp>
+      <p:sp>
+        <p:nvSpPr>
+          <p:cNvPr id="230" name="TextBox 229"/>
+          <p:cNvSpPr txBox="1"/>
+          <p:nvPr/>
+        </p:nvSpPr>
+        <p:spPr>
+          <a:xfrm>
+            <a:off x="3638007" y="2065298"/>
+            <a:ext cx="971845" cy="200055"/>
+          </a:xfrm>
+          <a:prstGeom prst="rect">
+            <a:avLst/>
+          </a:prstGeom>
+          <a:noFill/>
+          <a:ln>
+            <a:solidFill>
+              <a:schemeClr val="tx1"/>
+            </a:solidFill>
+          </a:ln>
+        </p:spPr>
+        <p:txBody>
+          <a:bodyPr wrap="square" lIns="36000" rIns="36000" rtlCol="0">
+            <a:spAutoFit/>
+          </a:bodyPr>
+          <a:lstStyle/>
+          <a:p>
+            <a:pPr algn="ctr"/>
+            <a:r>
+              <a:rPr lang="en-US" altLang="ko-KR" sz="700" b="1" dirty="0" err="1" smtClean="0"/>
+              <a:t>RankingContoller</a:t>
+            </a:r>
+            <a:endParaRPr lang="ko-KR" altLang="en-US" sz="700" b="1" dirty="0"/>
+          </a:p>
+        </p:txBody>
+      </p:sp>
+      <p:sp>
+        <p:nvSpPr>
+          <p:cNvPr id="231" name="TextBox 230"/>
+          <p:cNvSpPr txBox="1"/>
+          <p:nvPr/>
+        </p:nvSpPr>
+        <p:spPr>
+          <a:xfrm>
+            <a:off x="6707362" y="2065298"/>
+            <a:ext cx="730161" cy="200055"/>
+          </a:xfrm>
+          <a:prstGeom prst="rect">
+            <a:avLst/>
+          </a:prstGeom>
+          <a:noFill/>
+          <a:ln>
+            <a:solidFill>
+              <a:schemeClr val="tx1"/>
+            </a:solidFill>
+          </a:ln>
+        </p:spPr>
+        <p:txBody>
+          <a:bodyPr wrap="square" lIns="36000" rIns="36000" rtlCol="0">
+            <a:spAutoFit/>
+          </a:bodyPr>
+          <a:lstStyle/>
+          <a:p>
+            <a:pPr algn="ctr"/>
+            <a:r>
+              <a:rPr lang="en-US" altLang="ko-KR" sz="700" b="1" dirty="0" err="1" smtClean="0"/>
+              <a:t>LoginContoller</a:t>
+            </a:r>
+            <a:endParaRPr lang="ko-KR" altLang="en-US" sz="700" b="1" dirty="0"/>
+          </a:p>
+        </p:txBody>
+      </p:sp>
+      <p:sp>
+        <p:nvSpPr>
+          <p:cNvPr id="232" name="TextBox 231"/>
+          <p:cNvSpPr txBox="1"/>
+          <p:nvPr/>
+        </p:nvSpPr>
+        <p:spPr>
+          <a:xfrm>
+            <a:off x="93643" y="4333197"/>
+            <a:ext cx="539709" cy="169277"/>
           </a:xfrm>
           <a:prstGeom prst="rect">
             <a:avLst/>
@@ -17755,23 +18069,23 @@
           <a:lstStyle/>
           <a:p>
             <a:r>
-              <a:rPr lang="en-US" altLang="ko-KR" sz="600" dirty="0" err="1" smtClean="0"/>
-              <a:t>FinalTestVO</a:t>
-            </a:r>
-            <a:endParaRPr lang="ko-KR" altLang="en-US" sz="600" dirty="0"/>
+              <a:rPr lang="en-US" altLang="ko-KR" sz="500" dirty="0" err="1" smtClean="0"/>
+              <a:t>BoardCategoryVO</a:t>
+            </a:r>
+            <a:endParaRPr lang="ko-KR" altLang="en-US" sz="500" dirty="0"/>
           </a:p>
         </p:txBody>
       </p:sp>
       <p:sp>
         <p:nvSpPr>
-          <p:cNvPr id="206" name="TextBox 205"/>
+          <p:cNvPr id="233" name="TextBox 232"/>
           <p:cNvSpPr txBox="1"/>
           <p:nvPr/>
         </p:nvSpPr>
         <p:spPr>
           <a:xfrm>
-            <a:off x="3123328" y="3068884"/>
-            <a:ext cx="537574" cy="184666"/>
+            <a:off x="4019186" y="4319707"/>
+            <a:ext cx="456644" cy="169277"/>
           </a:xfrm>
           <a:prstGeom prst="rect">
             <a:avLst/>
@@ -17792,930 +18106,123 @@
           <a:lstStyle/>
           <a:p>
             <a:r>
-              <a:rPr lang="en-US" altLang="ko-KR" sz="600" dirty="0" err="1" smtClean="0"/>
-              <a:t>TestResultVO</a:t>
-            </a:r>
-            <a:endParaRPr lang="ko-KR" altLang="en-US" sz="600" dirty="0"/>
+              <a:rPr lang="en-US" altLang="ko-KR" sz="500" dirty="0" err="1" smtClean="0"/>
+              <a:t>QuizAnswerVO</a:t>
+            </a:r>
+            <a:endParaRPr lang="ko-KR" altLang="en-US" sz="500" dirty="0"/>
           </a:p>
         </p:txBody>
       </p:sp>
       <p:sp>
         <p:nvSpPr>
-          <p:cNvPr id="209" name="TextBox 208"/>
-          <p:cNvSpPr txBox="1"/>
+          <p:cNvPr id="286" name="타원 285"/>
+          <p:cNvSpPr/>
           <p:nvPr/>
         </p:nvSpPr>
         <p:spPr>
           <a:xfrm>
-            <a:off x="1038881" y="3068884"/>
-            <a:ext cx="526353" cy="184666"/>
-          </a:xfrm>
-          <a:prstGeom prst="rect">
+            <a:off x="1165973" y="2571884"/>
+            <a:ext cx="89970" cy="89970"/>
+          </a:xfrm>
+          <a:prstGeom prst="ellipse">
             <a:avLst/>
           </a:prstGeom>
-          <a:solidFill>
-            <a:schemeClr val="bg1"/>
-          </a:solidFill>
-          <a:ln>
+          <a:noFill/>
+          <a:ln w="9525">
             <a:solidFill>
-              <a:srgbClr val="00B050"/>
+              <a:schemeClr val="tx1"/>
             </a:solidFill>
           </a:ln>
         </p:spPr>
+        <p:style>
+          <a:lnRef idx="2">
+            <a:schemeClr val="accent1">
+              <a:shade val="50000"/>
+            </a:schemeClr>
+          </a:lnRef>
+          <a:fillRef idx="1">
+            <a:schemeClr val="accent1"/>
+          </a:fillRef>
+          <a:effectRef idx="0">
+            <a:schemeClr val="accent1"/>
+          </a:effectRef>
+          <a:fontRef idx="minor">
+            <a:schemeClr val="lt1"/>
+          </a:fontRef>
+        </p:style>
         <p:txBody>
-          <a:bodyPr wrap="none" lIns="36000" rIns="36000" rtlCol="0">
-            <a:spAutoFit/>
-          </a:bodyPr>
+          <a:bodyPr rtlCol="0" anchor="ctr"/>
           <a:lstStyle/>
           <a:p>
-            <a:r>
-              <a:rPr lang="en-US" altLang="ko-KR" sz="600" dirty="0" err="1" smtClean="0"/>
-              <a:t>ChallengeVO</a:t>
-            </a:r>
-            <a:endParaRPr lang="ko-KR" altLang="en-US" sz="600" dirty="0"/>
+            <a:pPr algn="ctr"/>
+            <a:endParaRPr lang="ko-KR" altLang="en-US"/>
           </a:p>
         </p:txBody>
       </p:sp>
       <p:sp>
         <p:nvSpPr>
-          <p:cNvPr id="211" name="TextBox 210"/>
-          <p:cNvSpPr txBox="1"/>
+          <p:cNvPr id="287" name="타원 286"/>
+          <p:cNvSpPr/>
           <p:nvPr/>
         </p:nvSpPr>
         <p:spPr>
           <a:xfrm>
-            <a:off x="346458" y="3068884"/>
-            <a:ext cx="689860" cy="184666"/>
-          </a:xfrm>
-          <a:prstGeom prst="rect">
+            <a:off x="4122593" y="2571884"/>
+            <a:ext cx="89970" cy="89970"/>
+          </a:xfrm>
+          <a:prstGeom prst="ellipse">
             <a:avLst/>
           </a:prstGeom>
-          <a:solidFill>
-            <a:schemeClr val="bg1"/>
-          </a:solidFill>
-          <a:ln>
+          <a:noFill/>
+          <a:ln w="9525">
             <a:solidFill>
-              <a:srgbClr val="00B050"/>
+              <a:schemeClr val="tx1"/>
             </a:solidFill>
           </a:ln>
         </p:spPr>
+        <p:style>
+          <a:lnRef idx="2">
+            <a:schemeClr val="accent1">
+              <a:shade val="50000"/>
+            </a:schemeClr>
+          </a:lnRef>
+          <a:fillRef idx="1">
+            <a:schemeClr val="accent1"/>
+          </a:fillRef>
+          <a:effectRef idx="0">
+            <a:schemeClr val="accent1"/>
+          </a:effectRef>
+          <a:fontRef idx="minor">
+            <a:schemeClr val="lt1"/>
+          </a:fontRef>
+        </p:style>
         <p:txBody>
-          <a:bodyPr wrap="none" lIns="36000" rIns="36000" rtlCol="0">
-            <a:spAutoFit/>
-          </a:bodyPr>
+          <a:bodyPr rtlCol="0" anchor="ctr"/>
           <a:lstStyle/>
           <a:p>
-            <a:r>
-              <a:rPr lang="en-US" altLang="ko-KR" sz="600" dirty="0" err="1" smtClean="0"/>
-              <a:t>ChallengeCaseVO</a:t>
-            </a:r>
-            <a:endParaRPr lang="ko-KR" altLang="en-US" sz="600" dirty="0"/>
+            <a:pPr algn="ctr"/>
+            <a:endParaRPr lang="ko-KR" altLang="en-US"/>
           </a:p>
         </p:txBody>
       </p:sp>
       <p:sp>
         <p:nvSpPr>
-          <p:cNvPr id="212" name="TextBox 211"/>
-          <p:cNvSpPr txBox="1"/>
-          <p:nvPr/>
-        </p:nvSpPr>
-        <p:spPr>
-          <a:xfrm>
-            <a:off x="3673263" y="3068884"/>
-            <a:ext cx="739552" cy="184666"/>
-          </a:xfrm>
-          <a:prstGeom prst="rect">
-            <a:avLst/>
-          </a:prstGeom>
-          <a:solidFill>
-            <a:schemeClr val="bg1"/>
-          </a:solidFill>
-          <a:ln>
-            <a:solidFill>
-              <a:srgbClr val="00B050"/>
-            </a:solidFill>
-          </a:ln>
-        </p:spPr>
-        <p:txBody>
-          <a:bodyPr wrap="none" lIns="36000" rIns="36000" rtlCol="0">
-            <a:spAutoFit/>
-          </a:bodyPr>
-          <a:lstStyle/>
-          <a:p>
-            <a:r>
-              <a:rPr lang="en-US" altLang="ko-KR" sz="600" dirty="0" err="1" smtClean="0"/>
-              <a:t>ChallengeResultVO</a:t>
-            </a:r>
-            <a:endParaRPr lang="ko-KR" altLang="en-US" sz="600" dirty="0"/>
-          </a:p>
-        </p:txBody>
-      </p:sp>
-      <p:sp>
-        <p:nvSpPr>
-          <p:cNvPr id="213" name="TextBox 212"/>
-          <p:cNvSpPr txBox="1"/>
-          <p:nvPr/>
-        </p:nvSpPr>
-        <p:spPr>
-          <a:xfrm>
-            <a:off x="6952352" y="3068884"/>
-            <a:ext cx="385289" cy="184666"/>
-          </a:xfrm>
-          <a:prstGeom prst="rect">
-            <a:avLst/>
-          </a:prstGeom>
-          <a:solidFill>
-            <a:schemeClr val="bg1"/>
-          </a:solidFill>
-          <a:ln>
-            <a:solidFill>
-              <a:srgbClr val="00B050"/>
-            </a:solidFill>
-          </a:ln>
-        </p:spPr>
-        <p:txBody>
-          <a:bodyPr wrap="none" lIns="36000" rIns="36000" rtlCol="0">
-            <a:spAutoFit/>
-          </a:bodyPr>
-          <a:lstStyle/>
-          <a:p>
-            <a:r>
-              <a:rPr lang="en-US" altLang="ko-KR" sz="600" dirty="0" err="1" smtClean="0"/>
-              <a:t>BoardVO</a:t>
-            </a:r>
-            <a:endParaRPr lang="ko-KR" altLang="en-US" sz="600" dirty="0"/>
-          </a:p>
-        </p:txBody>
-      </p:sp>
-      <p:sp>
-        <p:nvSpPr>
-          <p:cNvPr id="214" name="TextBox 213"/>
-          <p:cNvSpPr txBox="1"/>
-          <p:nvPr/>
-        </p:nvSpPr>
-        <p:spPr>
-          <a:xfrm>
-            <a:off x="7360201" y="3068884"/>
-            <a:ext cx="433379" cy="184666"/>
-          </a:xfrm>
-          <a:prstGeom prst="rect">
-            <a:avLst/>
-          </a:prstGeom>
-          <a:solidFill>
-            <a:schemeClr val="bg1"/>
-          </a:solidFill>
-          <a:ln>
-            <a:solidFill>
-              <a:srgbClr val="00B050"/>
-            </a:solidFill>
-          </a:ln>
-        </p:spPr>
-        <p:txBody>
-          <a:bodyPr wrap="none" lIns="36000" rIns="36000" rtlCol="0">
-            <a:spAutoFit/>
-          </a:bodyPr>
-          <a:lstStyle/>
-          <a:p>
-            <a:r>
-              <a:rPr lang="en-US" altLang="ko-KR" sz="600" dirty="0" err="1" smtClean="0"/>
-              <a:t>RboardVO</a:t>
-            </a:r>
-            <a:endParaRPr lang="ko-KR" altLang="en-US" sz="600" dirty="0"/>
-          </a:p>
-        </p:txBody>
-      </p:sp>
-      <p:sp>
-        <p:nvSpPr>
-          <p:cNvPr id="216" name="TextBox 215"/>
-          <p:cNvSpPr txBox="1"/>
-          <p:nvPr/>
-        </p:nvSpPr>
-        <p:spPr>
-          <a:xfrm>
-            <a:off x="6263556" y="3068884"/>
-            <a:ext cx="337199" cy="184666"/>
-          </a:xfrm>
-          <a:prstGeom prst="rect">
-            <a:avLst/>
-          </a:prstGeom>
-          <a:solidFill>
-            <a:schemeClr val="bg1"/>
-          </a:solidFill>
-          <a:ln>
-            <a:solidFill>
-              <a:srgbClr val="00B050"/>
-            </a:solidFill>
-          </a:ln>
-        </p:spPr>
-        <p:txBody>
-          <a:bodyPr wrap="none" lIns="36000" rIns="36000" rtlCol="0">
-            <a:spAutoFit/>
-          </a:bodyPr>
-          <a:lstStyle/>
-          <a:p>
-            <a:r>
-              <a:rPr lang="en-US" altLang="ko-KR" sz="600" dirty="0" err="1" smtClean="0"/>
-              <a:t>UserVO</a:t>
-            </a:r>
-            <a:endParaRPr lang="ko-KR" altLang="en-US" sz="600" dirty="0"/>
-          </a:p>
-        </p:txBody>
-      </p:sp>
-      <p:sp>
-        <p:nvSpPr>
-          <p:cNvPr id="176" name="TextBox 175"/>
-          <p:cNvSpPr txBox="1"/>
-          <p:nvPr/>
-        </p:nvSpPr>
-        <p:spPr>
-          <a:xfrm>
-            <a:off x="5451788" y="3068884"/>
-            <a:ext cx="765200" cy="184666"/>
-          </a:xfrm>
-          <a:prstGeom prst="rect">
-            <a:avLst/>
-          </a:prstGeom>
-          <a:solidFill>
-            <a:schemeClr val="bg1"/>
-          </a:solidFill>
-          <a:ln>
-            <a:solidFill>
-              <a:srgbClr val="00B050"/>
-            </a:solidFill>
-          </a:ln>
-        </p:spPr>
-        <p:txBody>
-          <a:bodyPr wrap="none" lIns="36000" rIns="36000" rtlCol="0">
-            <a:spAutoFit/>
-          </a:bodyPr>
-          <a:lstStyle/>
-          <a:p>
-            <a:r>
-              <a:rPr lang="en-US" altLang="ko-KR" sz="600" dirty="0" err="1" smtClean="0"/>
-              <a:t>TutorApplicationVO</a:t>
-            </a:r>
-            <a:endParaRPr lang="ko-KR" altLang="en-US" sz="600" dirty="0"/>
-          </a:p>
-        </p:txBody>
-      </p:sp>
-      <p:sp>
-        <p:nvSpPr>
-          <p:cNvPr id="191" name="TextBox 190"/>
-          <p:cNvSpPr txBox="1"/>
-          <p:nvPr/>
-        </p:nvSpPr>
-        <p:spPr>
-          <a:xfrm>
-            <a:off x="5940738" y="4331827"/>
-            <a:ext cx="765200" cy="184666"/>
-          </a:xfrm>
-          <a:prstGeom prst="rect">
-            <a:avLst/>
-          </a:prstGeom>
-          <a:solidFill>
-            <a:schemeClr val="bg1"/>
-          </a:solidFill>
-          <a:ln>
-            <a:solidFill>
-              <a:srgbClr val="00B050"/>
-            </a:solidFill>
-          </a:ln>
-        </p:spPr>
-        <p:txBody>
-          <a:bodyPr wrap="none" lIns="36000" rIns="36000" rtlCol="0">
-            <a:spAutoFit/>
-          </a:bodyPr>
-          <a:lstStyle/>
-          <a:p>
-            <a:r>
-              <a:rPr lang="en-US" altLang="ko-KR" sz="600" dirty="0" err="1" smtClean="0"/>
-              <a:t>TutorApplicationVO</a:t>
-            </a:r>
-            <a:endParaRPr lang="ko-KR" altLang="en-US" sz="600" dirty="0"/>
-          </a:p>
-        </p:txBody>
-      </p:sp>
-      <p:sp>
-        <p:nvSpPr>
-          <p:cNvPr id="192" name="TextBox 191"/>
-          <p:cNvSpPr txBox="1"/>
-          <p:nvPr/>
-        </p:nvSpPr>
-        <p:spPr>
-          <a:xfrm>
-            <a:off x="7817401" y="3068884"/>
-            <a:ext cx="396510" cy="184666"/>
-          </a:xfrm>
-          <a:prstGeom prst="rect">
-            <a:avLst/>
-          </a:prstGeom>
-          <a:solidFill>
-            <a:schemeClr val="bg1"/>
-          </a:solidFill>
-          <a:ln>
-            <a:solidFill>
-              <a:srgbClr val="00B050"/>
-            </a:solidFill>
-          </a:ln>
-        </p:spPr>
-        <p:txBody>
-          <a:bodyPr wrap="none" lIns="36000" rIns="36000" rtlCol="0">
-            <a:spAutoFit/>
-          </a:bodyPr>
-          <a:lstStyle/>
-          <a:p>
-            <a:r>
-              <a:rPr lang="en-US" altLang="ko-KR" sz="600" dirty="0" err="1" smtClean="0"/>
-              <a:t>BoardFile</a:t>
-            </a:r>
-            <a:endParaRPr lang="ko-KR" altLang="en-US" sz="600" dirty="0"/>
-          </a:p>
-        </p:txBody>
-      </p:sp>
-      <p:sp>
-        <p:nvSpPr>
-          <p:cNvPr id="217" name="TextBox 216"/>
-          <p:cNvSpPr txBox="1"/>
-          <p:nvPr/>
-        </p:nvSpPr>
-        <p:spPr>
-          <a:xfrm>
-            <a:off x="8227695" y="3068884"/>
-            <a:ext cx="343611" cy="184666"/>
-          </a:xfrm>
-          <a:prstGeom prst="rect">
-            <a:avLst/>
-          </a:prstGeom>
-          <a:solidFill>
-            <a:schemeClr val="bg1"/>
-          </a:solidFill>
-          <a:ln>
-            <a:solidFill>
-              <a:srgbClr val="00B050"/>
-            </a:solidFill>
-          </a:ln>
-        </p:spPr>
-        <p:txBody>
-          <a:bodyPr wrap="none" lIns="36000" rIns="36000" rtlCol="0">
-            <a:spAutoFit/>
-          </a:bodyPr>
-          <a:lstStyle/>
-          <a:p>
-            <a:r>
-              <a:rPr lang="en-US" altLang="ko-KR" sz="600" dirty="0" err="1" smtClean="0"/>
-              <a:t>VoteVO</a:t>
-            </a:r>
-            <a:endParaRPr lang="ko-KR" altLang="en-US" sz="600" dirty="0"/>
-          </a:p>
-        </p:txBody>
-      </p:sp>
-      <p:sp>
-        <p:nvSpPr>
-          <p:cNvPr id="219" name="TextBox 218"/>
-          <p:cNvSpPr txBox="1"/>
-          <p:nvPr/>
-        </p:nvSpPr>
-        <p:spPr>
-          <a:xfrm>
-            <a:off x="7730086" y="4326190"/>
-            <a:ext cx="396510" cy="184666"/>
-          </a:xfrm>
-          <a:prstGeom prst="rect">
-            <a:avLst/>
-          </a:prstGeom>
-          <a:solidFill>
-            <a:schemeClr val="bg1"/>
-          </a:solidFill>
-          <a:ln>
-            <a:solidFill>
-              <a:srgbClr val="00B050"/>
-            </a:solidFill>
-          </a:ln>
-        </p:spPr>
-        <p:txBody>
-          <a:bodyPr wrap="none" lIns="36000" rIns="36000" rtlCol="0">
-            <a:spAutoFit/>
-          </a:bodyPr>
-          <a:lstStyle/>
-          <a:p>
-            <a:r>
-              <a:rPr lang="en-US" altLang="ko-KR" sz="600" dirty="0" err="1" smtClean="0"/>
-              <a:t>BoardFile</a:t>
-            </a:r>
-            <a:endParaRPr lang="ko-KR" altLang="en-US" sz="600" dirty="0"/>
-          </a:p>
-        </p:txBody>
-      </p:sp>
-      <p:sp>
-        <p:nvSpPr>
-          <p:cNvPr id="220" name="TextBox 219"/>
-          <p:cNvSpPr txBox="1"/>
-          <p:nvPr/>
-        </p:nvSpPr>
-        <p:spPr>
-          <a:xfrm>
-            <a:off x="8151495" y="4329506"/>
-            <a:ext cx="343611" cy="184666"/>
-          </a:xfrm>
-          <a:prstGeom prst="rect">
-            <a:avLst/>
-          </a:prstGeom>
-          <a:solidFill>
-            <a:schemeClr val="bg1"/>
-          </a:solidFill>
-          <a:ln>
-            <a:solidFill>
-              <a:srgbClr val="00B050"/>
-            </a:solidFill>
-          </a:ln>
-        </p:spPr>
-        <p:txBody>
-          <a:bodyPr wrap="none" lIns="36000" rIns="36000" rtlCol="0">
-            <a:spAutoFit/>
-          </a:bodyPr>
-          <a:lstStyle/>
-          <a:p>
-            <a:r>
-              <a:rPr lang="en-US" altLang="ko-KR" sz="600" dirty="0" err="1" smtClean="0"/>
-              <a:t>VoteVO</a:t>
-            </a:r>
-            <a:endParaRPr lang="ko-KR" altLang="en-US" sz="600" dirty="0"/>
-          </a:p>
-        </p:txBody>
-      </p:sp>
-    </p:spTree>
-    <p:extLst>
-      <p:ext uri="{BB962C8B-B14F-4D97-AF65-F5344CB8AC3E}">
-        <p14:creationId xmlns:p14="http://schemas.microsoft.com/office/powerpoint/2010/main" val="2460230197"/>
-      </p:ext>
-    </p:extLst>
-  </p:cSld>
-  <p:clrMapOvr>
-    <a:masterClrMapping/>
-  </p:clrMapOvr>
-  <p:timing>
-    <p:tnLst>
-      <p:par>
-        <p:cTn id="1" dur="indefinite" restart="never" nodeType="tmRoot"/>
-      </p:par>
-    </p:tnLst>
-  </p:timing>
-</p:sld>
-</file>
-
-<file path=ppt/slides/slide2.xml><?xml version="1.0" encoding="utf-8"?>
-<p:sld xmlns:a="http://schemas.openxmlformats.org/drawingml/2006/main" xmlns:r="http://schemas.openxmlformats.org/officeDocument/2006/relationships" xmlns:p="http://schemas.openxmlformats.org/presentationml/2006/main">
-  <p:cSld>
-    <p:spTree>
-      <p:nvGrpSpPr>
-        <p:cNvPr id="1" name=""/>
-        <p:cNvGrpSpPr/>
-        <p:nvPr/>
-      </p:nvGrpSpPr>
-      <p:grpSpPr>
-        <a:xfrm>
-          <a:off x="0" y="0"/>
-          <a:ext cx="0" cy="0"/>
-          <a:chOff x="0" y="0"/>
-          <a:chExt cx="0" cy="0"/>
-        </a:xfrm>
-      </p:grpSpPr>
-      <p:sp>
-        <p:nvSpPr>
-          <p:cNvPr id="2" name="제목 1"/>
-          <p:cNvSpPr>
-            <a:spLocks noGrp="1"/>
-          </p:cNvSpPr>
-          <p:nvPr>
-            <p:ph type="title"/>
-          </p:nvPr>
-        </p:nvSpPr>
-        <p:spPr/>
-        <p:txBody>
-          <a:bodyPr/>
-          <a:lstStyle/>
-          <a:p>
-            <a:r>
-              <a:rPr lang="ko-KR" altLang="en-US" dirty="0" smtClean="0"/>
-              <a:t>아키텍처</a:t>
-            </a:r>
-            <a:endParaRPr lang="ko-KR" altLang="en-US" dirty="0"/>
-          </a:p>
-        </p:txBody>
-      </p:sp>
-      <p:sp>
-        <p:nvSpPr>
-          <p:cNvPr id="3" name="텍스트 개체 틀 2"/>
-          <p:cNvSpPr>
-            <a:spLocks noGrp="1"/>
-          </p:cNvSpPr>
-          <p:nvPr>
-            <p:ph type="body" sz="quarter" idx="11"/>
-          </p:nvPr>
-        </p:nvSpPr>
-        <p:spPr/>
-        <p:txBody>
-          <a:bodyPr/>
-          <a:lstStyle/>
-          <a:p>
-            <a:endParaRPr lang="ko-KR" altLang="en-US"/>
-          </a:p>
-        </p:txBody>
-      </p:sp>
-      <p:cxnSp>
-        <p:nvCxnSpPr>
-          <p:cNvPr id="73" name="직선 연결선 72"/>
-          <p:cNvCxnSpPr/>
-          <p:nvPr/>
-        </p:nvCxnSpPr>
-        <p:spPr>
-          <a:xfrm flipV="1">
-            <a:off x="3491" y="1881740"/>
-            <a:ext cx="9158821" cy="14818"/>
-          </a:xfrm>
-          <a:prstGeom prst="line">
-            <a:avLst/>
-          </a:prstGeom>
-          <a:ln w="12700">
-            <a:solidFill>
-              <a:srgbClr val="FF0000"/>
-            </a:solidFill>
-            <a:prstDash val="dash"/>
-          </a:ln>
-        </p:spPr>
-        <p:style>
-          <a:lnRef idx="1">
-            <a:schemeClr val="accent1"/>
-          </a:lnRef>
-          <a:fillRef idx="0">
-            <a:schemeClr val="accent1"/>
-          </a:fillRef>
-          <a:effectRef idx="0">
-            <a:schemeClr val="accent1"/>
-          </a:effectRef>
-          <a:fontRef idx="minor">
-            <a:schemeClr val="tx1"/>
-          </a:fontRef>
-        </p:style>
-      </p:cxnSp>
-      <p:cxnSp>
-        <p:nvCxnSpPr>
-          <p:cNvPr id="74" name="직선 연결선 73"/>
-          <p:cNvCxnSpPr/>
-          <p:nvPr/>
-        </p:nvCxnSpPr>
-        <p:spPr>
-          <a:xfrm flipV="1">
-            <a:off x="3491" y="3181373"/>
-            <a:ext cx="9158821" cy="14818"/>
-          </a:xfrm>
-          <a:prstGeom prst="line">
-            <a:avLst/>
-          </a:prstGeom>
-          <a:ln w="12700">
-            <a:solidFill>
-              <a:srgbClr val="FF0000"/>
-            </a:solidFill>
-            <a:prstDash val="dash"/>
-          </a:ln>
-        </p:spPr>
-        <p:style>
-          <a:lnRef idx="1">
-            <a:schemeClr val="accent1"/>
-          </a:lnRef>
-          <a:fillRef idx="0">
-            <a:schemeClr val="accent1"/>
-          </a:fillRef>
-          <a:effectRef idx="0">
-            <a:schemeClr val="accent1"/>
-          </a:effectRef>
-          <a:fontRef idx="minor">
-            <a:schemeClr val="tx1"/>
-          </a:fontRef>
-        </p:style>
-      </p:cxnSp>
-      <p:cxnSp>
-        <p:nvCxnSpPr>
-          <p:cNvPr id="76" name="직선 연결선 75"/>
-          <p:cNvCxnSpPr/>
-          <p:nvPr/>
-        </p:nvCxnSpPr>
-        <p:spPr>
-          <a:xfrm flipV="1">
-            <a:off x="3491" y="4236310"/>
-            <a:ext cx="9158821" cy="14818"/>
-          </a:xfrm>
-          <a:prstGeom prst="line">
-            <a:avLst/>
-          </a:prstGeom>
-          <a:ln w="12700">
-            <a:solidFill>
-              <a:srgbClr val="FF0000"/>
-            </a:solidFill>
-            <a:prstDash val="dash"/>
-          </a:ln>
-        </p:spPr>
-        <p:style>
-          <a:lnRef idx="1">
-            <a:schemeClr val="accent1"/>
-          </a:lnRef>
-          <a:fillRef idx="0">
-            <a:schemeClr val="accent1"/>
-          </a:fillRef>
-          <a:effectRef idx="0">
-            <a:schemeClr val="accent1"/>
-          </a:effectRef>
-          <a:fontRef idx="minor">
-            <a:schemeClr val="tx1"/>
-          </a:fontRef>
-        </p:style>
-      </p:cxnSp>
-      <p:sp>
-        <p:nvSpPr>
-          <p:cNvPr id="77" name="TextBox 76"/>
-          <p:cNvSpPr txBox="1"/>
-          <p:nvPr/>
-        </p:nvSpPr>
-        <p:spPr>
-          <a:xfrm>
-            <a:off x="5943466" y="1172162"/>
-            <a:ext cx="1566332" cy="523220"/>
-          </a:xfrm>
-          <a:prstGeom prst="rect">
-            <a:avLst/>
-          </a:prstGeom>
-          <a:noFill/>
-          <a:ln w="3175">
-            <a:solidFill>
-              <a:schemeClr val="tx1"/>
-            </a:solidFill>
-          </a:ln>
-        </p:spPr>
-        <p:txBody>
-          <a:bodyPr wrap="square" lIns="36000" rIns="36000" rtlCol="0">
-            <a:spAutoFit/>
-          </a:bodyPr>
-          <a:lstStyle/>
-          <a:p>
-            <a:pPr marL="228600" indent="-228600">
-              <a:buAutoNum type="arabicPeriod"/>
-            </a:pPr>
-            <a:r>
-              <a:rPr lang="en-US" altLang="ko-KR" sz="700" dirty="0" err="1" smtClean="0">
-                <a:latin typeface="+mj-lt"/>
-              </a:rPr>
-              <a:t>tutorApplicationManaging.jsp</a:t>
-            </a:r>
-            <a:r>
-              <a:rPr lang="en-US" altLang="ko-KR" sz="700" dirty="0" smtClean="0">
-                <a:latin typeface="+mj-lt"/>
-              </a:rPr>
-              <a:t> : </a:t>
-            </a:r>
-            <a:r>
-              <a:rPr lang="ko-KR" altLang="en-US" sz="700" dirty="0" err="1" smtClean="0">
-                <a:latin typeface="+mj-lt"/>
-              </a:rPr>
-              <a:t>튜터</a:t>
-            </a:r>
-            <a:r>
-              <a:rPr lang="ko-KR" altLang="en-US" sz="700" dirty="0" smtClean="0">
-                <a:latin typeface="+mj-lt"/>
-              </a:rPr>
-              <a:t> 신청 관리</a:t>
-            </a:r>
-            <a:endParaRPr lang="en-US" altLang="ko-KR" sz="700" dirty="0" smtClean="0">
-              <a:latin typeface="+mj-lt"/>
-            </a:endParaRPr>
-          </a:p>
-          <a:p>
-            <a:pPr marL="228600" indent="-228600">
-              <a:buAutoNum type="arabicPeriod"/>
-            </a:pPr>
-            <a:r>
-              <a:rPr lang="en-US" altLang="ko-KR" sz="700" dirty="0" err="1" smtClean="0">
-                <a:latin typeface="+mj-lt"/>
-              </a:rPr>
-              <a:t>tutorApplying.jsp</a:t>
-            </a:r>
-            <a:r>
-              <a:rPr lang="en-US" altLang="ko-KR" sz="700" dirty="0" smtClean="0">
-                <a:latin typeface="+mj-lt"/>
-              </a:rPr>
-              <a:t> : </a:t>
-            </a:r>
-            <a:r>
-              <a:rPr lang="ko-KR" altLang="en-US" sz="700" dirty="0" err="1" smtClean="0">
-                <a:latin typeface="+mj-lt"/>
-              </a:rPr>
-              <a:t>튜터신청양식</a:t>
-            </a:r>
-            <a:endParaRPr lang="en-US" altLang="ko-KR" sz="700" dirty="0" smtClean="0">
-              <a:latin typeface="+mj-lt"/>
-            </a:endParaRPr>
-          </a:p>
-        </p:txBody>
-      </p:sp>
-      <p:sp>
-        <p:nvSpPr>
-          <p:cNvPr id="4" name="TextBox 3"/>
-          <p:cNvSpPr txBox="1"/>
-          <p:nvPr/>
-        </p:nvSpPr>
-        <p:spPr>
-          <a:xfrm>
-            <a:off x="110055" y="626512"/>
-            <a:ext cx="1314784" cy="253916"/>
-          </a:xfrm>
-          <a:prstGeom prst="rect">
-            <a:avLst/>
-          </a:prstGeom>
-          <a:noFill/>
-        </p:spPr>
-        <p:txBody>
-          <a:bodyPr wrap="none" rtlCol="0">
-            <a:spAutoFit/>
-          </a:bodyPr>
-          <a:lstStyle/>
-          <a:p>
-            <a:r>
-              <a:rPr lang="en-US" altLang="ko-KR" sz="1050" dirty="0" smtClean="0"/>
-              <a:t>Presentation Layer</a:t>
-            </a:r>
-            <a:endParaRPr lang="ko-KR" altLang="en-US" sz="1050" dirty="0"/>
-          </a:p>
-        </p:txBody>
-      </p:sp>
-      <p:sp>
-        <p:nvSpPr>
-          <p:cNvPr id="80" name="TextBox 79"/>
-          <p:cNvSpPr txBox="1"/>
-          <p:nvPr/>
-        </p:nvSpPr>
-        <p:spPr>
-          <a:xfrm>
-            <a:off x="110055" y="1921905"/>
-            <a:ext cx="838691" cy="415498"/>
-          </a:xfrm>
-          <a:prstGeom prst="rect">
-            <a:avLst/>
-          </a:prstGeom>
-          <a:noFill/>
-        </p:spPr>
-        <p:txBody>
-          <a:bodyPr wrap="none" rtlCol="0">
-            <a:spAutoFit/>
-          </a:bodyPr>
-          <a:lstStyle/>
-          <a:p>
-            <a:r>
-              <a:rPr lang="en-US" altLang="ko-KR" sz="1050" dirty="0" smtClean="0"/>
-              <a:t>Controller </a:t>
-            </a:r>
-          </a:p>
-          <a:p>
-            <a:r>
-              <a:rPr lang="en-US" altLang="ko-KR" sz="1050" dirty="0" smtClean="0"/>
-              <a:t>Layer</a:t>
-            </a:r>
-            <a:endParaRPr lang="ko-KR" altLang="en-US" sz="1050" dirty="0"/>
-          </a:p>
-        </p:txBody>
-      </p:sp>
-      <p:sp>
-        <p:nvSpPr>
-          <p:cNvPr id="81" name="TextBox 80"/>
-          <p:cNvSpPr txBox="1"/>
-          <p:nvPr/>
-        </p:nvSpPr>
-        <p:spPr>
-          <a:xfrm>
-            <a:off x="110055" y="3169894"/>
-            <a:ext cx="747320" cy="415498"/>
-          </a:xfrm>
-          <a:prstGeom prst="rect">
-            <a:avLst/>
-          </a:prstGeom>
-          <a:noFill/>
-        </p:spPr>
-        <p:txBody>
-          <a:bodyPr wrap="none" rtlCol="0">
-            <a:spAutoFit/>
-          </a:bodyPr>
-          <a:lstStyle/>
-          <a:p>
-            <a:r>
-              <a:rPr lang="en-US" altLang="ko-KR" sz="1050" dirty="0" smtClean="0"/>
-              <a:t>Business </a:t>
-            </a:r>
-          </a:p>
-          <a:p>
-            <a:r>
-              <a:rPr lang="en-US" altLang="ko-KR" sz="1050" dirty="0" smtClean="0"/>
-              <a:t>Layer</a:t>
-            </a:r>
-            <a:endParaRPr lang="ko-KR" altLang="en-US" sz="1050" dirty="0"/>
-          </a:p>
-        </p:txBody>
-      </p:sp>
-      <p:sp>
-        <p:nvSpPr>
-          <p:cNvPr id="83" name="TextBox 82"/>
-          <p:cNvSpPr txBox="1"/>
-          <p:nvPr/>
-        </p:nvSpPr>
-        <p:spPr>
-          <a:xfrm>
-            <a:off x="110055" y="4455039"/>
-            <a:ext cx="636713" cy="577081"/>
-          </a:xfrm>
-          <a:prstGeom prst="rect">
-            <a:avLst/>
-          </a:prstGeom>
-          <a:noFill/>
-        </p:spPr>
-        <p:txBody>
-          <a:bodyPr wrap="none" rtlCol="0">
-            <a:spAutoFit/>
-          </a:bodyPr>
-          <a:lstStyle/>
-          <a:p>
-            <a:r>
-              <a:rPr lang="en-US" altLang="ko-KR" sz="1050" dirty="0" smtClean="0"/>
-              <a:t>Data </a:t>
-            </a:r>
-          </a:p>
-          <a:p>
-            <a:r>
-              <a:rPr lang="en-US" altLang="ko-KR" sz="1050" dirty="0" smtClean="0"/>
-              <a:t>Access </a:t>
-            </a:r>
-          </a:p>
-          <a:p>
-            <a:r>
-              <a:rPr lang="en-US" altLang="ko-KR" sz="1050" dirty="0" smtClean="0"/>
-              <a:t>Layer</a:t>
-            </a:r>
-            <a:endParaRPr lang="ko-KR" altLang="en-US" sz="1050" dirty="0"/>
-          </a:p>
-        </p:txBody>
-      </p:sp>
-      <p:sp>
-        <p:nvSpPr>
-          <p:cNvPr id="84" name="TextBox 83"/>
-          <p:cNvSpPr txBox="1"/>
-          <p:nvPr/>
-        </p:nvSpPr>
-        <p:spPr>
-          <a:xfrm>
-            <a:off x="3888725" y="1955659"/>
-            <a:ext cx="1293526" cy="230832"/>
-          </a:xfrm>
-          <a:prstGeom prst="rect">
-            <a:avLst/>
-          </a:prstGeom>
-          <a:noFill/>
-          <a:ln>
-            <a:solidFill>
-              <a:schemeClr val="tx1"/>
-            </a:solidFill>
-          </a:ln>
-        </p:spPr>
-        <p:txBody>
-          <a:bodyPr wrap="square" lIns="36000" rIns="36000" rtlCol="0">
-            <a:spAutoFit/>
-          </a:bodyPr>
-          <a:lstStyle/>
-          <a:p>
-            <a:pPr algn="ctr"/>
-            <a:r>
-              <a:rPr lang="en-US" altLang="ko-KR" sz="900" b="1" dirty="0" smtClean="0"/>
-              <a:t>Dispatcher Servlet</a:t>
-            </a:r>
-            <a:endParaRPr lang="ko-KR" altLang="en-US" sz="900" b="1" dirty="0"/>
-          </a:p>
-        </p:txBody>
-      </p:sp>
-      <p:sp>
-        <p:nvSpPr>
-          <p:cNvPr id="90" name="원통 89"/>
+          <p:cNvPr id="288" name="타원 287"/>
           <p:cNvSpPr/>
           <p:nvPr/>
         </p:nvSpPr>
         <p:spPr>
           <a:xfrm>
-            <a:off x="2774528" y="6419851"/>
-            <a:ext cx="3569566" cy="431434"/>
-          </a:xfrm>
-          <a:prstGeom prst="can">
+            <a:off x="4726771" y="3267811"/>
+            <a:ext cx="89970" cy="89970"/>
+          </a:xfrm>
+          <a:prstGeom prst="ellipse">
             <a:avLst/>
           </a:prstGeom>
           <a:noFill/>
-          <a:ln>
+          <a:ln w="9525">
             <a:solidFill>
-              <a:schemeClr val="bg1">
-                <a:lumMod val="65000"/>
-              </a:schemeClr>
+              <a:schemeClr val="tx1"/>
             </a:solidFill>
           </a:ln>
         </p:spPr>
@@ -18746,941 +18253,17 @@
       </p:sp>
       <p:cxnSp>
         <p:nvCxnSpPr>
-          <p:cNvPr id="94" name="직선 연결선 93"/>
-          <p:cNvCxnSpPr/>
-          <p:nvPr/>
-        </p:nvCxnSpPr>
-        <p:spPr>
-          <a:xfrm flipV="1">
-            <a:off x="3491" y="6289936"/>
-            <a:ext cx="9158821" cy="14818"/>
-          </a:xfrm>
-          <a:prstGeom prst="line">
-            <a:avLst/>
-          </a:prstGeom>
-          <a:ln w="12700">
-            <a:solidFill>
-              <a:srgbClr val="FF0000"/>
-            </a:solidFill>
-            <a:prstDash val="dash"/>
-          </a:ln>
-        </p:spPr>
-        <p:style>
-          <a:lnRef idx="1">
-            <a:schemeClr val="accent1"/>
-          </a:lnRef>
-          <a:fillRef idx="0">
-            <a:schemeClr val="accent1"/>
-          </a:fillRef>
-          <a:effectRef idx="0">
-            <a:schemeClr val="accent1"/>
-          </a:effectRef>
-          <a:fontRef idx="minor">
-            <a:schemeClr val="tx1"/>
-          </a:fontRef>
-        </p:style>
-      </p:cxnSp>
-      <p:sp>
-        <p:nvSpPr>
-          <p:cNvPr id="99" name="TextBox 98"/>
-          <p:cNvSpPr txBox="1"/>
-          <p:nvPr/>
-        </p:nvSpPr>
-        <p:spPr>
-          <a:xfrm>
-            <a:off x="110055" y="6280065"/>
-            <a:ext cx="748923" cy="253916"/>
-          </a:xfrm>
-          <a:prstGeom prst="rect">
-            <a:avLst/>
-          </a:prstGeom>
-          <a:noFill/>
-        </p:spPr>
-        <p:txBody>
-          <a:bodyPr wrap="none" rtlCol="0">
-            <a:spAutoFit/>
-          </a:bodyPr>
-          <a:lstStyle/>
-          <a:p>
-            <a:r>
-              <a:rPr lang="en-US" altLang="ko-KR" sz="1050" dirty="0" smtClean="0"/>
-              <a:t>Database</a:t>
-            </a:r>
-            <a:endParaRPr lang="ko-KR" altLang="en-US" sz="1050" dirty="0"/>
-          </a:p>
-        </p:txBody>
-      </p:sp>
-      <p:sp>
-        <p:nvSpPr>
-          <p:cNvPr id="100" name="TextBox 99"/>
-          <p:cNvSpPr txBox="1"/>
-          <p:nvPr/>
-        </p:nvSpPr>
-        <p:spPr>
-          <a:xfrm>
-            <a:off x="5209701" y="6648785"/>
-            <a:ext cx="482824" cy="184666"/>
-          </a:xfrm>
-          <a:prstGeom prst="rect">
-            <a:avLst/>
-          </a:prstGeom>
-          <a:solidFill>
-            <a:schemeClr val="bg1">
-              <a:alpha val="81000"/>
-            </a:schemeClr>
-          </a:solidFill>
-          <a:ln>
-            <a:solidFill>
-              <a:schemeClr val="tx1"/>
-            </a:solidFill>
-          </a:ln>
-        </p:spPr>
-        <p:txBody>
-          <a:bodyPr wrap="none" rtlCol="0">
-            <a:spAutoFit/>
-          </a:bodyPr>
-          <a:lstStyle/>
-          <a:p>
-            <a:r>
-              <a:rPr lang="en-US" altLang="ko-KR" sz="600" dirty="0" smtClean="0"/>
-              <a:t>SUBJECT</a:t>
-            </a:r>
-            <a:endParaRPr lang="ko-KR" altLang="en-US" sz="600" dirty="0"/>
-          </a:p>
-        </p:txBody>
-      </p:sp>
-      <p:sp>
-        <p:nvSpPr>
-          <p:cNvPr id="101" name="TextBox 100"/>
-          <p:cNvSpPr txBox="1"/>
-          <p:nvPr/>
-        </p:nvSpPr>
-        <p:spPr>
-          <a:xfrm>
-            <a:off x="5709945" y="6648785"/>
-            <a:ext cx="360996" cy="184666"/>
-          </a:xfrm>
-          <a:prstGeom prst="rect">
-            <a:avLst/>
-          </a:prstGeom>
-          <a:solidFill>
-            <a:schemeClr val="bg1">
-              <a:alpha val="81000"/>
-            </a:schemeClr>
-          </a:solidFill>
-          <a:ln>
-            <a:solidFill>
-              <a:schemeClr val="tx1"/>
-            </a:solidFill>
-          </a:ln>
-        </p:spPr>
-        <p:txBody>
-          <a:bodyPr wrap="none" rtlCol="0">
-            <a:spAutoFit/>
-          </a:bodyPr>
-          <a:lstStyle/>
-          <a:p>
-            <a:r>
-              <a:rPr lang="en-US" altLang="ko-KR" sz="600" dirty="0" smtClean="0"/>
-              <a:t>UNIT</a:t>
-            </a:r>
-            <a:endParaRPr lang="ko-KR" altLang="en-US" sz="600" dirty="0"/>
-          </a:p>
-        </p:txBody>
-      </p:sp>
-      <p:sp>
-        <p:nvSpPr>
-          <p:cNvPr id="104" name="TextBox 103"/>
-          <p:cNvSpPr txBox="1"/>
-          <p:nvPr/>
-        </p:nvSpPr>
-        <p:spPr>
-          <a:xfrm>
-            <a:off x="1980337" y="6419851"/>
-            <a:ext cx="872355" cy="184666"/>
-          </a:xfrm>
-          <a:prstGeom prst="rect">
-            <a:avLst/>
-          </a:prstGeom>
-          <a:solidFill>
-            <a:schemeClr val="bg1">
-              <a:alpha val="81000"/>
-            </a:schemeClr>
-          </a:solidFill>
-          <a:ln>
-            <a:solidFill>
-              <a:schemeClr val="tx1"/>
-            </a:solidFill>
-          </a:ln>
-        </p:spPr>
-        <p:txBody>
-          <a:bodyPr wrap="none" rtlCol="0">
-            <a:spAutoFit/>
-          </a:bodyPr>
-          <a:lstStyle/>
-          <a:p>
-            <a:r>
-              <a:rPr lang="en-US" altLang="ko-KR" sz="600" dirty="0" smtClean="0"/>
-              <a:t>UNIT_COMPLETION</a:t>
-            </a:r>
-            <a:endParaRPr lang="ko-KR" altLang="en-US" sz="600" dirty="0"/>
-          </a:p>
-        </p:txBody>
-      </p:sp>
-      <p:sp>
-        <p:nvSpPr>
-          <p:cNvPr id="106" name="TextBox 105"/>
-          <p:cNvSpPr txBox="1"/>
-          <p:nvPr/>
-        </p:nvSpPr>
-        <p:spPr>
-          <a:xfrm>
-            <a:off x="2870112" y="6419851"/>
-            <a:ext cx="577402" cy="184666"/>
-          </a:xfrm>
-          <a:prstGeom prst="rect">
-            <a:avLst/>
-          </a:prstGeom>
-          <a:solidFill>
-            <a:schemeClr val="bg1">
-              <a:alpha val="81000"/>
-            </a:schemeClr>
-          </a:solidFill>
-          <a:ln>
-            <a:solidFill>
-              <a:schemeClr val="tx1"/>
-            </a:solidFill>
-          </a:ln>
-        </p:spPr>
-        <p:txBody>
-          <a:bodyPr wrap="none" rtlCol="0">
-            <a:spAutoFit/>
-          </a:bodyPr>
-          <a:lstStyle/>
-          <a:p>
-            <a:r>
-              <a:rPr lang="en-US" altLang="ko-KR" sz="600" dirty="0" smtClean="0"/>
-              <a:t>FNSH_TEST</a:t>
-            </a:r>
-            <a:endParaRPr lang="ko-KR" altLang="en-US" sz="600" dirty="0"/>
-          </a:p>
-        </p:txBody>
-      </p:sp>
-      <p:sp>
-        <p:nvSpPr>
-          <p:cNvPr id="110" name="TextBox 109"/>
-          <p:cNvSpPr txBox="1"/>
-          <p:nvPr/>
-        </p:nvSpPr>
-        <p:spPr>
-          <a:xfrm>
-            <a:off x="4345091" y="6419851"/>
-            <a:ext cx="870751" cy="184666"/>
-          </a:xfrm>
-          <a:prstGeom prst="rect">
-            <a:avLst/>
-          </a:prstGeom>
-          <a:solidFill>
-            <a:schemeClr val="bg1">
-              <a:alpha val="81000"/>
-            </a:schemeClr>
-          </a:solidFill>
-          <a:ln>
-            <a:solidFill>
-              <a:schemeClr val="tx1"/>
-            </a:solidFill>
-          </a:ln>
-        </p:spPr>
-        <p:txBody>
-          <a:bodyPr wrap="none" rtlCol="0">
-            <a:spAutoFit/>
-          </a:bodyPr>
-          <a:lstStyle/>
-          <a:p>
-            <a:r>
-              <a:rPr lang="en-US" altLang="ko-KR" sz="600" dirty="0" smtClean="0"/>
-              <a:t>FNSH_TEST_RESULT</a:t>
-            </a:r>
-            <a:endParaRPr lang="ko-KR" altLang="en-US" sz="600" dirty="0"/>
-          </a:p>
-        </p:txBody>
-      </p:sp>
-      <p:sp>
-        <p:nvSpPr>
-          <p:cNvPr id="111" name="TextBox 110"/>
-          <p:cNvSpPr txBox="1"/>
-          <p:nvPr/>
-        </p:nvSpPr>
-        <p:spPr>
-          <a:xfrm>
-            <a:off x="5788009" y="6419851"/>
-            <a:ext cx="607859" cy="184666"/>
-          </a:xfrm>
-          <a:prstGeom prst="rect">
-            <a:avLst/>
-          </a:prstGeom>
-          <a:solidFill>
-            <a:schemeClr val="bg1">
-              <a:alpha val="81000"/>
-            </a:schemeClr>
-          </a:solidFill>
-          <a:ln>
-            <a:solidFill>
-              <a:schemeClr val="tx1"/>
-            </a:solidFill>
-          </a:ln>
-        </p:spPr>
-        <p:txBody>
-          <a:bodyPr wrap="none" rtlCol="0">
-            <a:spAutoFit/>
-          </a:bodyPr>
-          <a:lstStyle/>
-          <a:p>
-            <a:r>
-              <a:rPr lang="en-US" altLang="ko-KR" sz="600" dirty="0" smtClean="0"/>
-              <a:t>CHALLENGE</a:t>
-            </a:r>
-            <a:endParaRPr lang="ko-KR" altLang="en-US" sz="600" dirty="0"/>
-          </a:p>
-        </p:txBody>
-      </p:sp>
-      <p:sp>
-        <p:nvSpPr>
-          <p:cNvPr id="112" name="TextBox 111"/>
-          <p:cNvSpPr txBox="1"/>
-          <p:nvPr/>
-        </p:nvSpPr>
-        <p:spPr>
-          <a:xfrm>
-            <a:off x="3440227" y="6648086"/>
-            <a:ext cx="821059" cy="184666"/>
-          </a:xfrm>
-          <a:prstGeom prst="rect">
-            <a:avLst/>
-          </a:prstGeom>
-          <a:solidFill>
-            <a:schemeClr val="bg1">
-              <a:alpha val="81000"/>
-            </a:schemeClr>
-          </a:solidFill>
-          <a:ln>
-            <a:solidFill>
-              <a:schemeClr val="tx1"/>
-            </a:solidFill>
-          </a:ln>
-        </p:spPr>
-        <p:txBody>
-          <a:bodyPr wrap="none" rtlCol="0">
-            <a:spAutoFit/>
-          </a:bodyPr>
-          <a:lstStyle/>
-          <a:p>
-            <a:r>
-              <a:rPr lang="en-US" altLang="ko-KR" sz="600" dirty="0" smtClean="0"/>
-              <a:t>CHALLENGE_CASE</a:t>
-            </a:r>
-          </a:p>
-        </p:txBody>
-      </p:sp>
-      <p:sp>
-        <p:nvSpPr>
-          <p:cNvPr id="113" name="TextBox 112"/>
-          <p:cNvSpPr txBox="1"/>
-          <p:nvPr/>
-        </p:nvSpPr>
-        <p:spPr>
-          <a:xfrm>
-            <a:off x="4278705" y="6648086"/>
-            <a:ext cx="901209" cy="184666"/>
-          </a:xfrm>
-          <a:prstGeom prst="rect">
-            <a:avLst/>
-          </a:prstGeom>
-          <a:solidFill>
-            <a:schemeClr val="bg1">
-              <a:alpha val="81000"/>
-            </a:schemeClr>
-          </a:solidFill>
-          <a:ln>
-            <a:solidFill>
-              <a:schemeClr val="tx1"/>
-            </a:solidFill>
-          </a:ln>
-        </p:spPr>
-        <p:txBody>
-          <a:bodyPr wrap="none" rtlCol="0">
-            <a:spAutoFit/>
-          </a:bodyPr>
-          <a:lstStyle/>
-          <a:p>
-            <a:r>
-              <a:rPr lang="en-US" altLang="ko-KR" sz="600" dirty="0" smtClean="0"/>
-              <a:t>CHALLENGE_RESULT</a:t>
-            </a:r>
-          </a:p>
-        </p:txBody>
-      </p:sp>
-      <p:sp>
-        <p:nvSpPr>
-          <p:cNvPr id="114" name="TextBox 113"/>
-          <p:cNvSpPr txBox="1"/>
-          <p:nvPr/>
-        </p:nvSpPr>
-        <p:spPr>
-          <a:xfrm>
-            <a:off x="-22548" y="848996"/>
-            <a:ext cx="1722965" cy="846386"/>
-          </a:xfrm>
-          <a:prstGeom prst="rect">
-            <a:avLst/>
-          </a:prstGeom>
-          <a:noFill/>
-          <a:ln w="3175">
-            <a:solidFill>
-              <a:schemeClr val="tx1"/>
-            </a:solidFill>
-          </a:ln>
-        </p:spPr>
-        <p:txBody>
-          <a:bodyPr wrap="square" lIns="36000" rIns="36000" rtlCol="0">
-            <a:spAutoFit/>
-          </a:bodyPr>
-          <a:lstStyle/>
-          <a:p>
-            <a:pPr marL="228600" indent="-228600">
-              <a:buFont typeface="+mj-lt"/>
-              <a:buAutoNum type="arabicPeriod"/>
-            </a:pPr>
-            <a:r>
-              <a:rPr lang="en-US" altLang="ko-KR" sz="700" dirty="0" err="1" smtClean="0">
-                <a:latin typeface="+mj-lt"/>
-              </a:rPr>
-              <a:t>LearningManaging.jsp</a:t>
-            </a:r>
-            <a:r>
-              <a:rPr lang="en-US" altLang="ko-KR" sz="700" dirty="0" smtClean="0">
-                <a:latin typeface="+mj-lt"/>
-              </a:rPr>
-              <a:t>: </a:t>
-            </a:r>
-            <a:r>
-              <a:rPr lang="ko-KR" altLang="en-US" sz="700" dirty="0" smtClean="0">
-                <a:latin typeface="+mj-lt"/>
-              </a:rPr>
-              <a:t>과목 관리</a:t>
-            </a:r>
-            <a:endParaRPr lang="en-US" altLang="ko-KR" sz="700" dirty="0" smtClean="0">
-              <a:latin typeface="+mj-lt"/>
-            </a:endParaRPr>
-          </a:p>
-          <a:p>
-            <a:pPr marL="228600" indent="-228600">
-              <a:buFont typeface="+mj-lt"/>
-              <a:buAutoNum type="arabicPeriod"/>
-            </a:pPr>
-            <a:r>
-              <a:rPr lang="en-US" altLang="ko-KR" sz="700" dirty="0" err="1" smtClean="0">
-                <a:latin typeface="+mj-lt"/>
-              </a:rPr>
-              <a:t>UnitContentManaging.jsp</a:t>
-            </a:r>
-            <a:r>
-              <a:rPr lang="en-US" altLang="ko-KR" sz="700" dirty="0" smtClean="0">
-                <a:latin typeface="+mj-lt"/>
-              </a:rPr>
-              <a:t> : </a:t>
-            </a:r>
-            <a:r>
-              <a:rPr lang="ko-KR" altLang="en-US" sz="700" dirty="0" smtClean="0">
-                <a:latin typeface="+mj-lt"/>
-              </a:rPr>
-              <a:t>단원내용 관리</a:t>
-            </a:r>
-            <a:endParaRPr lang="en-US" altLang="ko-KR" sz="700" dirty="0" smtClean="0">
-              <a:latin typeface="+mj-lt"/>
-            </a:endParaRPr>
-          </a:p>
-          <a:p>
-            <a:pPr marL="228600" indent="-228600">
-              <a:buFont typeface="+mj-lt"/>
-              <a:buAutoNum type="arabicPeriod"/>
-            </a:pPr>
-            <a:r>
-              <a:rPr lang="en-US" altLang="ko-KR" sz="700" dirty="0" err="1" smtClean="0">
-                <a:latin typeface="+mj-lt"/>
-              </a:rPr>
-              <a:t>FinalTestManaging.jsp</a:t>
-            </a:r>
-            <a:r>
-              <a:rPr lang="en-US" altLang="ko-KR" sz="700" dirty="0" smtClean="0">
-                <a:latin typeface="+mj-lt"/>
-              </a:rPr>
-              <a:t> : </a:t>
-            </a:r>
-            <a:r>
-              <a:rPr lang="ko-KR" altLang="en-US" sz="700" dirty="0" smtClean="0">
-                <a:latin typeface="+mj-lt"/>
-              </a:rPr>
-              <a:t>마무리 문제 관리</a:t>
-            </a:r>
-            <a:endParaRPr lang="en-US" altLang="ko-KR" sz="700" dirty="0" smtClean="0">
-              <a:latin typeface="+mj-lt"/>
-            </a:endParaRPr>
-          </a:p>
-          <a:p>
-            <a:pPr marL="228600" indent="-228600">
-              <a:buFont typeface="+mj-lt"/>
-              <a:buAutoNum type="arabicPeriod"/>
-            </a:pPr>
-            <a:r>
-              <a:rPr lang="en-US" altLang="ko-KR" sz="700" dirty="0" err="1" smtClean="0">
-                <a:latin typeface="+mj-lt"/>
-              </a:rPr>
-              <a:t>ChallengeContentManaing.jsp</a:t>
-            </a:r>
-            <a:r>
-              <a:rPr lang="en-US" altLang="ko-KR" sz="700" dirty="0" smtClean="0">
-                <a:latin typeface="+mj-lt"/>
-              </a:rPr>
-              <a:t>: </a:t>
-            </a:r>
-            <a:r>
-              <a:rPr lang="ko-KR" altLang="en-US" sz="700" dirty="0" smtClean="0">
-                <a:latin typeface="+mj-lt"/>
-              </a:rPr>
-              <a:t>도전과제 내용 관리</a:t>
-            </a:r>
-            <a:endParaRPr lang="en-US" altLang="ko-KR" sz="700" dirty="0" smtClean="0">
-              <a:latin typeface="+mj-lt"/>
-            </a:endParaRPr>
-          </a:p>
-        </p:txBody>
-      </p:sp>
-      <p:sp>
-        <p:nvSpPr>
-          <p:cNvPr id="121" name="TextBox 120"/>
-          <p:cNvSpPr txBox="1"/>
-          <p:nvPr/>
-        </p:nvSpPr>
-        <p:spPr>
-          <a:xfrm>
-            <a:off x="6520200" y="2488074"/>
-            <a:ext cx="1293526" cy="230832"/>
-          </a:xfrm>
-          <a:prstGeom prst="rect">
-            <a:avLst/>
-          </a:prstGeom>
-          <a:noFill/>
-          <a:ln>
-            <a:solidFill>
-              <a:schemeClr val="tx1"/>
-            </a:solidFill>
-          </a:ln>
-        </p:spPr>
-        <p:txBody>
-          <a:bodyPr wrap="square" lIns="36000" rIns="36000" rtlCol="0">
-            <a:spAutoFit/>
-          </a:bodyPr>
-          <a:lstStyle/>
-          <a:p>
-            <a:pPr algn="ctr"/>
-            <a:r>
-              <a:rPr lang="en-US" altLang="ko-KR" sz="900" b="1" dirty="0" err="1" smtClean="0"/>
-              <a:t>BoardController</a:t>
-            </a:r>
-            <a:endParaRPr lang="ko-KR" altLang="en-US" sz="900" b="1" dirty="0"/>
-          </a:p>
-        </p:txBody>
-      </p:sp>
-      <p:cxnSp>
-        <p:nvCxnSpPr>
-          <p:cNvPr id="16" name="꺾인 연결선 15"/>
+          <p:cNvPr id="300" name="꺾인 연결선 299"/>
           <p:cNvCxnSpPr>
-            <a:stCxn id="84" idx="2"/>
-            <a:endCxn id="121" idx="0"/>
+            <a:stCxn id="118" idx="2"/>
+            <a:endCxn id="286" idx="0"/>
           </p:cNvCxnSpPr>
           <p:nvPr/>
         </p:nvCxnSpPr>
         <p:spPr>
           <a:xfrm rot="16200000" flipH="1">
-            <a:off x="5700434" y="1021544"/>
-            <a:ext cx="301583" cy="2631475"/>
-          </a:xfrm>
-          <a:prstGeom prst="bentConnector3">
-            <a:avLst/>
-          </a:prstGeom>
-          <a:ln w="6350">
-            <a:solidFill>
-              <a:schemeClr val="tx1"/>
-            </a:solidFill>
-            <a:tailEnd type="triangle" w="med" len="sm"/>
-          </a:ln>
-        </p:spPr>
-        <p:style>
-          <a:lnRef idx="1">
-            <a:schemeClr val="accent1"/>
-          </a:lnRef>
-          <a:fillRef idx="0">
-            <a:schemeClr val="accent1"/>
-          </a:fillRef>
-          <a:effectRef idx="0">
-            <a:schemeClr val="accent1"/>
-          </a:effectRef>
-          <a:fontRef idx="minor">
-            <a:schemeClr val="tx1"/>
-          </a:fontRef>
-        </p:style>
-      </p:cxnSp>
-      <p:sp>
-        <p:nvSpPr>
-          <p:cNvPr id="124" name="TextBox 123"/>
-          <p:cNvSpPr txBox="1"/>
-          <p:nvPr/>
-        </p:nvSpPr>
-        <p:spPr>
-          <a:xfrm>
-            <a:off x="6179662" y="3646330"/>
-            <a:ext cx="1293526" cy="230832"/>
-          </a:xfrm>
-          <a:prstGeom prst="rect">
-            <a:avLst/>
-          </a:prstGeom>
-          <a:noFill/>
-          <a:ln>
-            <a:solidFill>
-              <a:schemeClr val="tx1"/>
-            </a:solidFill>
-          </a:ln>
-        </p:spPr>
-        <p:txBody>
-          <a:bodyPr wrap="square" lIns="36000" rIns="36000" rtlCol="0">
-            <a:spAutoFit/>
-          </a:bodyPr>
-          <a:lstStyle/>
-          <a:p>
-            <a:pPr algn="ctr"/>
-            <a:r>
-              <a:rPr lang="en-US" altLang="ko-KR" sz="900" b="1" dirty="0" err="1" smtClean="0"/>
-              <a:t>QnABoardService</a:t>
-            </a:r>
-            <a:endParaRPr lang="ko-KR" altLang="en-US" sz="900" b="1" dirty="0"/>
-          </a:p>
-        </p:txBody>
-      </p:sp>
-      <p:sp>
-        <p:nvSpPr>
-          <p:cNvPr id="125" name="TextBox 124"/>
-          <p:cNvSpPr txBox="1"/>
-          <p:nvPr/>
-        </p:nvSpPr>
-        <p:spPr>
-          <a:xfrm>
-            <a:off x="2397039" y="3648324"/>
-            <a:ext cx="1293526" cy="230832"/>
-          </a:xfrm>
-          <a:prstGeom prst="rect">
-            <a:avLst/>
-          </a:prstGeom>
-          <a:noFill/>
-          <a:ln>
-            <a:solidFill>
-              <a:schemeClr val="tx1"/>
-            </a:solidFill>
-          </a:ln>
-        </p:spPr>
-        <p:txBody>
-          <a:bodyPr wrap="square" lIns="36000" rIns="36000" rtlCol="0">
-            <a:spAutoFit/>
-          </a:bodyPr>
-          <a:lstStyle/>
-          <a:p>
-            <a:pPr algn="ctr"/>
-            <a:r>
-              <a:rPr lang="en-US" altLang="ko-KR" sz="900" b="1" dirty="0" err="1" smtClean="0"/>
-              <a:t>ContentManager</a:t>
-            </a:r>
-            <a:endParaRPr lang="ko-KR" altLang="en-US" sz="900" b="1" dirty="0"/>
-          </a:p>
-        </p:txBody>
-      </p:sp>
-      <p:sp>
-        <p:nvSpPr>
-          <p:cNvPr id="126" name="TextBox 125"/>
-          <p:cNvSpPr txBox="1"/>
-          <p:nvPr/>
-        </p:nvSpPr>
-        <p:spPr>
-          <a:xfrm>
-            <a:off x="4844493" y="3648324"/>
-            <a:ext cx="1293526" cy="230832"/>
-          </a:xfrm>
-          <a:prstGeom prst="rect">
-            <a:avLst/>
-          </a:prstGeom>
-          <a:noFill/>
-          <a:ln>
-            <a:solidFill>
-              <a:schemeClr val="tx1"/>
-            </a:solidFill>
-          </a:ln>
-        </p:spPr>
-        <p:txBody>
-          <a:bodyPr wrap="square" lIns="36000" rIns="36000" rtlCol="0">
-            <a:spAutoFit/>
-          </a:bodyPr>
-          <a:lstStyle/>
-          <a:p>
-            <a:pPr algn="ctr"/>
-            <a:r>
-              <a:rPr lang="en-US" altLang="ko-KR" sz="900" b="1" dirty="0" err="1" smtClean="0"/>
-              <a:t>NoticeBoardService</a:t>
-            </a:r>
-            <a:endParaRPr lang="ko-KR" altLang="en-US" sz="900" b="1" dirty="0"/>
-          </a:p>
-        </p:txBody>
-      </p:sp>
-      <p:sp>
-        <p:nvSpPr>
-          <p:cNvPr id="127" name="TextBox 126"/>
-          <p:cNvSpPr txBox="1"/>
-          <p:nvPr/>
-        </p:nvSpPr>
-        <p:spPr>
-          <a:xfrm>
-            <a:off x="557900" y="3859431"/>
-            <a:ext cx="971845" cy="230832"/>
-          </a:xfrm>
-          <a:prstGeom prst="rect">
-            <a:avLst/>
-          </a:prstGeom>
-          <a:noFill/>
-          <a:ln>
-            <a:solidFill>
-              <a:schemeClr val="tx1"/>
-            </a:solidFill>
-          </a:ln>
-        </p:spPr>
-        <p:txBody>
-          <a:bodyPr wrap="square" lIns="36000" rIns="36000" rtlCol="0">
-            <a:spAutoFit/>
-          </a:bodyPr>
-          <a:lstStyle/>
-          <a:p>
-            <a:pPr algn="ctr"/>
-            <a:r>
-              <a:rPr lang="en-US" altLang="ko-KR" sz="900" b="1" dirty="0" err="1" smtClean="0"/>
-              <a:t>JavaLauncher</a:t>
-            </a:r>
-            <a:endParaRPr lang="ko-KR" altLang="en-US" sz="900" b="1" dirty="0"/>
-          </a:p>
-        </p:txBody>
-      </p:sp>
-      <p:sp>
-        <p:nvSpPr>
-          <p:cNvPr id="130" name="TextBox 129"/>
-          <p:cNvSpPr txBox="1"/>
-          <p:nvPr/>
-        </p:nvSpPr>
-        <p:spPr>
-          <a:xfrm>
-            <a:off x="6179662" y="3211703"/>
-            <a:ext cx="1293526" cy="230832"/>
-          </a:xfrm>
-          <a:prstGeom prst="rect">
-            <a:avLst/>
-          </a:prstGeom>
-          <a:noFill/>
-          <a:ln>
-            <a:solidFill>
-              <a:schemeClr val="tx1"/>
-            </a:solidFill>
-          </a:ln>
-        </p:spPr>
-        <p:txBody>
-          <a:bodyPr wrap="square" lIns="36000" rIns="36000" rtlCol="0">
-            <a:spAutoFit/>
-          </a:bodyPr>
-          <a:lstStyle/>
-          <a:p>
-            <a:pPr algn="ctr"/>
-            <a:r>
-              <a:rPr lang="en-US" altLang="ko-KR" sz="900" b="1" dirty="0" err="1" smtClean="0"/>
-              <a:t>BoardService</a:t>
-            </a:r>
-            <a:endParaRPr lang="ko-KR" altLang="en-US" sz="900" b="1" dirty="0"/>
-          </a:p>
-        </p:txBody>
-      </p:sp>
-      <p:sp>
-        <p:nvSpPr>
-          <p:cNvPr id="131" name="TextBox 130"/>
-          <p:cNvSpPr txBox="1"/>
-          <p:nvPr/>
-        </p:nvSpPr>
-        <p:spPr>
-          <a:xfrm>
-            <a:off x="2261219" y="3320380"/>
-            <a:ext cx="1565167" cy="230832"/>
-          </a:xfrm>
-          <a:prstGeom prst="rect">
-            <a:avLst/>
-          </a:prstGeom>
-          <a:noFill/>
-          <a:ln>
-            <a:solidFill>
-              <a:schemeClr val="tx1"/>
-            </a:solidFill>
-          </a:ln>
-        </p:spPr>
-        <p:txBody>
-          <a:bodyPr wrap="square" lIns="36000" rIns="36000" rtlCol="0">
-            <a:spAutoFit/>
-          </a:bodyPr>
-          <a:lstStyle/>
-          <a:p>
-            <a:pPr algn="ctr"/>
-            <a:r>
-              <a:rPr lang="en-US" altLang="ko-KR" sz="900" b="1" dirty="0" err="1"/>
-              <a:t>Content</a:t>
-            </a:r>
-            <a:r>
-              <a:rPr lang="en-US" altLang="ko-KR" sz="900" b="1" dirty="0" err="1" smtClean="0"/>
-              <a:t>ManagingService</a:t>
-            </a:r>
-            <a:endParaRPr lang="ko-KR" altLang="en-US" sz="900" b="1" dirty="0"/>
-          </a:p>
-        </p:txBody>
-      </p:sp>
-      <p:sp>
-        <p:nvSpPr>
-          <p:cNvPr id="143" name="TextBox 142"/>
-          <p:cNvSpPr txBox="1"/>
-          <p:nvPr/>
-        </p:nvSpPr>
-        <p:spPr>
-          <a:xfrm>
-            <a:off x="560835" y="3512834"/>
-            <a:ext cx="971845" cy="230832"/>
-          </a:xfrm>
-          <a:prstGeom prst="rect">
-            <a:avLst/>
-          </a:prstGeom>
-          <a:noFill/>
-          <a:ln>
-            <a:solidFill>
-              <a:schemeClr val="tx1"/>
-            </a:solidFill>
-          </a:ln>
-        </p:spPr>
-        <p:txBody>
-          <a:bodyPr wrap="square" lIns="36000" rIns="36000" rtlCol="0">
-            <a:spAutoFit/>
-          </a:bodyPr>
-          <a:lstStyle/>
-          <a:p>
-            <a:pPr algn="ctr"/>
-            <a:r>
-              <a:rPr lang="en-US" altLang="ko-KR" sz="900" b="1" dirty="0" err="1" smtClean="0"/>
-              <a:t>CodeLauncher</a:t>
-            </a:r>
-            <a:endParaRPr lang="ko-KR" altLang="en-US" sz="900" b="1" dirty="0"/>
-          </a:p>
-        </p:txBody>
-      </p:sp>
-      <p:sp>
-        <p:nvSpPr>
-          <p:cNvPr id="144" name="타원 143"/>
-          <p:cNvSpPr/>
-          <p:nvPr/>
-        </p:nvSpPr>
-        <p:spPr>
-          <a:xfrm>
-            <a:off x="1001112" y="3353072"/>
-            <a:ext cx="89970" cy="89970"/>
-          </a:xfrm>
-          <a:prstGeom prst="ellipse">
-            <a:avLst/>
-          </a:prstGeom>
-          <a:noFill/>
-          <a:ln w="9525">
-            <a:solidFill>
-              <a:schemeClr val="tx1"/>
-            </a:solidFill>
-          </a:ln>
-        </p:spPr>
-        <p:style>
-          <a:lnRef idx="2">
-            <a:schemeClr val="accent1">
-              <a:shade val="50000"/>
-            </a:schemeClr>
-          </a:lnRef>
-          <a:fillRef idx="1">
-            <a:schemeClr val="accent1"/>
-          </a:fillRef>
-          <a:effectRef idx="0">
-            <a:schemeClr val="accent1"/>
-          </a:effectRef>
-          <a:fontRef idx="minor">
-            <a:schemeClr val="lt1"/>
-          </a:fontRef>
-        </p:style>
-        <p:txBody>
-          <a:bodyPr rtlCol="0" anchor="ctr"/>
-          <a:lstStyle/>
-          <a:p>
-            <a:pPr algn="ctr"/>
-            <a:endParaRPr lang="ko-KR" altLang="en-US"/>
-          </a:p>
-        </p:txBody>
-      </p:sp>
-      <p:sp>
-        <p:nvSpPr>
-          <p:cNvPr id="186" name="TextBox 185"/>
-          <p:cNvSpPr txBox="1"/>
-          <p:nvPr/>
-        </p:nvSpPr>
-        <p:spPr>
-          <a:xfrm>
-            <a:off x="4206131" y="5989461"/>
-            <a:ext cx="715508" cy="253916"/>
-          </a:xfrm>
-          <a:prstGeom prst="rect">
-            <a:avLst/>
-          </a:prstGeom>
-          <a:noFill/>
-          <a:ln>
-            <a:solidFill>
-              <a:schemeClr val="tx1"/>
-            </a:solidFill>
-          </a:ln>
-        </p:spPr>
-        <p:txBody>
-          <a:bodyPr wrap="none" lIns="36000" rIns="36000" rtlCol="0">
-            <a:spAutoFit/>
-          </a:bodyPr>
-          <a:lstStyle/>
-          <a:p>
-            <a:r>
-              <a:rPr lang="en-US" altLang="ko-KR" sz="1050" dirty="0" err="1" smtClean="0"/>
-              <a:t>SqlSession</a:t>
-            </a:r>
-            <a:endParaRPr lang="ko-KR" altLang="en-US" sz="1050" dirty="0"/>
-          </a:p>
-        </p:txBody>
-      </p:sp>
-      <p:cxnSp>
-        <p:nvCxnSpPr>
-          <p:cNvPr id="78" name="꺾인 연결선 77"/>
-          <p:cNvCxnSpPr>
-            <a:stCxn id="121" idx="2"/>
-            <a:endCxn id="130" idx="0"/>
-          </p:cNvCxnSpPr>
-          <p:nvPr/>
-        </p:nvCxnSpPr>
-        <p:spPr>
-          <a:xfrm rot="5400000">
-            <a:off x="6750296" y="2795035"/>
-            <a:ext cx="492797" cy="340538"/>
+            <a:off x="903682" y="2264607"/>
+            <a:ext cx="306533" cy="308019"/>
           </a:xfrm>
           <a:prstGeom prst="bentConnector3">
             <a:avLst>
@@ -19711,16 +18294,95 @@
       </p:cxnSp>
       <p:cxnSp>
         <p:nvCxnSpPr>
-          <p:cNvPr id="91" name="꺾인 연결선 90"/>
+          <p:cNvPr id="322" name="직선 화살표 연결선 321"/>
           <p:cNvCxnSpPr>
-            <a:stCxn id="125" idx="1"/>
+            <a:stCxn id="227" idx="2"/>
+            <a:endCxn id="226" idx="0"/>
           </p:cNvCxnSpPr>
           <p:nvPr/>
         </p:nvCxnSpPr>
         <p:spPr>
-          <a:xfrm rot="10800000">
-            <a:off x="1101677" y="3597774"/>
-            <a:ext cx="1295362" cy="165966"/>
+          <a:xfrm>
+            <a:off x="1210958" y="2978663"/>
+            <a:ext cx="0" cy="76463"/>
+          </a:xfrm>
+          <a:prstGeom prst="straightConnector1">
+            <a:avLst/>
+          </a:prstGeom>
+          <a:ln>
+            <a:solidFill>
+              <a:schemeClr val="tx1"/>
+            </a:solidFill>
+            <a:tailEnd type="triangle" w="med" len="sm"/>
+          </a:ln>
+        </p:spPr>
+        <p:style>
+          <a:lnRef idx="1">
+            <a:schemeClr val="accent1"/>
+          </a:lnRef>
+          <a:fillRef idx="0">
+            <a:schemeClr val="accent1"/>
+          </a:fillRef>
+          <a:effectRef idx="0">
+            <a:schemeClr val="accent1"/>
+          </a:effectRef>
+          <a:fontRef idx="minor">
+            <a:schemeClr val="tx1"/>
+          </a:fontRef>
+        </p:style>
+      </p:cxnSp>
+      <p:cxnSp>
+        <p:nvCxnSpPr>
+          <p:cNvPr id="325" name="직선 화살표 연결선 324"/>
+          <p:cNvCxnSpPr>
+            <a:stCxn id="286" idx="4"/>
+            <a:endCxn id="227" idx="0"/>
+          </p:cNvCxnSpPr>
+          <p:nvPr/>
+        </p:nvCxnSpPr>
+        <p:spPr>
+          <a:xfrm>
+            <a:off x="1210958" y="2661854"/>
+            <a:ext cx="0" cy="116754"/>
+          </a:xfrm>
+          <a:prstGeom prst="straightConnector1">
+            <a:avLst/>
+          </a:prstGeom>
+          <a:ln>
+            <a:solidFill>
+              <a:schemeClr val="tx1"/>
+            </a:solidFill>
+            <a:tailEnd type="triangle" w="med" len="sm"/>
+          </a:ln>
+        </p:spPr>
+        <p:style>
+          <a:lnRef idx="1">
+            <a:schemeClr val="accent1"/>
+          </a:lnRef>
+          <a:fillRef idx="0">
+            <a:schemeClr val="accent1"/>
+          </a:fillRef>
+          <a:effectRef idx="0">
+            <a:schemeClr val="accent1"/>
+          </a:effectRef>
+          <a:fontRef idx="minor">
+            <a:schemeClr val="tx1"/>
+          </a:fontRef>
+        </p:style>
+      </p:cxnSp>
+      <p:cxnSp>
+        <p:nvCxnSpPr>
+          <p:cNvPr id="342" name="꺾인 연결선 341"/>
+          <p:cNvCxnSpPr>
+            <a:stCxn id="231" idx="2"/>
+            <a:endCxn id="141" idx="1"/>
+          </p:cNvCxnSpPr>
+          <p:nvPr/>
+        </p:nvCxnSpPr>
+        <p:spPr>
+          <a:xfrm rot="5400000">
+            <a:off x="6453727" y="2025165"/>
+            <a:ext cx="378529" cy="858905"/>
           </a:xfrm>
           <a:prstGeom prst="bentConnector3">
             <a:avLst>
@@ -19749,3505 +18411,10 @@
           </a:fontRef>
         </p:style>
       </p:cxnSp>
-      <p:sp>
-        <p:nvSpPr>
-          <p:cNvPr id="95" name="TextBox 94"/>
-          <p:cNvSpPr txBox="1"/>
-          <p:nvPr/>
-        </p:nvSpPr>
-        <p:spPr>
-          <a:xfrm>
-            <a:off x="6588185" y="4792185"/>
-            <a:ext cx="625740" cy="230832"/>
-          </a:xfrm>
-          <a:prstGeom prst="rect">
-            <a:avLst/>
-          </a:prstGeom>
-          <a:noFill/>
-          <a:ln>
-            <a:solidFill>
-              <a:schemeClr val="tx1"/>
-            </a:solidFill>
-          </a:ln>
-        </p:spPr>
-        <p:txBody>
-          <a:bodyPr wrap="none" lIns="36000" rIns="36000" rtlCol="0">
-            <a:spAutoFit/>
-          </a:bodyPr>
-          <a:lstStyle/>
-          <a:p>
-            <a:r>
-              <a:rPr lang="en-US" altLang="ko-KR" sz="900" dirty="0" err="1" smtClean="0"/>
-              <a:t>BoardDAO</a:t>
-            </a:r>
-            <a:endParaRPr lang="ko-KR" altLang="en-US" sz="900" dirty="0"/>
-          </a:p>
-        </p:txBody>
-      </p:sp>
-      <p:cxnSp>
-        <p:nvCxnSpPr>
-          <p:cNvPr id="40" name="직선 화살표 연결선 39"/>
-          <p:cNvCxnSpPr>
-            <a:stCxn id="131" idx="2"/>
-            <a:endCxn id="125" idx="0"/>
-          </p:cNvCxnSpPr>
-          <p:nvPr/>
-        </p:nvCxnSpPr>
-        <p:spPr>
-          <a:xfrm flipH="1">
-            <a:off x="3043802" y="3551212"/>
-            <a:ext cx="1" cy="97112"/>
-          </a:xfrm>
-          <a:prstGeom prst="straightConnector1">
-            <a:avLst/>
-          </a:prstGeom>
-          <a:ln>
-            <a:solidFill>
-              <a:schemeClr val="tx1"/>
-            </a:solidFill>
-            <a:tailEnd type="triangle" w="med" len="sm"/>
-          </a:ln>
-        </p:spPr>
-        <p:style>
-          <a:lnRef idx="1">
-            <a:schemeClr val="accent1"/>
-          </a:lnRef>
-          <a:fillRef idx="0">
-            <a:schemeClr val="accent1"/>
-          </a:fillRef>
-          <a:effectRef idx="0">
-            <a:schemeClr val="accent1"/>
-          </a:effectRef>
-          <a:fontRef idx="minor">
-            <a:schemeClr val="tx1"/>
-          </a:fontRef>
-        </p:style>
-      </p:cxnSp>
-      <p:cxnSp>
-        <p:nvCxnSpPr>
-          <p:cNvPr id="120" name="직선 화살표 연결선 119"/>
-          <p:cNvCxnSpPr>
-            <a:stCxn id="130" idx="2"/>
-            <a:endCxn id="124" idx="0"/>
-          </p:cNvCxnSpPr>
-          <p:nvPr/>
-        </p:nvCxnSpPr>
-        <p:spPr>
-          <a:xfrm>
-            <a:off x="6826425" y="3442535"/>
-            <a:ext cx="0" cy="203795"/>
-          </a:xfrm>
-          <a:prstGeom prst="straightConnector1">
-            <a:avLst/>
-          </a:prstGeom>
-          <a:ln>
-            <a:solidFill>
-              <a:schemeClr val="tx1"/>
-            </a:solidFill>
-            <a:tailEnd type="triangle" w="med" len="sm"/>
-          </a:ln>
-        </p:spPr>
-        <p:style>
-          <a:lnRef idx="1">
-            <a:schemeClr val="accent1"/>
-          </a:lnRef>
-          <a:fillRef idx="0">
-            <a:schemeClr val="accent1"/>
-          </a:fillRef>
-          <a:effectRef idx="0">
-            <a:schemeClr val="accent1"/>
-          </a:effectRef>
-          <a:fontRef idx="minor">
-            <a:schemeClr val="tx1"/>
-          </a:fontRef>
-        </p:style>
-      </p:cxnSp>
-      <p:cxnSp>
-        <p:nvCxnSpPr>
-          <p:cNvPr id="129" name="직선 화살표 연결선 128"/>
-          <p:cNvCxnSpPr>
-            <a:stCxn id="143" idx="2"/>
-            <a:endCxn id="127" idx="0"/>
-          </p:cNvCxnSpPr>
-          <p:nvPr/>
-        </p:nvCxnSpPr>
-        <p:spPr>
-          <a:xfrm flipH="1">
-            <a:off x="1043823" y="3743666"/>
-            <a:ext cx="2935" cy="115765"/>
-          </a:xfrm>
-          <a:prstGeom prst="straightConnector1">
-            <a:avLst/>
-          </a:prstGeom>
-          <a:ln>
-            <a:solidFill>
-              <a:schemeClr val="tx1"/>
-            </a:solidFill>
-            <a:tailEnd type="triangle" w="med" len="sm"/>
-          </a:ln>
-        </p:spPr>
-        <p:style>
-          <a:lnRef idx="1">
-            <a:schemeClr val="accent1"/>
-          </a:lnRef>
-          <a:fillRef idx="0">
-            <a:schemeClr val="accent1"/>
-          </a:fillRef>
-          <a:effectRef idx="0">
-            <a:schemeClr val="accent1"/>
-          </a:effectRef>
-          <a:fontRef idx="minor">
-            <a:schemeClr val="tx1"/>
-          </a:fontRef>
-        </p:style>
-      </p:cxnSp>
-      <p:cxnSp>
-        <p:nvCxnSpPr>
-          <p:cNvPr id="132" name="직선 화살표 연결선 131"/>
-          <p:cNvCxnSpPr>
-            <a:stCxn id="144" idx="4"/>
-            <a:endCxn id="143" idx="0"/>
-          </p:cNvCxnSpPr>
-          <p:nvPr/>
-        </p:nvCxnSpPr>
-        <p:spPr>
-          <a:xfrm>
-            <a:off x="1046097" y="3443042"/>
-            <a:ext cx="661" cy="69792"/>
-          </a:xfrm>
-          <a:prstGeom prst="straightConnector1">
-            <a:avLst/>
-          </a:prstGeom>
-          <a:ln>
-            <a:solidFill>
-              <a:schemeClr val="tx1"/>
-            </a:solidFill>
-            <a:tailEnd type="triangle" w="med" len="sm"/>
-          </a:ln>
-        </p:spPr>
-        <p:style>
-          <a:lnRef idx="1">
-            <a:schemeClr val="accent1"/>
-          </a:lnRef>
-          <a:fillRef idx="0">
-            <a:schemeClr val="accent1"/>
-          </a:fillRef>
-          <a:effectRef idx="0">
-            <a:schemeClr val="accent1"/>
-          </a:effectRef>
-          <a:fontRef idx="minor">
-            <a:schemeClr val="tx1"/>
-          </a:fontRef>
-        </p:style>
-      </p:cxnSp>
-      <p:cxnSp>
-        <p:nvCxnSpPr>
-          <p:cNvPr id="134" name="직선 화살표 연결선 133"/>
-          <p:cNvCxnSpPr>
-            <a:endCxn id="131" idx="0"/>
-          </p:cNvCxnSpPr>
-          <p:nvPr/>
-        </p:nvCxnSpPr>
-        <p:spPr>
-          <a:xfrm flipH="1">
-            <a:off x="3043803" y="3250588"/>
-            <a:ext cx="928" cy="69792"/>
-          </a:xfrm>
-          <a:prstGeom prst="straightConnector1">
-            <a:avLst/>
-          </a:prstGeom>
-          <a:ln>
-            <a:solidFill>
-              <a:schemeClr val="tx1"/>
-            </a:solidFill>
-            <a:tailEnd type="triangle" w="med" len="sm"/>
-          </a:ln>
-        </p:spPr>
-        <p:style>
-          <a:lnRef idx="1">
-            <a:schemeClr val="accent1"/>
-          </a:lnRef>
-          <a:fillRef idx="0">
-            <a:schemeClr val="accent1"/>
-          </a:fillRef>
-          <a:effectRef idx="0">
-            <a:schemeClr val="accent1"/>
-          </a:effectRef>
-          <a:fontRef idx="minor">
-            <a:schemeClr val="tx1"/>
-          </a:fontRef>
-        </p:style>
-      </p:cxnSp>
-      <p:cxnSp>
-        <p:nvCxnSpPr>
-          <p:cNvPr id="136" name="직선 화살표 연결선 135"/>
-          <p:cNvCxnSpPr>
-            <a:endCxn id="130" idx="0"/>
-          </p:cNvCxnSpPr>
-          <p:nvPr/>
-        </p:nvCxnSpPr>
-        <p:spPr>
-          <a:xfrm>
-            <a:off x="6826425" y="3143905"/>
-            <a:ext cx="0" cy="67798"/>
-          </a:xfrm>
-          <a:prstGeom prst="straightConnector1">
-            <a:avLst/>
-          </a:prstGeom>
-          <a:ln>
-            <a:solidFill>
-              <a:schemeClr val="tx1"/>
-            </a:solidFill>
-            <a:tailEnd type="triangle" w="med" len="sm"/>
-          </a:ln>
-        </p:spPr>
-        <p:style>
-          <a:lnRef idx="1">
-            <a:schemeClr val="accent1"/>
-          </a:lnRef>
-          <a:fillRef idx="0">
-            <a:schemeClr val="accent1"/>
-          </a:fillRef>
-          <a:effectRef idx="0">
-            <a:schemeClr val="accent1"/>
-          </a:effectRef>
-          <a:fontRef idx="minor">
-            <a:schemeClr val="tx1"/>
-          </a:fontRef>
-        </p:style>
-      </p:cxnSp>
-      <p:sp>
-        <p:nvSpPr>
-          <p:cNvPr id="148" name="TextBox 147"/>
-          <p:cNvSpPr txBox="1"/>
-          <p:nvPr/>
-        </p:nvSpPr>
-        <p:spPr>
-          <a:xfrm>
-            <a:off x="3220315" y="4799162"/>
-            <a:ext cx="771612" cy="230832"/>
-          </a:xfrm>
-          <a:prstGeom prst="rect">
-            <a:avLst/>
-          </a:prstGeom>
-          <a:noFill/>
-          <a:ln>
-            <a:solidFill>
-              <a:schemeClr val="tx1"/>
-            </a:solidFill>
-          </a:ln>
-        </p:spPr>
-        <p:txBody>
-          <a:bodyPr wrap="none" lIns="36000" rIns="36000" rtlCol="0">
-            <a:spAutoFit/>
-          </a:bodyPr>
-          <a:lstStyle/>
-          <a:p>
-            <a:r>
-              <a:rPr lang="en-US" altLang="ko-KR" sz="900" dirty="0" err="1" smtClean="0"/>
-              <a:t>LearningDAO</a:t>
-            </a:r>
-            <a:endParaRPr lang="ko-KR" altLang="en-US" sz="900" dirty="0"/>
-          </a:p>
-        </p:txBody>
-      </p:sp>
-      <p:sp>
-        <p:nvSpPr>
-          <p:cNvPr id="149" name="TextBox 148"/>
-          <p:cNvSpPr txBox="1"/>
-          <p:nvPr/>
-        </p:nvSpPr>
-        <p:spPr>
-          <a:xfrm>
-            <a:off x="7928341" y="5049943"/>
-            <a:ext cx="835733" cy="230832"/>
-          </a:xfrm>
-          <a:prstGeom prst="rect">
-            <a:avLst/>
-          </a:prstGeom>
-          <a:noFill/>
-          <a:ln>
-            <a:solidFill>
-              <a:schemeClr val="tx1"/>
-            </a:solidFill>
-          </a:ln>
-        </p:spPr>
-        <p:txBody>
-          <a:bodyPr wrap="none" lIns="36000" rIns="36000" rtlCol="0">
-            <a:spAutoFit/>
-          </a:bodyPr>
-          <a:lstStyle/>
-          <a:p>
-            <a:r>
-              <a:rPr lang="en-US" altLang="ko-KR" sz="900" dirty="0" err="1" smtClean="0"/>
-              <a:t>CommentDAO</a:t>
-            </a:r>
-            <a:endParaRPr lang="ko-KR" altLang="en-US" sz="900" dirty="0"/>
-          </a:p>
-        </p:txBody>
-      </p:sp>
-      <p:sp>
-        <p:nvSpPr>
-          <p:cNvPr id="150" name="TextBox 149"/>
-          <p:cNvSpPr txBox="1"/>
-          <p:nvPr/>
-        </p:nvSpPr>
-        <p:spPr>
-          <a:xfrm>
-            <a:off x="1004568" y="5074417"/>
-            <a:ext cx="840542" cy="230832"/>
-          </a:xfrm>
-          <a:prstGeom prst="rect">
-            <a:avLst/>
-          </a:prstGeom>
-          <a:noFill/>
-          <a:ln>
-            <a:solidFill>
-              <a:schemeClr val="tx1"/>
-            </a:solidFill>
-          </a:ln>
-        </p:spPr>
-        <p:txBody>
-          <a:bodyPr wrap="none" lIns="36000" rIns="36000" rtlCol="0">
-            <a:spAutoFit/>
-          </a:bodyPr>
-          <a:lstStyle/>
-          <a:p>
-            <a:r>
-              <a:rPr lang="en-US" altLang="ko-KR" sz="900" dirty="0" err="1" smtClean="0"/>
-              <a:t>ChallengeDAO</a:t>
-            </a:r>
-            <a:endParaRPr lang="ko-KR" altLang="en-US" sz="900" dirty="0"/>
-          </a:p>
-        </p:txBody>
-      </p:sp>
-      <p:sp>
-        <p:nvSpPr>
-          <p:cNvPr id="151" name="TextBox 150"/>
-          <p:cNvSpPr txBox="1"/>
-          <p:nvPr/>
-        </p:nvSpPr>
-        <p:spPr>
-          <a:xfrm>
-            <a:off x="5327900" y="4751996"/>
-            <a:ext cx="555208" cy="230832"/>
-          </a:xfrm>
-          <a:prstGeom prst="rect">
-            <a:avLst/>
-          </a:prstGeom>
-          <a:noFill/>
-          <a:ln>
-            <a:solidFill>
-              <a:schemeClr val="tx1"/>
-            </a:solidFill>
-          </a:ln>
-        </p:spPr>
-        <p:txBody>
-          <a:bodyPr wrap="none" lIns="36000" rIns="36000" rtlCol="0">
-            <a:spAutoFit/>
-          </a:bodyPr>
-          <a:lstStyle/>
-          <a:p>
-            <a:r>
-              <a:rPr lang="en-US" altLang="ko-KR" sz="900" dirty="0" err="1" smtClean="0"/>
-              <a:t>UserDAO</a:t>
-            </a:r>
-            <a:endParaRPr lang="ko-KR" altLang="en-US" sz="900" dirty="0"/>
-          </a:p>
-        </p:txBody>
-      </p:sp>
-      <p:sp>
-        <p:nvSpPr>
-          <p:cNvPr id="152" name="TextBox 151"/>
-          <p:cNvSpPr txBox="1"/>
-          <p:nvPr/>
-        </p:nvSpPr>
-        <p:spPr>
-          <a:xfrm>
-            <a:off x="6467031" y="5095016"/>
-            <a:ext cx="939928" cy="230832"/>
-          </a:xfrm>
-          <a:prstGeom prst="rect">
-            <a:avLst/>
-          </a:prstGeom>
-          <a:noFill/>
-          <a:ln>
-            <a:solidFill>
-              <a:schemeClr val="tx1"/>
-            </a:solidFill>
-          </a:ln>
-        </p:spPr>
-        <p:txBody>
-          <a:bodyPr wrap="none" lIns="36000" rIns="36000" rtlCol="0">
-            <a:spAutoFit/>
-          </a:bodyPr>
-          <a:lstStyle/>
-          <a:p>
-            <a:r>
-              <a:rPr lang="en-US" altLang="ko-KR" sz="900" dirty="0" err="1" smtClean="0"/>
-              <a:t>PostingDAOImpl</a:t>
-            </a:r>
-            <a:endParaRPr lang="ko-KR" altLang="en-US" sz="900" dirty="0"/>
-          </a:p>
-        </p:txBody>
-      </p:sp>
-      <p:sp>
-        <p:nvSpPr>
-          <p:cNvPr id="153" name="TextBox 152"/>
-          <p:cNvSpPr txBox="1"/>
-          <p:nvPr/>
-        </p:nvSpPr>
-        <p:spPr>
-          <a:xfrm>
-            <a:off x="3105700" y="5126822"/>
-            <a:ext cx="1000842" cy="230832"/>
-          </a:xfrm>
-          <a:prstGeom prst="rect">
-            <a:avLst/>
-          </a:prstGeom>
-          <a:noFill/>
-          <a:ln>
-            <a:solidFill>
-              <a:schemeClr val="tx1"/>
-            </a:solidFill>
-          </a:ln>
-        </p:spPr>
-        <p:txBody>
-          <a:bodyPr wrap="none" lIns="36000" rIns="36000" rtlCol="0">
-            <a:spAutoFit/>
-          </a:bodyPr>
-          <a:lstStyle/>
-          <a:p>
-            <a:r>
-              <a:rPr lang="en-US" altLang="ko-KR" sz="900" dirty="0" err="1"/>
-              <a:t>LearningDAOImpl</a:t>
-            </a:r>
-            <a:endParaRPr lang="ko-KR" altLang="en-US" sz="900" dirty="0"/>
-          </a:p>
-        </p:txBody>
-      </p:sp>
-      <p:sp>
-        <p:nvSpPr>
-          <p:cNvPr id="154" name="TextBox 153"/>
-          <p:cNvSpPr txBox="1"/>
-          <p:nvPr/>
-        </p:nvSpPr>
-        <p:spPr>
-          <a:xfrm>
-            <a:off x="7813726" y="5377603"/>
-            <a:ext cx="1064962" cy="230832"/>
-          </a:xfrm>
-          <a:prstGeom prst="rect">
-            <a:avLst/>
-          </a:prstGeom>
-          <a:noFill/>
-          <a:ln>
-            <a:solidFill>
-              <a:schemeClr val="tx1"/>
-            </a:solidFill>
-          </a:ln>
-        </p:spPr>
-        <p:txBody>
-          <a:bodyPr wrap="none" lIns="36000" rIns="36000" rtlCol="0">
-            <a:spAutoFit/>
-          </a:bodyPr>
-          <a:lstStyle/>
-          <a:p>
-            <a:r>
-              <a:rPr lang="en-US" altLang="ko-KR" sz="900" dirty="0" err="1" smtClean="0"/>
-              <a:t>CommentDAO</a:t>
-            </a:r>
-            <a:r>
-              <a:rPr lang="en-US" altLang="ko-KR" sz="900" dirty="0" err="1"/>
-              <a:t>Impl</a:t>
-            </a:r>
-            <a:endParaRPr lang="ko-KR" altLang="en-US" sz="900" dirty="0"/>
-          </a:p>
-        </p:txBody>
-      </p:sp>
-      <p:sp>
-        <p:nvSpPr>
-          <p:cNvPr id="155" name="TextBox 154"/>
-          <p:cNvSpPr txBox="1"/>
-          <p:nvPr/>
-        </p:nvSpPr>
-        <p:spPr>
-          <a:xfrm>
-            <a:off x="889954" y="5402077"/>
-            <a:ext cx="1069771" cy="230832"/>
-          </a:xfrm>
-          <a:prstGeom prst="rect">
-            <a:avLst/>
-          </a:prstGeom>
-          <a:noFill/>
-          <a:ln>
-            <a:solidFill>
-              <a:schemeClr val="tx1"/>
-            </a:solidFill>
-          </a:ln>
-        </p:spPr>
-        <p:txBody>
-          <a:bodyPr wrap="none" lIns="36000" rIns="36000" rtlCol="0">
-            <a:spAutoFit/>
-          </a:bodyPr>
-          <a:lstStyle/>
-          <a:p>
-            <a:r>
-              <a:rPr lang="en-US" altLang="ko-KR" sz="900" dirty="0" err="1" smtClean="0"/>
-              <a:t>ChallengeDAOImpl</a:t>
-            </a:r>
-            <a:endParaRPr lang="ko-KR" altLang="en-US" sz="900" dirty="0"/>
-          </a:p>
-        </p:txBody>
-      </p:sp>
-      <p:sp>
-        <p:nvSpPr>
-          <p:cNvPr id="157" name="TextBox 156"/>
-          <p:cNvSpPr txBox="1"/>
-          <p:nvPr/>
-        </p:nvSpPr>
-        <p:spPr>
-          <a:xfrm>
-            <a:off x="5213286" y="5079656"/>
-            <a:ext cx="784436" cy="230832"/>
-          </a:xfrm>
-          <a:prstGeom prst="rect">
-            <a:avLst/>
-          </a:prstGeom>
-          <a:noFill/>
-          <a:ln>
-            <a:solidFill>
-              <a:schemeClr val="tx1"/>
-            </a:solidFill>
-          </a:ln>
-        </p:spPr>
-        <p:txBody>
-          <a:bodyPr wrap="none" lIns="36000" rIns="36000" rtlCol="0">
-            <a:spAutoFit/>
-          </a:bodyPr>
-          <a:lstStyle/>
-          <a:p>
-            <a:r>
-              <a:rPr lang="en-US" altLang="ko-KR" sz="900" dirty="0" err="1"/>
-              <a:t>UserDAOImpl</a:t>
-            </a:r>
-            <a:endParaRPr lang="ko-KR" altLang="en-US" sz="900" dirty="0"/>
-          </a:p>
-        </p:txBody>
-      </p:sp>
-      <p:sp>
-        <p:nvSpPr>
-          <p:cNvPr id="160" name="타원 159"/>
-          <p:cNvSpPr/>
-          <p:nvPr/>
-        </p:nvSpPr>
-        <p:spPr>
-          <a:xfrm>
-            <a:off x="1375356" y="4893108"/>
-            <a:ext cx="98967" cy="98967"/>
-          </a:xfrm>
-          <a:prstGeom prst="ellipse">
-            <a:avLst/>
-          </a:prstGeom>
-          <a:noFill/>
-          <a:ln w="9525">
-            <a:solidFill>
-              <a:schemeClr val="tx1"/>
-            </a:solidFill>
-          </a:ln>
-        </p:spPr>
-        <p:style>
-          <a:lnRef idx="2">
-            <a:schemeClr val="accent1">
-              <a:shade val="50000"/>
-            </a:schemeClr>
-          </a:lnRef>
-          <a:fillRef idx="1">
-            <a:schemeClr val="accent1"/>
-          </a:fillRef>
-          <a:effectRef idx="0">
-            <a:schemeClr val="accent1"/>
-          </a:effectRef>
-          <a:fontRef idx="minor">
-            <a:schemeClr val="lt1"/>
-          </a:fontRef>
-        </p:style>
-        <p:txBody>
-          <a:bodyPr rtlCol="0" anchor="ctr"/>
-          <a:lstStyle/>
-          <a:p>
-            <a:pPr algn="ctr"/>
-            <a:endParaRPr lang="ko-KR" altLang="en-US"/>
-          </a:p>
-        </p:txBody>
-      </p:sp>
-      <p:sp>
-        <p:nvSpPr>
-          <p:cNvPr id="161" name="타원 160"/>
-          <p:cNvSpPr/>
-          <p:nvPr/>
-        </p:nvSpPr>
-        <p:spPr>
-          <a:xfrm>
-            <a:off x="3556638" y="4617853"/>
-            <a:ext cx="98967" cy="98967"/>
-          </a:xfrm>
-          <a:prstGeom prst="ellipse">
-            <a:avLst/>
-          </a:prstGeom>
-          <a:noFill/>
-          <a:ln w="9525">
-            <a:solidFill>
-              <a:schemeClr val="tx1"/>
-            </a:solidFill>
-          </a:ln>
-        </p:spPr>
-        <p:style>
-          <a:lnRef idx="2">
-            <a:schemeClr val="accent1">
-              <a:shade val="50000"/>
-            </a:schemeClr>
-          </a:lnRef>
-          <a:fillRef idx="1">
-            <a:schemeClr val="accent1"/>
-          </a:fillRef>
-          <a:effectRef idx="0">
-            <a:schemeClr val="accent1"/>
-          </a:effectRef>
-          <a:fontRef idx="minor">
-            <a:schemeClr val="lt1"/>
-          </a:fontRef>
-        </p:style>
-        <p:txBody>
-          <a:bodyPr rtlCol="0" anchor="ctr"/>
-          <a:lstStyle/>
-          <a:p>
-            <a:pPr algn="ctr"/>
-            <a:endParaRPr lang="ko-KR" altLang="en-US"/>
-          </a:p>
-        </p:txBody>
-      </p:sp>
-      <p:sp>
-        <p:nvSpPr>
-          <p:cNvPr id="162" name="타원 161"/>
-          <p:cNvSpPr/>
-          <p:nvPr/>
-        </p:nvSpPr>
-        <p:spPr>
-          <a:xfrm>
-            <a:off x="5556021" y="4570687"/>
-            <a:ext cx="98967" cy="98967"/>
-          </a:xfrm>
-          <a:prstGeom prst="ellipse">
-            <a:avLst/>
-          </a:prstGeom>
-          <a:noFill/>
-          <a:ln w="9525">
-            <a:solidFill>
-              <a:schemeClr val="tx1"/>
-            </a:solidFill>
-          </a:ln>
-        </p:spPr>
-        <p:style>
-          <a:lnRef idx="2">
-            <a:schemeClr val="accent1">
-              <a:shade val="50000"/>
-            </a:schemeClr>
-          </a:lnRef>
-          <a:fillRef idx="1">
-            <a:schemeClr val="accent1"/>
-          </a:fillRef>
-          <a:effectRef idx="0">
-            <a:schemeClr val="accent1"/>
-          </a:effectRef>
-          <a:fontRef idx="minor">
-            <a:schemeClr val="lt1"/>
-          </a:fontRef>
-        </p:style>
-        <p:txBody>
-          <a:bodyPr rtlCol="0" anchor="ctr"/>
-          <a:lstStyle/>
-          <a:p>
-            <a:pPr algn="ctr"/>
-            <a:endParaRPr lang="ko-KR" altLang="en-US"/>
-          </a:p>
-        </p:txBody>
-      </p:sp>
-      <p:sp>
-        <p:nvSpPr>
-          <p:cNvPr id="165" name="타원 164"/>
-          <p:cNvSpPr/>
-          <p:nvPr/>
-        </p:nvSpPr>
-        <p:spPr>
-          <a:xfrm>
-            <a:off x="6887512" y="4586047"/>
-            <a:ext cx="98967" cy="98967"/>
-          </a:xfrm>
-          <a:prstGeom prst="ellipse">
-            <a:avLst/>
-          </a:prstGeom>
-          <a:noFill/>
-          <a:ln w="9525">
-            <a:solidFill>
-              <a:schemeClr val="tx1"/>
-            </a:solidFill>
-          </a:ln>
-        </p:spPr>
-        <p:style>
-          <a:lnRef idx="2">
-            <a:schemeClr val="accent1">
-              <a:shade val="50000"/>
-            </a:schemeClr>
-          </a:lnRef>
-          <a:fillRef idx="1">
-            <a:schemeClr val="accent1"/>
-          </a:fillRef>
-          <a:effectRef idx="0">
-            <a:schemeClr val="accent1"/>
-          </a:effectRef>
-          <a:fontRef idx="minor">
-            <a:schemeClr val="lt1"/>
-          </a:fontRef>
-        </p:style>
-        <p:txBody>
-          <a:bodyPr rtlCol="0" anchor="ctr"/>
-          <a:lstStyle/>
-          <a:p>
-            <a:pPr algn="ctr"/>
-            <a:endParaRPr lang="ko-KR" altLang="en-US"/>
-          </a:p>
-        </p:txBody>
-      </p:sp>
-      <p:sp>
-        <p:nvSpPr>
-          <p:cNvPr id="166" name="타원 165"/>
-          <p:cNvSpPr/>
-          <p:nvPr/>
-        </p:nvSpPr>
-        <p:spPr>
-          <a:xfrm>
-            <a:off x="8296724" y="4868634"/>
-            <a:ext cx="98967" cy="98967"/>
-          </a:xfrm>
-          <a:prstGeom prst="ellipse">
-            <a:avLst/>
-          </a:prstGeom>
-          <a:noFill/>
-          <a:ln w="9525">
-            <a:solidFill>
-              <a:schemeClr val="tx1"/>
-            </a:solidFill>
-          </a:ln>
-        </p:spPr>
-        <p:style>
-          <a:lnRef idx="2">
-            <a:schemeClr val="accent1">
-              <a:shade val="50000"/>
-            </a:schemeClr>
-          </a:lnRef>
-          <a:fillRef idx="1">
-            <a:schemeClr val="accent1"/>
-          </a:fillRef>
-          <a:effectRef idx="0">
-            <a:schemeClr val="accent1"/>
-          </a:effectRef>
-          <a:fontRef idx="minor">
-            <a:schemeClr val="lt1"/>
-          </a:fontRef>
-        </p:style>
-        <p:txBody>
-          <a:bodyPr rtlCol="0" anchor="ctr"/>
-          <a:lstStyle/>
-          <a:p>
-            <a:pPr algn="ctr"/>
-            <a:endParaRPr lang="ko-KR" altLang="en-US"/>
-          </a:p>
-        </p:txBody>
-      </p:sp>
-      <p:cxnSp>
-        <p:nvCxnSpPr>
-          <p:cNvPr id="167" name="꺾인 연결선 166"/>
-          <p:cNvCxnSpPr>
-            <a:stCxn id="127" idx="2"/>
-            <a:endCxn id="160" idx="1"/>
-          </p:cNvCxnSpPr>
-          <p:nvPr/>
-        </p:nvCxnSpPr>
-        <p:spPr>
-          <a:xfrm rot="16200000" flipH="1">
-            <a:off x="808167" y="4325919"/>
-            <a:ext cx="817338" cy="346026"/>
-          </a:xfrm>
-          <a:prstGeom prst="bentConnector3">
-            <a:avLst>
-              <a:gd name="adj1" fmla="val 64917"/>
-            </a:avLst>
-          </a:prstGeom>
-          <a:ln w="6350">
-            <a:solidFill>
-              <a:schemeClr val="tx1"/>
-            </a:solidFill>
-            <a:tailEnd type="triangle" w="med" len="sm"/>
-          </a:ln>
-        </p:spPr>
-        <p:style>
-          <a:lnRef idx="1">
-            <a:schemeClr val="accent1"/>
-          </a:lnRef>
-          <a:fillRef idx="0">
-            <a:schemeClr val="accent1"/>
-          </a:fillRef>
-          <a:effectRef idx="0">
-            <a:schemeClr val="accent1"/>
-          </a:effectRef>
-          <a:fontRef idx="minor">
-            <a:schemeClr val="tx1"/>
-          </a:fontRef>
-        </p:style>
-      </p:cxnSp>
-      <p:cxnSp>
-        <p:nvCxnSpPr>
-          <p:cNvPr id="168" name="꺾인 연결선 167"/>
-          <p:cNvCxnSpPr>
-            <a:stCxn id="125" idx="2"/>
-            <a:endCxn id="160" idx="7"/>
-          </p:cNvCxnSpPr>
-          <p:nvPr/>
-        </p:nvCxnSpPr>
-        <p:spPr>
-          <a:xfrm rot="5400000">
-            <a:off x="1737594" y="3601392"/>
-            <a:ext cx="1028445" cy="1583972"/>
-          </a:xfrm>
-          <a:prstGeom prst="bentConnector3">
-            <a:avLst>
-              <a:gd name="adj1" fmla="val 70993"/>
-            </a:avLst>
-          </a:prstGeom>
-          <a:ln w="6350">
-            <a:solidFill>
-              <a:schemeClr val="tx1"/>
-            </a:solidFill>
-            <a:tailEnd type="triangle" w="med" len="sm"/>
-          </a:ln>
-        </p:spPr>
-        <p:style>
-          <a:lnRef idx="1">
-            <a:schemeClr val="accent1"/>
-          </a:lnRef>
-          <a:fillRef idx="0">
-            <a:schemeClr val="accent1"/>
-          </a:fillRef>
-          <a:effectRef idx="0">
-            <a:schemeClr val="accent1"/>
-          </a:effectRef>
-          <a:fontRef idx="minor">
-            <a:schemeClr val="tx1"/>
-          </a:fontRef>
-        </p:style>
-      </p:cxnSp>
-      <p:cxnSp>
-        <p:nvCxnSpPr>
-          <p:cNvPr id="169" name="꺾인 연결선 168"/>
-          <p:cNvCxnSpPr>
-            <a:stCxn id="125" idx="2"/>
-            <a:endCxn id="161" idx="0"/>
-          </p:cNvCxnSpPr>
-          <p:nvPr/>
-        </p:nvCxnSpPr>
-        <p:spPr>
-          <a:xfrm rot="16200000" flipH="1">
-            <a:off x="2955614" y="3967344"/>
-            <a:ext cx="738697" cy="562320"/>
-          </a:xfrm>
-          <a:prstGeom prst="bentConnector3">
-            <a:avLst>
-              <a:gd name="adj1" fmla="val 25243"/>
-            </a:avLst>
-          </a:prstGeom>
-          <a:ln w="6350">
-            <a:solidFill>
-              <a:schemeClr val="tx1"/>
-            </a:solidFill>
-            <a:tailEnd type="triangle" w="med" len="sm"/>
-          </a:ln>
-        </p:spPr>
-        <p:style>
-          <a:lnRef idx="1">
-            <a:schemeClr val="accent1"/>
-          </a:lnRef>
-          <a:fillRef idx="0">
-            <a:schemeClr val="accent1"/>
-          </a:fillRef>
-          <a:effectRef idx="0">
-            <a:schemeClr val="accent1"/>
-          </a:effectRef>
-          <a:fontRef idx="minor">
-            <a:schemeClr val="tx1"/>
-          </a:fontRef>
-        </p:style>
-      </p:cxnSp>
-      <p:cxnSp>
-        <p:nvCxnSpPr>
-          <p:cNvPr id="170" name="꺾인 연결선 169"/>
-          <p:cNvCxnSpPr>
-            <a:stCxn id="130" idx="2"/>
-            <a:endCxn id="126" idx="0"/>
-          </p:cNvCxnSpPr>
-          <p:nvPr/>
-        </p:nvCxnSpPr>
-        <p:spPr>
-          <a:xfrm rot="5400000">
-            <a:off x="6055947" y="2877845"/>
-            <a:ext cx="205789" cy="1335169"/>
-          </a:xfrm>
-          <a:prstGeom prst="bentConnector3">
-            <a:avLst>
-              <a:gd name="adj1" fmla="val 50000"/>
-            </a:avLst>
-          </a:prstGeom>
-          <a:ln w="6350">
-            <a:solidFill>
-              <a:schemeClr val="tx1"/>
-            </a:solidFill>
-            <a:tailEnd type="triangle" w="med" len="sm"/>
-          </a:ln>
-        </p:spPr>
-        <p:style>
-          <a:lnRef idx="1">
-            <a:schemeClr val="accent1"/>
-          </a:lnRef>
-          <a:fillRef idx="0">
-            <a:schemeClr val="accent1"/>
-          </a:fillRef>
-          <a:effectRef idx="0">
-            <a:schemeClr val="accent1"/>
-          </a:effectRef>
-          <a:fontRef idx="minor">
-            <a:schemeClr val="tx1"/>
-          </a:fontRef>
-        </p:style>
-      </p:cxnSp>
-      <p:cxnSp>
-        <p:nvCxnSpPr>
-          <p:cNvPr id="171" name="꺾인 연결선 170"/>
-          <p:cNvCxnSpPr>
-            <a:stCxn id="124" idx="2"/>
-            <a:endCxn id="165" idx="2"/>
-          </p:cNvCxnSpPr>
-          <p:nvPr/>
-        </p:nvCxnSpPr>
-        <p:spPr>
-          <a:xfrm rot="16200000" flipH="1">
-            <a:off x="6477784" y="4225802"/>
-            <a:ext cx="758369" cy="61087"/>
-          </a:xfrm>
-          <a:prstGeom prst="bentConnector2">
-            <a:avLst/>
-          </a:prstGeom>
-          <a:ln w="6350">
-            <a:solidFill>
-              <a:schemeClr val="tx1"/>
-            </a:solidFill>
-            <a:tailEnd type="triangle" w="med" len="sm"/>
-          </a:ln>
-        </p:spPr>
-        <p:style>
-          <a:lnRef idx="1">
-            <a:schemeClr val="accent1"/>
-          </a:lnRef>
-          <a:fillRef idx="0">
-            <a:schemeClr val="accent1"/>
-          </a:fillRef>
-          <a:effectRef idx="0">
-            <a:schemeClr val="accent1"/>
-          </a:effectRef>
-          <a:fontRef idx="minor">
-            <a:schemeClr val="tx1"/>
-          </a:fontRef>
-        </p:style>
-      </p:cxnSp>
-      <p:cxnSp>
-        <p:nvCxnSpPr>
-          <p:cNvPr id="173" name="꺾인 연결선 172"/>
-          <p:cNvCxnSpPr>
-            <a:stCxn id="192" idx="2"/>
-            <a:endCxn id="165" idx="0"/>
-          </p:cNvCxnSpPr>
-          <p:nvPr/>
-        </p:nvCxnSpPr>
-        <p:spPr>
-          <a:xfrm rot="5400000">
-            <a:off x="7218209" y="3592038"/>
-            <a:ext cx="712796" cy="1275222"/>
-          </a:xfrm>
-          <a:prstGeom prst="bentConnector3">
-            <a:avLst>
-              <a:gd name="adj1" fmla="val 50000"/>
-            </a:avLst>
-          </a:prstGeom>
-          <a:ln w="6350">
-            <a:solidFill>
-              <a:schemeClr val="tx1"/>
-            </a:solidFill>
-            <a:tailEnd type="triangle" w="med" len="sm"/>
-          </a:ln>
-        </p:spPr>
-        <p:style>
-          <a:lnRef idx="1">
-            <a:schemeClr val="accent1"/>
-          </a:lnRef>
-          <a:fillRef idx="0">
-            <a:schemeClr val="accent1"/>
-          </a:fillRef>
-          <a:effectRef idx="0">
-            <a:schemeClr val="accent1"/>
-          </a:effectRef>
-          <a:fontRef idx="minor">
-            <a:schemeClr val="tx1"/>
-          </a:fontRef>
-        </p:style>
-      </p:cxnSp>
-      <p:cxnSp>
-        <p:nvCxnSpPr>
-          <p:cNvPr id="177" name="직선 화살표 연결선 176"/>
-          <p:cNvCxnSpPr/>
-          <p:nvPr/>
-        </p:nvCxnSpPr>
-        <p:spPr>
-          <a:xfrm flipH="1">
-            <a:off x="1424839" y="4992075"/>
-            <a:ext cx="1" cy="82342"/>
-          </a:xfrm>
-          <a:prstGeom prst="straightConnector1">
-            <a:avLst/>
-          </a:prstGeom>
-          <a:ln>
-            <a:solidFill>
-              <a:schemeClr val="tx1"/>
-            </a:solidFill>
-            <a:tailEnd type="triangle" w="med" len="sm"/>
-          </a:ln>
-        </p:spPr>
-        <p:style>
-          <a:lnRef idx="1">
-            <a:schemeClr val="accent1"/>
-          </a:lnRef>
-          <a:fillRef idx="0">
-            <a:schemeClr val="accent1"/>
-          </a:fillRef>
-          <a:effectRef idx="0">
-            <a:schemeClr val="accent1"/>
-          </a:effectRef>
-          <a:fontRef idx="minor">
-            <a:schemeClr val="tx1"/>
-          </a:fontRef>
-        </p:style>
-      </p:cxnSp>
-      <p:cxnSp>
-        <p:nvCxnSpPr>
-          <p:cNvPr id="180" name="직선 화살표 연결선 179"/>
-          <p:cNvCxnSpPr/>
-          <p:nvPr/>
-        </p:nvCxnSpPr>
-        <p:spPr>
-          <a:xfrm>
-            <a:off x="1424839" y="5305249"/>
-            <a:ext cx="1" cy="96828"/>
-          </a:xfrm>
-          <a:prstGeom prst="straightConnector1">
-            <a:avLst/>
-          </a:prstGeom>
-          <a:ln>
-            <a:solidFill>
-              <a:schemeClr val="tx1"/>
-            </a:solidFill>
-            <a:tailEnd type="triangle" w="med" len="sm"/>
-          </a:ln>
-        </p:spPr>
-        <p:style>
-          <a:lnRef idx="1">
-            <a:schemeClr val="accent1"/>
-          </a:lnRef>
-          <a:fillRef idx="0">
-            <a:schemeClr val="accent1"/>
-          </a:fillRef>
-          <a:effectRef idx="0">
-            <a:schemeClr val="accent1"/>
-          </a:effectRef>
-          <a:fontRef idx="minor">
-            <a:schemeClr val="tx1"/>
-          </a:fontRef>
-        </p:style>
-      </p:cxnSp>
-      <p:cxnSp>
-        <p:nvCxnSpPr>
-          <p:cNvPr id="184" name="직선 화살표 연결선 183"/>
-          <p:cNvCxnSpPr/>
-          <p:nvPr/>
-        </p:nvCxnSpPr>
-        <p:spPr>
-          <a:xfrm flipH="1">
-            <a:off x="3606121" y="4716820"/>
-            <a:ext cx="1" cy="82342"/>
-          </a:xfrm>
-          <a:prstGeom prst="straightConnector1">
-            <a:avLst/>
-          </a:prstGeom>
-          <a:ln>
-            <a:solidFill>
-              <a:schemeClr val="tx1"/>
-            </a:solidFill>
-            <a:tailEnd type="triangle" w="med" len="sm"/>
-          </a:ln>
-        </p:spPr>
-        <p:style>
-          <a:lnRef idx="1">
-            <a:schemeClr val="accent1"/>
-          </a:lnRef>
-          <a:fillRef idx="0">
-            <a:schemeClr val="accent1"/>
-          </a:fillRef>
-          <a:effectRef idx="0">
-            <a:schemeClr val="accent1"/>
-          </a:effectRef>
-          <a:fontRef idx="minor">
-            <a:schemeClr val="tx1"/>
-          </a:fontRef>
-        </p:style>
-      </p:cxnSp>
-      <p:cxnSp>
-        <p:nvCxnSpPr>
-          <p:cNvPr id="187" name="직선 화살표 연결선 186"/>
-          <p:cNvCxnSpPr/>
-          <p:nvPr/>
-        </p:nvCxnSpPr>
-        <p:spPr>
-          <a:xfrm>
-            <a:off x="3606121" y="5029994"/>
-            <a:ext cx="0" cy="96828"/>
-          </a:xfrm>
-          <a:prstGeom prst="straightConnector1">
-            <a:avLst/>
-          </a:prstGeom>
-          <a:ln>
-            <a:solidFill>
-              <a:schemeClr val="tx1"/>
-            </a:solidFill>
-            <a:tailEnd type="triangle" w="med" len="sm"/>
-          </a:ln>
-        </p:spPr>
-        <p:style>
-          <a:lnRef idx="1">
-            <a:schemeClr val="accent1"/>
-          </a:lnRef>
-          <a:fillRef idx="0">
-            <a:schemeClr val="accent1"/>
-          </a:fillRef>
-          <a:effectRef idx="0">
-            <a:schemeClr val="accent1"/>
-          </a:effectRef>
-          <a:fontRef idx="minor">
-            <a:schemeClr val="tx1"/>
-          </a:fontRef>
-        </p:style>
-      </p:cxnSp>
-      <p:cxnSp>
-        <p:nvCxnSpPr>
-          <p:cNvPr id="190" name="직선 화살표 연결선 189"/>
-          <p:cNvCxnSpPr/>
-          <p:nvPr/>
-        </p:nvCxnSpPr>
-        <p:spPr>
-          <a:xfrm flipH="1">
-            <a:off x="5580946" y="4669654"/>
-            <a:ext cx="1" cy="82342"/>
-          </a:xfrm>
-          <a:prstGeom prst="straightConnector1">
-            <a:avLst/>
-          </a:prstGeom>
-          <a:ln>
-            <a:solidFill>
-              <a:schemeClr val="tx1"/>
-            </a:solidFill>
-            <a:tailEnd type="triangle" w="med" len="sm"/>
-          </a:ln>
-        </p:spPr>
-        <p:style>
-          <a:lnRef idx="1">
-            <a:schemeClr val="accent1"/>
-          </a:lnRef>
-          <a:fillRef idx="0">
-            <a:schemeClr val="accent1"/>
-          </a:fillRef>
-          <a:effectRef idx="0">
-            <a:schemeClr val="accent1"/>
-          </a:effectRef>
-          <a:fontRef idx="minor">
-            <a:schemeClr val="tx1"/>
-          </a:fontRef>
-        </p:style>
-      </p:cxnSp>
-      <p:cxnSp>
-        <p:nvCxnSpPr>
-          <p:cNvPr id="193" name="직선 화살표 연결선 192"/>
-          <p:cNvCxnSpPr/>
-          <p:nvPr/>
-        </p:nvCxnSpPr>
-        <p:spPr>
-          <a:xfrm>
-            <a:off x="5580946" y="4982828"/>
-            <a:ext cx="0" cy="96828"/>
-          </a:xfrm>
-          <a:prstGeom prst="straightConnector1">
-            <a:avLst/>
-          </a:prstGeom>
-          <a:ln>
-            <a:solidFill>
-              <a:schemeClr val="tx1"/>
-            </a:solidFill>
-            <a:tailEnd type="triangle" w="med" len="sm"/>
-          </a:ln>
-        </p:spPr>
-        <p:style>
-          <a:lnRef idx="1">
-            <a:schemeClr val="accent1"/>
-          </a:lnRef>
-          <a:fillRef idx="0">
-            <a:schemeClr val="accent1"/>
-          </a:fillRef>
-          <a:effectRef idx="0">
-            <a:schemeClr val="accent1"/>
-          </a:effectRef>
-          <a:fontRef idx="minor">
-            <a:schemeClr val="tx1"/>
-          </a:fontRef>
-        </p:style>
-      </p:cxnSp>
-      <p:cxnSp>
-        <p:nvCxnSpPr>
-          <p:cNvPr id="196" name="직선 화살표 연결선 195"/>
-          <p:cNvCxnSpPr/>
-          <p:nvPr/>
-        </p:nvCxnSpPr>
-        <p:spPr>
-          <a:xfrm>
-            <a:off x="6896920" y="5087088"/>
-            <a:ext cx="1" cy="96828"/>
-          </a:xfrm>
-          <a:prstGeom prst="straightConnector1">
-            <a:avLst/>
-          </a:prstGeom>
-          <a:ln>
-            <a:solidFill>
-              <a:schemeClr val="tx1"/>
-            </a:solidFill>
-            <a:tailEnd type="triangle" w="med" len="sm"/>
-          </a:ln>
-        </p:spPr>
-        <p:style>
-          <a:lnRef idx="1">
-            <a:schemeClr val="accent1"/>
-          </a:lnRef>
-          <a:fillRef idx="0">
-            <a:schemeClr val="accent1"/>
-          </a:fillRef>
-          <a:effectRef idx="0">
-            <a:schemeClr val="accent1"/>
-          </a:effectRef>
-          <a:fontRef idx="minor">
-            <a:schemeClr val="tx1"/>
-          </a:fontRef>
-        </p:style>
-      </p:cxnSp>
-      <p:cxnSp>
-        <p:nvCxnSpPr>
-          <p:cNvPr id="204" name="직선 화살표 연결선 203"/>
-          <p:cNvCxnSpPr>
-            <a:stCxn id="166" idx="4"/>
-            <a:endCxn id="149" idx="0"/>
-          </p:cNvCxnSpPr>
-          <p:nvPr/>
-        </p:nvCxnSpPr>
-        <p:spPr>
-          <a:xfrm>
-            <a:off x="8346208" y="4967601"/>
-            <a:ext cx="0" cy="82342"/>
-          </a:xfrm>
-          <a:prstGeom prst="straightConnector1">
-            <a:avLst/>
-          </a:prstGeom>
-          <a:ln>
-            <a:solidFill>
-              <a:schemeClr val="tx1"/>
-            </a:solidFill>
-            <a:tailEnd type="triangle" w="med" len="sm"/>
-          </a:ln>
-        </p:spPr>
-        <p:style>
-          <a:lnRef idx="1">
-            <a:schemeClr val="accent1"/>
-          </a:lnRef>
-          <a:fillRef idx="0">
-            <a:schemeClr val="accent1"/>
-          </a:fillRef>
-          <a:effectRef idx="0">
-            <a:schemeClr val="accent1"/>
-          </a:effectRef>
-          <a:fontRef idx="minor">
-            <a:schemeClr val="tx1"/>
-          </a:fontRef>
-        </p:style>
-      </p:cxnSp>
-      <p:cxnSp>
-        <p:nvCxnSpPr>
-          <p:cNvPr id="207" name="직선 화살표 연결선 206"/>
-          <p:cNvCxnSpPr>
-            <a:stCxn id="149" idx="2"/>
-            <a:endCxn id="154" idx="0"/>
-          </p:cNvCxnSpPr>
-          <p:nvPr/>
-        </p:nvCxnSpPr>
-        <p:spPr>
-          <a:xfrm flipH="1">
-            <a:off x="8346207" y="5280775"/>
-            <a:ext cx="1" cy="96828"/>
-          </a:xfrm>
-          <a:prstGeom prst="straightConnector1">
-            <a:avLst/>
-          </a:prstGeom>
-          <a:ln>
-            <a:solidFill>
-              <a:schemeClr val="tx1"/>
-            </a:solidFill>
-            <a:tailEnd type="triangle" w="med" len="sm"/>
-          </a:ln>
-        </p:spPr>
-        <p:style>
-          <a:lnRef idx="1">
-            <a:schemeClr val="accent1"/>
-          </a:lnRef>
-          <a:fillRef idx="0">
-            <a:schemeClr val="accent1"/>
-          </a:fillRef>
-          <a:effectRef idx="0">
-            <a:schemeClr val="accent1"/>
-          </a:effectRef>
-          <a:fontRef idx="minor">
-            <a:schemeClr val="tx1"/>
-          </a:fontRef>
-        </p:style>
-      </p:cxnSp>
-      <p:cxnSp>
-        <p:nvCxnSpPr>
-          <p:cNvPr id="210" name="꺾인 연결선 209"/>
-          <p:cNvCxnSpPr>
-            <a:stCxn id="253" idx="3"/>
-            <a:endCxn id="186" idx="1"/>
-          </p:cNvCxnSpPr>
-          <p:nvPr/>
-        </p:nvCxnSpPr>
-        <p:spPr>
-          <a:xfrm>
-            <a:off x="2176130" y="5837172"/>
-            <a:ext cx="2030001" cy="279247"/>
-          </a:xfrm>
-          <a:prstGeom prst="bentConnector3">
-            <a:avLst>
-              <a:gd name="adj1" fmla="val 50000"/>
-            </a:avLst>
-          </a:prstGeom>
-          <a:ln w="6350">
-            <a:solidFill>
-              <a:schemeClr val="tx1"/>
-            </a:solidFill>
-            <a:tailEnd type="triangle" w="med" len="sm"/>
-          </a:ln>
-        </p:spPr>
-        <p:style>
-          <a:lnRef idx="1">
-            <a:schemeClr val="accent1"/>
-          </a:lnRef>
-          <a:fillRef idx="0">
-            <a:schemeClr val="accent1"/>
-          </a:fillRef>
-          <a:effectRef idx="0">
-            <a:schemeClr val="accent1"/>
-          </a:effectRef>
-          <a:fontRef idx="minor">
-            <a:schemeClr val="tx1"/>
-          </a:fontRef>
-        </p:style>
-      </p:cxnSp>
-      <p:cxnSp>
-        <p:nvCxnSpPr>
-          <p:cNvPr id="215" name="꺾인 연결선 214"/>
-          <p:cNvCxnSpPr>
-            <a:stCxn id="251" idx="2"/>
-            <a:endCxn id="186" idx="0"/>
-          </p:cNvCxnSpPr>
-          <p:nvPr/>
-        </p:nvCxnSpPr>
-        <p:spPr>
-          <a:xfrm rot="16200000" flipH="1">
-            <a:off x="3928939" y="5354515"/>
-            <a:ext cx="312128" cy="957763"/>
-          </a:xfrm>
-          <a:prstGeom prst="bentConnector3">
-            <a:avLst>
-              <a:gd name="adj1" fmla="val 50000"/>
-            </a:avLst>
-          </a:prstGeom>
-          <a:ln w="6350">
-            <a:solidFill>
-              <a:schemeClr val="tx1"/>
-            </a:solidFill>
-            <a:tailEnd type="triangle" w="med" len="sm"/>
-          </a:ln>
-        </p:spPr>
-        <p:style>
-          <a:lnRef idx="1">
-            <a:schemeClr val="accent1"/>
-          </a:lnRef>
-          <a:fillRef idx="0">
-            <a:schemeClr val="accent1"/>
-          </a:fillRef>
-          <a:effectRef idx="0">
-            <a:schemeClr val="accent1"/>
-          </a:effectRef>
-          <a:fontRef idx="minor">
-            <a:schemeClr val="tx1"/>
-          </a:fontRef>
-        </p:style>
-      </p:cxnSp>
-      <p:cxnSp>
-        <p:nvCxnSpPr>
-          <p:cNvPr id="218" name="꺾인 연결선 217"/>
-          <p:cNvCxnSpPr>
-            <a:stCxn id="250" idx="2"/>
-            <a:endCxn id="186" idx="0"/>
-          </p:cNvCxnSpPr>
-          <p:nvPr/>
-        </p:nvCxnSpPr>
-        <p:spPr>
-          <a:xfrm rot="5400000">
-            <a:off x="5578474" y="4630939"/>
-            <a:ext cx="343934" cy="2373111"/>
-          </a:xfrm>
-          <a:prstGeom prst="bentConnector3">
-            <a:avLst>
-              <a:gd name="adj1" fmla="val 50000"/>
-            </a:avLst>
-          </a:prstGeom>
-          <a:ln w="6350">
-            <a:solidFill>
-              <a:schemeClr val="tx1"/>
-            </a:solidFill>
-            <a:tailEnd type="triangle" w="med" len="sm"/>
-          </a:ln>
-        </p:spPr>
-        <p:style>
-          <a:lnRef idx="1">
-            <a:schemeClr val="accent1"/>
-          </a:lnRef>
-          <a:fillRef idx="0">
-            <a:schemeClr val="accent1"/>
-          </a:fillRef>
-          <a:effectRef idx="0">
-            <a:schemeClr val="accent1"/>
-          </a:effectRef>
-          <a:fontRef idx="minor">
-            <a:schemeClr val="tx1"/>
-          </a:fontRef>
-        </p:style>
-      </p:cxnSp>
-      <p:cxnSp>
-        <p:nvCxnSpPr>
-          <p:cNvPr id="221" name="꺾인 연결선 220"/>
-          <p:cNvCxnSpPr>
-            <a:stCxn id="252" idx="2"/>
-            <a:endCxn id="186" idx="3"/>
-          </p:cNvCxnSpPr>
-          <p:nvPr/>
-        </p:nvCxnSpPr>
-        <p:spPr>
-          <a:xfrm rot="5400000">
-            <a:off x="6561996" y="4332207"/>
-            <a:ext cx="143855" cy="3424568"/>
-          </a:xfrm>
-          <a:prstGeom prst="bentConnector2">
-            <a:avLst/>
-          </a:prstGeom>
-          <a:ln w="6350">
-            <a:solidFill>
-              <a:schemeClr val="tx1"/>
-            </a:solidFill>
-            <a:tailEnd type="triangle" w="med" len="sm"/>
-          </a:ln>
-        </p:spPr>
-        <p:style>
-          <a:lnRef idx="1">
-            <a:schemeClr val="accent1"/>
-          </a:lnRef>
-          <a:fillRef idx="0">
-            <a:schemeClr val="accent1"/>
-          </a:fillRef>
-          <a:effectRef idx="0">
-            <a:schemeClr val="accent1"/>
-          </a:effectRef>
-          <a:fontRef idx="minor">
-            <a:schemeClr val="tx1"/>
-          </a:fontRef>
-        </p:style>
-      </p:cxnSp>
-      <p:sp>
-        <p:nvSpPr>
-          <p:cNvPr id="238" name="TextBox 237"/>
-          <p:cNvSpPr txBox="1"/>
-          <p:nvPr/>
-        </p:nvSpPr>
-        <p:spPr>
-          <a:xfrm>
-            <a:off x="4996881" y="5399335"/>
-            <a:ext cx="1217247" cy="230832"/>
-          </a:xfrm>
-          <a:prstGeom prst="rect">
-            <a:avLst/>
-          </a:prstGeom>
-          <a:noFill/>
-          <a:ln>
-            <a:solidFill>
-              <a:schemeClr val="tx1"/>
-            </a:solidFill>
-          </a:ln>
-        </p:spPr>
-        <p:txBody>
-          <a:bodyPr wrap="none" lIns="36000" rIns="36000" rtlCol="0">
-            <a:spAutoFit/>
-          </a:bodyPr>
-          <a:lstStyle/>
-          <a:p>
-            <a:r>
-              <a:rPr lang="en-US" altLang="ko-KR" sz="900" dirty="0" smtClean="0"/>
-              <a:t>UserDAO-mapper.xml</a:t>
-            </a:r>
-            <a:endParaRPr lang="ko-KR" altLang="en-US" sz="900" dirty="0"/>
-          </a:p>
-        </p:txBody>
-      </p:sp>
-      <p:sp>
-        <p:nvSpPr>
-          <p:cNvPr id="250" name="TextBox 249"/>
-          <p:cNvSpPr txBox="1"/>
-          <p:nvPr/>
-        </p:nvSpPr>
-        <p:spPr>
-          <a:xfrm>
-            <a:off x="6253031" y="5414695"/>
-            <a:ext cx="1367929" cy="230832"/>
-          </a:xfrm>
-          <a:prstGeom prst="rect">
-            <a:avLst/>
-          </a:prstGeom>
-          <a:noFill/>
-          <a:ln>
-            <a:solidFill>
-              <a:schemeClr val="tx1"/>
-            </a:solidFill>
-          </a:ln>
-        </p:spPr>
-        <p:txBody>
-          <a:bodyPr wrap="none" lIns="36000" rIns="36000" rtlCol="0">
-            <a:spAutoFit/>
-          </a:bodyPr>
-          <a:lstStyle/>
-          <a:p>
-            <a:r>
-              <a:rPr lang="en-US" altLang="ko-KR" sz="900" dirty="0" smtClean="0"/>
-              <a:t>PostingDAO-mapper.xml</a:t>
-            </a:r>
-            <a:endParaRPr lang="ko-KR" altLang="en-US" sz="900" dirty="0"/>
-          </a:p>
-        </p:txBody>
-      </p:sp>
-      <p:sp>
-        <p:nvSpPr>
-          <p:cNvPr id="251" name="TextBox 250"/>
-          <p:cNvSpPr txBox="1"/>
-          <p:nvPr/>
-        </p:nvSpPr>
-        <p:spPr>
-          <a:xfrm>
-            <a:off x="2889295" y="5446501"/>
-            <a:ext cx="1433653" cy="230832"/>
-          </a:xfrm>
-          <a:prstGeom prst="rect">
-            <a:avLst/>
-          </a:prstGeom>
-          <a:noFill/>
-          <a:ln>
-            <a:solidFill>
-              <a:schemeClr val="tx1"/>
-            </a:solidFill>
-          </a:ln>
-        </p:spPr>
-        <p:txBody>
-          <a:bodyPr wrap="none" lIns="36000" rIns="36000" rtlCol="0">
-            <a:spAutoFit/>
-          </a:bodyPr>
-          <a:lstStyle/>
-          <a:p>
-            <a:r>
-              <a:rPr lang="en-US" altLang="ko-KR" sz="900" dirty="0" smtClean="0"/>
-              <a:t>LearningDAO-mapper.xml</a:t>
-            </a:r>
-            <a:endParaRPr lang="ko-KR" altLang="en-US" sz="900" dirty="0"/>
-          </a:p>
-        </p:txBody>
-      </p:sp>
-      <p:sp>
-        <p:nvSpPr>
-          <p:cNvPr id="252" name="TextBox 251"/>
-          <p:cNvSpPr txBox="1"/>
-          <p:nvPr/>
-        </p:nvSpPr>
-        <p:spPr>
-          <a:xfrm>
-            <a:off x="7599725" y="5741732"/>
-            <a:ext cx="1492964" cy="230832"/>
-          </a:xfrm>
-          <a:prstGeom prst="rect">
-            <a:avLst/>
-          </a:prstGeom>
-          <a:noFill/>
-          <a:ln>
-            <a:solidFill>
-              <a:schemeClr val="tx1"/>
-            </a:solidFill>
-          </a:ln>
-        </p:spPr>
-        <p:txBody>
-          <a:bodyPr wrap="none" lIns="36000" rIns="36000" rtlCol="0">
-            <a:spAutoFit/>
-          </a:bodyPr>
-          <a:lstStyle/>
-          <a:p>
-            <a:r>
-              <a:rPr lang="en-US" altLang="ko-KR" sz="900" dirty="0" smtClean="0"/>
-              <a:t>CommentDAO-mapper.xml</a:t>
-            </a:r>
-            <a:endParaRPr lang="ko-KR" altLang="en-US" sz="900" dirty="0"/>
-          </a:p>
-        </p:txBody>
-      </p:sp>
-      <p:sp>
-        <p:nvSpPr>
-          <p:cNvPr id="253" name="TextBox 252"/>
-          <p:cNvSpPr txBox="1"/>
-          <p:nvPr/>
-        </p:nvSpPr>
-        <p:spPr>
-          <a:xfrm>
-            <a:off x="673548" y="5721756"/>
-            <a:ext cx="1502582" cy="230832"/>
-          </a:xfrm>
-          <a:prstGeom prst="rect">
-            <a:avLst/>
-          </a:prstGeom>
-          <a:noFill/>
-          <a:ln>
-            <a:solidFill>
-              <a:schemeClr val="tx1"/>
-            </a:solidFill>
-          </a:ln>
-        </p:spPr>
-        <p:txBody>
-          <a:bodyPr wrap="none" lIns="36000" rIns="36000" rtlCol="0">
-            <a:spAutoFit/>
-          </a:bodyPr>
-          <a:lstStyle/>
-          <a:p>
-            <a:r>
-              <a:rPr lang="en-US" altLang="ko-KR" sz="900" dirty="0" smtClean="0"/>
-              <a:t>ChallengeDAO-mapper.xml</a:t>
-            </a:r>
-            <a:endParaRPr lang="ko-KR" altLang="en-US" sz="900" dirty="0"/>
-          </a:p>
-        </p:txBody>
-      </p:sp>
-      <p:cxnSp>
-        <p:nvCxnSpPr>
-          <p:cNvPr id="262" name="직선 화살표 연결선 261"/>
-          <p:cNvCxnSpPr>
-            <a:stCxn id="155" idx="2"/>
-            <a:endCxn id="253" idx="0"/>
-          </p:cNvCxnSpPr>
-          <p:nvPr/>
-        </p:nvCxnSpPr>
-        <p:spPr>
-          <a:xfrm flipH="1">
-            <a:off x="1424839" y="5632909"/>
-            <a:ext cx="1" cy="88847"/>
-          </a:xfrm>
-          <a:prstGeom prst="straightConnector1">
-            <a:avLst/>
-          </a:prstGeom>
-          <a:ln>
-            <a:solidFill>
-              <a:schemeClr val="tx1"/>
-            </a:solidFill>
-            <a:tailEnd type="triangle" w="med" len="sm"/>
-          </a:ln>
-        </p:spPr>
-        <p:style>
-          <a:lnRef idx="1">
-            <a:schemeClr val="accent1"/>
-          </a:lnRef>
-          <a:fillRef idx="0">
-            <a:schemeClr val="accent1"/>
-          </a:fillRef>
-          <a:effectRef idx="0">
-            <a:schemeClr val="accent1"/>
-          </a:effectRef>
-          <a:fontRef idx="minor">
-            <a:schemeClr val="tx1"/>
-          </a:fontRef>
-        </p:style>
-      </p:cxnSp>
-      <p:cxnSp>
-        <p:nvCxnSpPr>
-          <p:cNvPr id="265" name="직선 화살표 연결선 264"/>
-          <p:cNvCxnSpPr>
-            <a:stCxn id="153" idx="2"/>
-            <a:endCxn id="251" idx="0"/>
-          </p:cNvCxnSpPr>
-          <p:nvPr/>
-        </p:nvCxnSpPr>
-        <p:spPr>
-          <a:xfrm>
-            <a:off x="3606121" y="5357654"/>
-            <a:ext cx="1" cy="88847"/>
-          </a:xfrm>
-          <a:prstGeom prst="straightConnector1">
-            <a:avLst/>
-          </a:prstGeom>
-          <a:ln>
-            <a:solidFill>
-              <a:schemeClr val="tx1"/>
-            </a:solidFill>
-            <a:tailEnd type="triangle" w="med" len="sm"/>
-          </a:ln>
-        </p:spPr>
-        <p:style>
-          <a:lnRef idx="1">
-            <a:schemeClr val="accent1"/>
-          </a:lnRef>
-          <a:fillRef idx="0">
-            <a:schemeClr val="accent1"/>
-          </a:fillRef>
-          <a:effectRef idx="0">
-            <a:schemeClr val="accent1"/>
-          </a:effectRef>
-          <a:fontRef idx="minor">
-            <a:schemeClr val="tx1"/>
-          </a:fontRef>
-        </p:style>
-      </p:cxnSp>
-      <p:cxnSp>
-        <p:nvCxnSpPr>
-          <p:cNvPr id="268" name="직선 화살표 연결선 267"/>
-          <p:cNvCxnSpPr>
-            <a:stCxn id="157" idx="2"/>
-            <a:endCxn id="238" idx="0"/>
-          </p:cNvCxnSpPr>
-          <p:nvPr/>
-        </p:nvCxnSpPr>
-        <p:spPr>
-          <a:xfrm>
-            <a:off x="5605504" y="5310488"/>
-            <a:ext cx="1" cy="88847"/>
-          </a:xfrm>
-          <a:prstGeom prst="straightConnector1">
-            <a:avLst/>
-          </a:prstGeom>
-          <a:ln>
-            <a:solidFill>
-              <a:schemeClr val="tx1"/>
-            </a:solidFill>
-            <a:tailEnd type="triangle" w="med" len="sm"/>
-          </a:ln>
-        </p:spPr>
-        <p:style>
-          <a:lnRef idx="1">
-            <a:schemeClr val="accent1"/>
-          </a:lnRef>
-          <a:fillRef idx="0">
-            <a:schemeClr val="accent1"/>
-          </a:fillRef>
-          <a:effectRef idx="0">
-            <a:schemeClr val="accent1"/>
-          </a:effectRef>
-          <a:fontRef idx="minor">
-            <a:schemeClr val="tx1"/>
-          </a:fontRef>
-        </p:style>
-      </p:cxnSp>
-      <p:cxnSp>
-        <p:nvCxnSpPr>
-          <p:cNvPr id="271" name="직선 화살표 연결선 270"/>
-          <p:cNvCxnSpPr>
-            <a:stCxn id="152" idx="2"/>
-            <a:endCxn id="250" idx="0"/>
-          </p:cNvCxnSpPr>
-          <p:nvPr/>
-        </p:nvCxnSpPr>
-        <p:spPr>
-          <a:xfrm>
-            <a:off x="6936995" y="5325848"/>
-            <a:ext cx="1" cy="88847"/>
-          </a:xfrm>
-          <a:prstGeom prst="straightConnector1">
-            <a:avLst/>
-          </a:prstGeom>
-          <a:ln>
-            <a:solidFill>
-              <a:schemeClr val="tx1"/>
-            </a:solidFill>
-            <a:tailEnd type="triangle" w="med" len="sm"/>
-          </a:ln>
-        </p:spPr>
-        <p:style>
-          <a:lnRef idx="1">
-            <a:schemeClr val="accent1"/>
-          </a:lnRef>
-          <a:fillRef idx="0">
-            <a:schemeClr val="accent1"/>
-          </a:fillRef>
-          <a:effectRef idx="0">
-            <a:schemeClr val="accent1"/>
-          </a:effectRef>
-          <a:fontRef idx="minor">
-            <a:schemeClr val="tx1"/>
-          </a:fontRef>
-        </p:style>
-      </p:cxnSp>
-      <p:cxnSp>
-        <p:nvCxnSpPr>
-          <p:cNvPr id="274" name="직선 화살표 연결선 273"/>
-          <p:cNvCxnSpPr>
-            <a:stCxn id="154" idx="2"/>
-            <a:endCxn id="252" idx="0"/>
-          </p:cNvCxnSpPr>
-          <p:nvPr/>
-        </p:nvCxnSpPr>
-        <p:spPr>
-          <a:xfrm>
-            <a:off x="8346207" y="5608435"/>
-            <a:ext cx="0" cy="133297"/>
-          </a:xfrm>
-          <a:prstGeom prst="straightConnector1">
-            <a:avLst/>
-          </a:prstGeom>
-          <a:ln>
-            <a:solidFill>
-              <a:schemeClr val="tx1"/>
-            </a:solidFill>
-            <a:tailEnd type="triangle" w="med" len="sm"/>
-          </a:ln>
-        </p:spPr>
-        <p:style>
-          <a:lnRef idx="1">
-            <a:schemeClr val="accent1"/>
-          </a:lnRef>
-          <a:fillRef idx="0">
-            <a:schemeClr val="accent1"/>
-          </a:fillRef>
-          <a:effectRef idx="0">
-            <a:schemeClr val="accent1"/>
-          </a:effectRef>
-          <a:fontRef idx="minor">
-            <a:schemeClr val="tx1"/>
-          </a:fontRef>
-        </p:style>
-      </p:cxnSp>
-      <p:cxnSp>
-        <p:nvCxnSpPr>
-          <p:cNvPr id="280" name="직선 화살표 연결선 279"/>
-          <p:cNvCxnSpPr>
-            <a:stCxn id="186" idx="2"/>
-            <a:endCxn id="90" idx="1"/>
-          </p:cNvCxnSpPr>
-          <p:nvPr/>
-        </p:nvCxnSpPr>
-        <p:spPr>
-          <a:xfrm flipH="1">
-            <a:off x="4559311" y="6243377"/>
-            <a:ext cx="4574" cy="176474"/>
-          </a:xfrm>
-          <a:prstGeom prst="straightConnector1">
-            <a:avLst/>
-          </a:prstGeom>
-          <a:ln>
-            <a:solidFill>
-              <a:schemeClr val="tx1"/>
-            </a:solidFill>
-            <a:headEnd type="triangle" w="med" len="sm"/>
-            <a:tailEnd type="triangle" w="med" len="sm"/>
-          </a:ln>
-        </p:spPr>
-        <p:style>
-          <a:lnRef idx="1">
-            <a:schemeClr val="accent1"/>
-          </a:lnRef>
-          <a:fillRef idx="0">
-            <a:schemeClr val="accent1"/>
-          </a:fillRef>
-          <a:effectRef idx="0">
-            <a:schemeClr val="accent1"/>
-          </a:effectRef>
-          <a:fontRef idx="minor">
-            <a:schemeClr val="tx1"/>
-          </a:fontRef>
-        </p:style>
-      </p:cxnSp>
-      <p:sp>
-        <p:nvSpPr>
-          <p:cNvPr id="283" name="TextBox 282"/>
-          <p:cNvSpPr txBox="1"/>
-          <p:nvPr/>
-        </p:nvSpPr>
-        <p:spPr>
-          <a:xfrm>
-            <a:off x="1725588" y="956718"/>
-            <a:ext cx="1423938" cy="738664"/>
-          </a:xfrm>
-          <a:prstGeom prst="rect">
-            <a:avLst/>
-          </a:prstGeom>
-          <a:noFill/>
-          <a:ln w="3175">
-            <a:solidFill>
-              <a:schemeClr val="tx1"/>
-            </a:solidFill>
-          </a:ln>
-        </p:spPr>
-        <p:txBody>
-          <a:bodyPr wrap="square" lIns="36000" rIns="36000" rtlCol="0">
-            <a:spAutoFit/>
-          </a:bodyPr>
-          <a:lstStyle/>
-          <a:p>
-            <a:pPr marL="228600" indent="-228600">
-              <a:buAutoNum type="arabicPeriod"/>
-            </a:pPr>
-            <a:r>
-              <a:rPr lang="en-US" altLang="ko-KR" sz="700" dirty="0" err="1" smtClean="0">
-                <a:latin typeface="+mj-lt"/>
-              </a:rPr>
-              <a:t>SubjectList.jsp</a:t>
-            </a:r>
-            <a:r>
-              <a:rPr lang="en-US" altLang="ko-KR" sz="700" dirty="0" smtClean="0">
-                <a:latin typeface="+mj-lt"/>
-              </a:rPr>
-              <a:t> : </a:t>
-            </a:r>
-            <a:r>
-              <a:rPr lang="ko-KR" altLang="en-US" sz="700" dirty="0" smtClean="0">
-                <a:latin typeface="+mj-lt"/>
-              </a:rPr>
-              <a:t>과목 리스트 보기</a:t>
-            </a:r>
-            <a:endParaRPr lang="en-US" altLang="ko-KR" sz="700" dirty="0" smtClean="0">
-              <a:latin typeface="+mj-lt"/>
-            </a:endParaRPr>
-          </a:p>
-          <a:p>
-            <a:pPr marL="228600" indent="-228600">
-              <a:buAutoNum type="arabicPeriod"/>
-            </a:pPr>
-            <a:r>
-              <a:rPr lang="en-US" altLang="ko-KR" sz="700" dirty="0" err="1" smtClean="0">
-                <a:latin typeface="+mj-lt"/>
-              </a:rPr>
-              <a:t>UnitContent</a:t>
-            </a:r>
-            <a:r>
-              <a:rPr lang="en-US" altLang="ko-KR" sz="700" dirty="0" smtClean="0">
-                <a:latin typeface="+mj-lt"/>
-              </a:rPr>
-              <a:t>: </a:t>
-            </a:r>
-            <a:r>
-              <a:rPr lang="ko-KR" altLang="en-US" sz="700" dirty="0" smtClean="0">
-                <a:latin typeface="+mj-lt"/>
-              </a:rPr>
-              <a:t>단원 내용 보기</a:t>
-            </a:r>
-            <a:endParaRPr lang="en-US" altLang="ko-KR" sz="700" dirty="0" smtClean="0">
-              <a:latin typeface="+mj-lt"/>
-            </a:endParaRPr>
-          </a:p>
-          <a:p>
-            <a:pPr marL="228600" indent="-228600">
-              <a:buAutoNum type="arabicPeriod"/>
-            </a:pPr>
-            <a:r>
-              <a:rPr lang="en-US" altLang="ko-KR" sz="700" dirty="0" smtClean="0">
-                <a:latin typeface="+mj-lt"/>
-              </a:rPr>
-              <a:t>Final-</a:t>
-            </a:r>
-            <a:r>
-              <a:rPr lang="en-US" altLang="ko-KR" sz="700" dirty="0" err="1" smtClean="0">
-                <a:latin typeface="+mj-lt"/>
-              </a:rPr>
-              <a:t>test.jsp</a:t>
-            </a:r>
-            <a:r>
-              <a:rPr lang="en-US" altLang="ko-KR" sz="700" dirty="0" smtClean="0">
-                <a:latin typeface="+mj-lt"/>
-              </a:rPr>
-              <a:t> : </a:t>
-            </a:r>
-            <a:r>
-              <a:rPr lang="ko-KR" altLang="en-US" sz="700" dirty="0" smtClean="0">
-                <a:latin typeface="+mj-lt"/>
-              </a:rPr>
-              <a:t>마무리문제 풀기화면</a:t>
-            </a:r>
-            <a:endParaRPr lang="en-US" altLang="ko-KR" sz="700" dirty="0" smtClean="0">
-              <a:latin typeface="+mj-lt"/>
-            </a:endParaRPr>
-          </a:p>
-        </p:txBody>
-      </p:sp>
-      <p:sp>
-        <p:nvSpPr>
-          <p:cNvPr id="284" name="TextBox 283"/>
-          <p:cNvSpPr txBox="1"/>
-          <p:nvPr/>
-        </p:nvSpPr>
-        <p:spPr>
-          <a:xfrm>
-            <a:off x="3174697" y="1064440"/>
-            <a:ext cx="1423938" cy="630942"/>
-          </a:xfrm>
-          <a:prstGeom prst="rect">
-            <a:avLst/>
-          </a:prstGeom>
-          <a:noFill/>
-          <a:ln w="3175">
-            <a:solidFill>
-              <a:schemeClr val="tx1"/>
-            </a:solidFill>
-          </a:ln>
-        </p:spPr>
-        <p:txBody>
-          <a:bodyPr wrap="square" lIns="36000" rIns="36000" rtlCol="0">
-            <a:spAutoFit/>
-          </a:bodyPr>
-          <a:lstStyle/>
-          <a:p>
-            <a:pPr marL="228600" indent="-228600">
-              <a:buAutoNum type="arabicPeriod"/>
-            </a:pPr>
-            <a:r>
-              <a:rPr lang="en-US" altLang="ko-KR" sz="700" dirty="0" err="1" smtClean="0">
-                <a:latin typeface="+mj-lt"/>
-              </a:rPr>
-              <a:t>ChallengeList</a:t>
-            </a:r>
-            <a:r>
-              <a:rPr lang="en-US" altLang="ko-KR" sz="700" dirty="0" smtClean="0">
-                <a:latin typeface="+mj-lt"/>
-              </a:rPr>
-              <a:t> : </a:t>
-            </a:r>
-            <a:r>
-              <a:rPr lang="ko-KR" altLang="en-US" sz="700" dirty="0" smtClean="0">
-                <a:latin typeface="+mj-lt"/>
-              </a:rPr>
-              <a:t>도전과제 리스트</a:t>
-            </a:r>
-            <a:r>
-              <a:rPr lang="en-US" altLang="ko-KR" sz="700" dirty="0" smtClean="0">
-                <a:latin typeface="+mj-lt"/>
-              </a:rPr>
-              <a:t>/</a:t>
-            </a:r>
-            <a:r>
-              <a:rPr lang="ko-KR" altLang="en-US" sz="700" dirty="0" smtClean="0">
-                <a:latin typeface="+mj-lt"/>
-              </a:rPr>
-              <a:t>검색</a:t>
-            </a:r>
-            <a:endParaRPr lang="en-US" altLang="ko-KR" sz="700" dirty="0" smtClean="0">
-              <a:latin typeface="+mj-lt"/>
-            </a:endParaRPr>
-          </a:p>
-          <a:p>
-            <a:pPr marL="228600" indent="-228600">
-              <a:buAutoNum type="arabicPeriod"/>
-            </a:pPr>
-            <a:r>
-              <a:rPr lang="en-US" altLang="ko-KR" sz="700" dirty="0" err="1" smtClean="0">
-                <a:latin typeface="+mj-lt"/>
-              </a:rPr>
-              <a:t>doChallenge.jsp</a:t>
-            </a:r>
-            <a:r>
-              <a:rPr lang="en-US" altLang="ko-KR" sz="700" dirty="0" smtClean="0">
-                <a:latin typeface="+mj-lt"/>
-              </a:rPr>
-              <a:t> : </a:t>
-            </a:r>
-            <a:r>
-              <a:rPr lang="ko-KR" altLang="en-US" sz="700" dirty="0" smtClean="0">
-                <a:latin typeface="+mj-lt"/>
-              </a:rPr>
-              <a:t>도전과제 참여</a:t>
-            </a:r>
-            <a:endParaRPr lang="en-US" altLang="ko-KR" sz="700" dirty="0" smtClean="0">
-              <a:latin typeface="+mj-lt"/>
-            </a:endParaRPr>
-          </a:p>
-          <a:p>
-            <a:pPr marL="228600" indent="-228600">
-              <a:buAutoNum type="arabicPeriod"/>
-            </a:pPr>
-            <a:r>
-              <a:rPr lang="en-US" altLang="ko-KR" sz="700" dirty="0" err="1" smtClean="0">
-                <a:latin typeface="+mj-lt"/>
-              </a:rPr>
-              <a:t>Ranking.jsp</a:t>
-            </a:r>
-            <a:r>
-              <a:rPr lang="en-US" altLang="ko-KR" sz="700" dirty="0" smtClean="0">
-                <a:latin typeface="+mj-lt"/>
-              </a:rPr>
-              <a:t> : </a:t>
-            </a:r>
-            <a:r>
-              <a:rPr lang="ko-KR" altLang="en-US" sz="700" dirty="0" smtClean="0">
-                <a:latin typeface="+mj-lt"/>
-              </a:rPr>
-              <a:t>도전과제 랭킹</a:t>
-            </a:r>
-            <a:endParaRPr lang="en-US" altLang="ko-KR" sz="700" dirty="0" smtClean="0">
-              <a:latin typeface="+mj-lt"/>
-            </a:endParaRPr>
-          </a:p>
-        </p:txBody>
-      </p:sp>
-      <p:sp>
-        <p:nvSpPr>
-          <p:cNvPr id="285" name="TextBox 284"/>
-          <p:cNvSpPr txBox="1"/>
-          <p:nvPr/>
-        </p:nvSpPr>
-        <p:spPr>
-          <a:xfrm>
-            <a:off x="7534971" y="1383213"/>
-            <a:ext cx="1566332" cy="312169"/>
-          </a:xfrm>
-          <a:prstGeom prst="rect">
-            <a:avLst/>
-          </a:prstGeom>
-          <a:noFill/>
-          <a:ln w="3175">
-            <a:solidFill>
-              <a:schemeClr val="tx1"/>
-            </a:solidFill>
-          </a:ln>
-        </p:spPr>
-        <p:txBody>
-          <a:bodyPr wrap="square" lIns="36000" rIns="36000" rtlCol="0">
-            <a:spAutoFit/>
-          </a:bodyPr>
-          <a:lstStyle/>
-          <a:p>
-            <a:pPr marL="228600" indent="-228600">
-              <a:buAutoNum type="arabicPeriod"/>
-            </a:pPr>
-            <a:r>
-              <a:rPr lang="en-US" altLang="ko-KR" sz="700" dirty="0" err="1" smtClean="0">
-                <a:latin typeface="+mj-lt"/>
-              </a:rPr>
-              <a:t>Posting.jsp</a:t>
-            </a:r>
-            <a:r>
-              <a:rPr lang="en-US" altLang="ko-KR" sz="700" dirty="0" smtClean="0">
-                <a:latin typeface="+mj-lt"/>
-              </a:rPr>
-              <a:t> : </a:t>
-            </a:r>
-            <a:r>
-              <a:rPr lang="ko-KR" altLang="en-US" sz="700" dirty="0" err="1" smtClean="0">
-                <a:latin typeface="+mj-lt"/>
-              </a:rPr>
-              <a:t>게시글</a:t>
-            </a:r>
-            <a:r>
-              <a:rPr lang="en-US" altLang="ko-KR" sz="700" dirty="0" smtClean="0">
-                <a:latin typeface="+mj-lt"/>
-              </a:rPr>
-              <a:t>/</a:t>
-            </a:r>
-            <a:r>
-              <a:rPr lang="ko-KR" altLang="en-US" sz="700" dirty="0" smtClean="0">
-                <a:latin typeface="+mj-lt"/>
-              </a:rPr>
-              <a:t>작성</a:t>
-            </a:r>
-            <a:r>
-              <a:rPr lang="en-US" altLang="ko-KR" sz="700" dirty="0" smtClean="0">
-                <a:latin typeface="+mj-lt"/>
-              </a:rPr>
-              <a:t>/</a:t>
-            </a:r>
-            <a:r>
-              <a:rPr lang="ko-KR" altLang="en-US" sz="700" dirty="0" smtClean="0">
-                <a:latin typeface="+mj-lt"/>
-              </a:rPr>
-              <a:t>수정</a:t>
-            </a:r>
-            <a:endParaRPr lang="en-US" altLang="ko-KR" sz="700" dirty="0">
-              <a:latin typeface="+mj-lt"/>
-            </a:endParaRPr>
-          </a:p>
-          <a:p>
-            <a:pPr marL="228600" indent="-228600">
-              <a:buAutoNum type="arabicPeriod"/>
-            </a:pPr>
-            <a:r>
-              <a:rPr lang="en-US" altLang="ko-KR" sz="700" dirty="0" err="1" smtClean="0">
-                <a:latin typeface="+mj-lt"/>
-              </a:rPr>
-              <a:t>Comment.jsp</a:t>
-            </a:r>
-            <a:r>
-              <a:rPr lang="en-US" altLang="ko-KR" sz="700" dirty="0" smtClean="0">
-                <a:latin typeface="+mj-lt"/>
-              </a:rPr>
-              <a:t> : </a:t>
-            </a:r>
-            <a:r>
-              <a:rPr lang="ko-KR" altLang="en-US" sz="700" dirty="0" err="1" smtClean="0">
-                <a:latin typeface="+mj-lt"/>
-              </a:rPr>
-              <a:t>답글</a:t>
-            </a:r>
-            <a:r>
-              <a:rPr lang="ko-KR" altLang="en-US" sz="700" dirty="0" smtClean="0">
-                <a:latin typeface="+mj-lt"/>
-              </a:rPr>
-              <a:t> 작성</a:t>
-            </a:r>
-            <a:endParaRPr lang="en-US" altLang="ko-KR" sz="700" dirty="0" smtClean="0">
-              <a:latin typeface="+mj-lt"/>
-            </a:endParaRPr>
-          </a:p>
-        </p:txBody>
-      </p:sp>
-      <p:sp>
-        <p:nvSpPr>
-          <p:cNvPr id="298" name="TextBox 297"/>
-          <p:cNvSpPr txBox="1"/>
-          <p:nvPr/>
-        </p:nvSpPr>
-        <p:spPr>
-          <a:xfrm>
-            <a:off x="4623806" y="1172161"/>
-            <a:ext cx="1294489" cy="523221"/>
-          </a:xfrm>
-          <a:prstGeom prst="rect">
-            <a:avLst/>
-          </a:prstGeom>
-          <a:noFill/>
-          <a:ln w="3175">
-            <a:solidFill>
-              <a:schemeClr val="tx1"/>
-            </a:solidFill>
-          </a:ln>
-        </p:spPr>
-        <p:txBody>
-          <a:bodyPr wrap="square" lIns="36000" rIns="36000" rtlCol="0">
-            <a:spAutoFit/>
-          </a:bodyPr>
-          <a:lstStyle/>
-          <a:p>
-            <a:pPr marL="228600" indent="-228600">
-              <a:buAutoNum type="arabicPeriod"/>
-            </a:pPr>
-            <a:r>
-              <a:rPr lang="en-US" altLang="ko-KR" sz="700" dirty="0" err="1" smtClean="0">
-                <a:latin typeface="+mj-lt"/>
-              </a:rPr>
-              <a:t>signup.jsp</a:t>
-            </a:r>
-            <a:r>
-              <a:rPr lang="en-US" altLang="ko-KR" sz="700" dirty="0" smtClean="0">
-                <a:latin typeface="+mj-lt"/>
-              </a:rPr>
-              <a:t> : </a:t>
-            </a:r>
-            <a:r>
-              <a:rPr lang="ko-KR" altLang="en-US" sz="700" dirty="0" smtClean="0">
-                <a:latin typeface="+mj-lt"/>
-              </a:rPr>
-              <a:t>회원가입</a:t>
-            </a:r>
-            <a:endParaRPr lang="en-US" altLang="ko-KR" sz="700" dirty="0" smtClean="0">
-              <a:latin typeface="+mj-lt"/>
-            </a:endParaRPr>
-          </a:p>
-          <a:p>
-            <a:pPr marL="228600" indent="-228600">
-              <a:buAutoNum type="arabicPeriod"/>
-            </a:pPr>
-            <a:r>
-              <a:rPr lang="en-US" altLang="ko-KR" sz="700" dirty="0" err="1" smtClean="0">
-                <a:latin typeface="+mj-lt"/>
-              </a:rPr>
-              <a:t>signin.jsp</a:t>
-            </a:r>
-            <a:r>
-              <a:rPr lang="en-US" altLang="ko-KR" sz="700" dirty="0" smtClean="0">
-                <a:latin typeface="+mj-lt"/>
-              </a:rPr>
-              <a:t> : </a:t>
-            </a:r>
-            <a:r>
-              <a:rPr lang="ko-KR" altLang="en-US" sz="700" dirty="0" smtClean="0">
-                <a:latin typeface="+mj-lt"/>
-              </a:rPr>
-              <a:t>로그</a:t>
-            </a:r>
-            <a:r>
-              <a:rPr lang="ko-KR" altLang="en-US" sz="700" dirty="0">
-                <a:latin typeface="+mj-lt"/>
-              </a:rPr>
-              <a:t>인</a:t>
-            </a:r>
-            <a:endParaRPr lang="en-US" altLang="ko-KR" sz="700" dirty="0" smtClean="0">
-              <a:latin typeface="+mj-lt"/>
-            </a:endParaRPr>
-          </a:p>
-          <a:p>
-            <a:pPr marL="228600" indent="-228600">
-              <a:buAutoNum type="arabicPeriod"/>
-            </a:pPr>
-            <a:r>
-              <a:rPr lang="en-US" altLang="ko-KR" sz="700" dirty="0" err="1" smtClean="0">
-                <a:latin typeface="+mj-lt"/>
-              </a:rPr>
-              <a:t>profileManaging.jsp</a:t>
-            </a:r>
-            <a:r>
-              <a:rPr lang="en-US" altLang="ko-KR" sz="700" dirty="0" smtClean="0">
-                <a:latin typeface="+mj-lt"/>
-              </a:rPr>
-              <a:t> : </a:t>
-            </a:r>
-            <a:r>
-              <a:rPr lang="ko-KR" altLang="en-US" sz="700" dirty="0" smtClean="0">
-                <a:latin typeface="+mj-lt"/>
-              </a:rPr>
-              <a:t>회원정보 수정</a:t>
-            </a:r>
-            <a:endParaRPr lang="en-US" altLang="ko-KR" sz="700" dirty="0" smtClean="0">
-              <a:latin typeface="+mj-lt"/>
-            </a:endParaRPr>
-          </a:p>
-        </p:txBody>
-      </p:sp>
-      <p:cxnSp>
-        <p:nvCxnSpPr>
-          <p:cNvPr id="299" name="꺾인 연결선 298"/>
-          <p:cNvCxnSpPr>
-            <a:stCxn id="298" idx="2"/>
-            <a:endCxn id="84" idx="0"/>
-          </p:cNvCxnSpPr>
-          <p:nvPr/>
-        </p:nvCxnSpPr>
-        <p:spPr>
-          <a:xfrm rot="5400000">
-            <a:off x="4773132" y="1457739"/>
-            <a:ext cx="260277" cy="735563"/>
-          </a:xfrm>
-          <a:prstGeom prst="bentConnector3">
-            <a:avLst>
-              <a:gd name="adj1" fmla="val 50000"/>
-            </a:avLst>
-          </a:prstGeom>
-          <a:ln w="6350">
-            <a:solidFill>
-              <a:schemeClr val="tx1"/>
-            </a:solidFill>
-            <a:tailEnd type="triangle" w="med" len="sm"/>
-          </a:ln>
-        </p:spPr>
-        <p:style>
-          <a:lnRef idx="1">
-            <a:schemeClr val="accent1"/>
-          </a:lnRef>
-          <a:fillRef idx="0">
-            <a:schemeClr val="accent1"/>
-          </a:fillRef>
-          <a:effectRef idx="0">
-            <a:schemeClr val="accent1"/>
-          </a:effectRef>
-          <a:fontRef idx="minor">
-            <a:schemeClr val="tx1"/>
-          </a:fontRef>
-        </p:style>
-      </p:cxnSp>
-      <p:cxnSp>
-        <p:nvCxnSpPr>
-          <p:cNvPr id="302" name="꺾인 연결선 301"/>
-          <p:cNvCxnSpPr>
-            <a:stCxn id="77" idx="2"/>
-            <a:endCxn id="84" idx="0"/>
-          </p:cNvCxnSpPr>
-          <p:nvPr/>
-        </p:nvCxnSpPr>
-        <p:spPr>
-          <a:xfrm rot="5400000">
-            <a:off x="5500922" y="729948"/>
-            <a:ext cx="260277" cy="2191144"/>
-          </a:xfrm>
-          <a:prstGeom prst="bentConnector3">
-            <a:avLst>
-              <a:gd name="adj1" fmla="val 50000"/>
-            </a:avLst>
-          </a:prstGeom>
-          <a:ln w="6350">
-            <a:solidFill>
-              <a:schemeClr val="tx1"/>
-            </a:solidFill>
-            <a:tailEnd type="triangle" w="med" len="sm"/>
-          </a:ln>
-        </p:spPr>
-        <p:style>
-          <a:lnRef idx="1">
-            <a:schemeClr val="accent1"/>
-          </a:lnRef>
-          <a:fillRef idx="0">
-            <a:schemeClr val="accent1"/>
-          </a:fillRef>
-          <a:effectRef idx="0">
-            <a:schemeClr val="accent1"/>
-          </a:effectRef>
-          <a:fontRef idx="minor">
-            <a:schemeClr val="tx1"/>
-          </a:fontRef>
-        </p:style>
-      </p:cxnSp>
-      <p:cxnSp>
-        <p:nvCxnSpPr>
-          <p:cNvPr id="305" name="꺾인 연결선 304"/>
-          <p:cNvCxnSpPr>
-            <a:stCxn id="285" idx="2"/>
-            <a:endCxn id="84" idx="0"/>
-          </p:cNvCxnSpPr>
-          <p:nvPr/>
-        </p:nvCxnSpPr>
-        <p:spPr>
-          <a:xfrm rot="5400000">
-            <a:off x="6296675" y="-65804"/>
-            <a:ext cx="260277" cy="3782649"/>
-          </a:xfrm>
-          <a:prstGeom prst="bentConnector3">
-            <a:avLst>
-              <a:gd name="adj1" fmla="val 50000"/>
-            </a:avLst>
-          </a:prstGeom>
-          <a:ln w="6350">
-            <a:solidFill>
-              <a:schemeClr val="tx1"/>
-            </a:solidFill>
-            <a:tailEnd type="triangle" w="med" len="sm"/>
-          </a:ln>
-        </p:spPr>
-        <p:style>
-          <a:lnRef idx="1">
-            <a:schemeClr val="accent1"/>
-          </a:lnRef>
-          <a:fillRef idx="0">
-            <a:schemeClr val="accent1"/>
-          </a:fillRef>
-          <a:effectRef idx="0">
-            <a:schemeClr val="accent1"/>
-          </a:effectRef>
-          <a:fontRef idx="minor">
-            <a:schemeClr val="tx1"/>
-          </a:fontRef>
-        </p:style>
-      </p:cxnSp>
-      <p:cxnSp>
-        <p:nvCxnSpPr>
-          <p:cNvPr id="308" name="꺾인 연결선 307"/>
-          <p:cNvCxnSpPr>
-            <a:stCxn id="284" idx="2"/>
-            <a:endCxn id="84" idx="0"/>
-          </p:cNvCxnSpPr>
-          <p:nvPr/>
-        </p:nvCxnSpPr>
-        <p:spPr>
-          <a:xfrm rot="16200000" flipH="1">
-            <a:off x="4080939" y="1501109"/>
-            <a:ext cx="260277" cy="648822"/>
-          </a:xfrm>
-          <a:prstGeom prst="bentConnector3">
-            <a:avLst>
-              <a:gd name="adj1" fmla="val 50000"/>
-            </a:avLst>
-          </a:prstGeom>
-          <a:ln w="6350">
-            <a:solidFill>
-              <a:schemeClr val="tx1"/>
-            </a:solidFill>
-            <a:tailEnd type="triangle" w="med" len="sm"/>
-          </a:ln>
-        </p:spPr>
-        <p:style>
-          <a:lnRef idx="1">
-            <a:schemeClr val="accent1"/>
-          </a:lnRef>
-          <a:fillRef idx="0">
-            <a:schemeClr val="accent1"/>
-          </a:fillRef>
-          <a:effectRef idx="0">
-            <a:schemeClr val="accent1"/>
-          </a:effectRef>
-          <a:fontRef idx="minor">
-            <a:schemeClr val="tx1"/>
-          </a:fontRef>
-        </p:style>
-      </p:cxnSp>
-      <p:cxnSp>
-        <p:nvCxnSpPr>
-          <p:cNvPr id="311" name="꺾인 연결선 310"/>
-          <p:cNvCxnSpPr>
-            <a:stCxn id="283" idx="2"/>
-            <a:endCxn id="84" idx="0"/>
-          </p:cNvCxnSpPr>
-          <p:nvPr/>
-        </p:nvCxnSpPr>
-        <p:spPr>
-          <a:xfrm rot="16200000" flipH="1">
-            <a:off x="3356384" y="776554"/>
-            <a:ext cx="260277" cy="2097931"/>
-          </a:xfrm>
-          <a:prstGeom prst="bentConnector3">
-            <a:avLst>
-              <a:gd name="adj1" fmla="val 50000"/>
-            </a:avLst>
-          </a:prstGeom>
-          <a:ln w="6350">
-            <a:solidFill>
-              <a:schemeClr val="tx1"/>
-            </a:solidFill>
-            <a:tailEnd type="triangle" w="med" len="sm"/>
-          </a:ln>
-        </p:spPr>
-        <p:style>
-          <a:lnRef idx="1">
-            <a:schemeClr val="accent1"/>
-          </a:lnRef>
-          <a:fillRef idx="0">
-            <a:schemeClr val="accent1"/>
-          </a:fillRef>
-          <a:effectRef idx="0">
-            <a:schemeClr val="accent1"/>
-          </a:effectRef>
-          <a:fontRef idx="minor">
-            <a:schemeClr val="tx1"/>
-          </a:fontRef>
-        </p:style>
-      </p:cxnSp>
-      <p:cxnSp>
-        <p:nvCxnSpPr>
-          <p:cNvPr id="314" name="꺾인 연결선 313"/>
-          <p:cNvCxnSpPr>
-            <a:stCxn id="114" idx="2"/>
-            <a:endCxn id="84" idx="0"/>
-          </p:cNvCxnSpPr>
-          <p:nvPr/>
-        </p:nvCxnSpPr>
-        <p:spPr>
-          <a:xfrm rot="16200000" flipH="1">
-            <a:off x="2557073" y="-22757"/>
-            <a:ext cx="260277" cy="3696553"/>
-          </a:xfrm>
-          <a:prstGeom prst="bentConnector3">
-            <a:avLst>
-              <a:gd name="adj1" fmla="val 50000"/>
-            </a:avLst>
-          </a:prstGeom>
-          <a:ln w="6350">
-            <a:solidFill>
-              <a:schemeClr val="tx1"/>
-            </a:solidFill>
-            <a:tailEnd type="triangle" w="med" len="sm"/>
-          </a:ln>
-        </p:spPr>
-        <p:style>
-          <a:lnRef idx="1">
-            <a:schemeClr val="accent1"/>
-          </a:lnRef>
-          <a:fillRef idx="0">
-            <a:schemeClr val="accent1"/>
-          </a:fillRef>
-          <a:effectRef idx="0">
-            <a:schemeClr val="accent1"/>
-          </a:effectRef>
-          <a:fontRef idx="minor">
-            <a:schemeClr val="tx1"/>
-          </a:fontRef>
-        </p:style>
-      </p:cxnSp>
-      <p:sp>
-        <p:nvSpPr>
-          <p:cNvPr id="172" name="TextBox 171"/>
-          <p:cNvSpPr txBox="1"/>
-          <p:nvPr/>
-        </p:nvSpPr>
-        <p:spPr>
-          <a:xfrm>
-            <a:off x="5233262" y="6419851"/>
-            <a:ext cx="537327" cy="184666"/>
-          </a:xfrm>
-          <a:prstGeom prst="rect">
-            <a:avLst/>
-          </a:prstGeom>
-          <a:solidFill>
-            <a:schemeClr val="bg1">
-              <a:alpha val="81000"/>
-            </a:schemeClr>
-          </a:solidFill>
-          <a:ln>
-            <a:solidFill>
-              <a:schemeClr val="tx1"/>
-            </a:solidFill>
-          </a:ln>
-        </p:spPr>
-        <p:txBody>
-          <a:bodyPr wrap="none" rtlCol="0">
-            <a:spAutoFit/>
-          </a:bodyPr>
-          <a:lstStyle/>
-          <a:p>
-            <a:r>
-              <a:rPr lang="en-US" altLang="ko-KR" sz="600" dirty="0" smtClean="0"/>
-              <a:t>APP_USER</a:t>
-            </a:r>
-            <a:endParaRPr lang="ko-KR" altLang="en-US" sz="600" dirty="0"/>
-          </a:p>
-        </p:txBody>
-      </p:sp>
-      <p:sp>
-        <p:nvSpPr>
-          <p:cNvPr id="174" name="TextBox 173"/>
-          <p:cNvSpPr txBox="1"/>
-          <p:nvPr/>
-        </p:nvSpPr>
-        <p:spPr>
-          <a:xfrm>
-            <a:off x="6413288" y="6419851"/>
-            <a:ext cx="659155" cy="184666"/>
-          </a:xfrm>
-          <a:prstGeom prst="rect">
-            <a:avLst/>
-          </a:prstGeom>
-          <a:solidFill>
-            <a:schemeClr val="bg1">
-              <a:alpha val="81000"/>
-            </a:schemeClr>
-          </a:solidFill>
-          <a:ln>
-            <a:solidFill>
-              <a:schemeClr val="tx1"/>
-            </a:solidFill>
-          </a:ln>
-        </p:spPr>
-        <p:txBody>
-          <a:bodyPr wrap="none" rtlCol="0">
-            <a:spAutoFit/>
-          </a:bodyPr>
-          <a:lstStyle/>
-          <a:p>
-            <a:r>
-              <a:rPr lang="en-US" altLang="ko-KR" sz="600" dirty="0" smtClean="0"/>
-              <a:t>BOARD_POST</a:t>
-            </a:r>
-            <a:endParaRPr lang="ko-KR" altLang="en-US" sz="600" dirty="0"/>
-          </a:p>
-        </p:txBody>
-      </p:sp>
-      <p:sp>
-        <p:nvSpPr>
-          <p:cNvPr id="175" name="TextBox 174"/>
-          <p:cNvSpPr txBox="1"/>
-          <p:nvPr/>
-        </p:nvSpPr>
-        <p:spPr>
-          <a:xfrm>
-            <a:off x="3464934" y="6419851"/>
-            <a:ext cx="862737" cy="184666"/>
-          </a:xfrm>
-          <a:prstGeom prst="rect">
-            <a:avLst/>
-          </a:prstGeom>
-          <a:solidFill>
-            <a:schemeClr val="bg1">
-              <a:alpha val="81000"/>
-            </a:schemeClr>
-          </a:solidFill>
-          <a:ln>
-            <a:solidFill>
-              <a:schemeClr val="tx1"/>
-            </a:solidFill>
-          </a:ln>
-        </p:spPr>
-        <p:txBody>
-          <a:bodyPr wrap="none" rtlCol="0">
-            <a:spAutoFit/>
-          </a:bodyPr>
-          <a:lstStyle/>
-          <a:p>
-            <a:r>
-              <a:rPr lang="en-US" altLang="ko-KR" sz="600" dirty="0" smtClean="0"/>
-              <a:t>BOARD_COMMENT</a:t>
-            </a:r>
-            <a:endParaRPr lang="ko-KR" altLang="en-US" sz="600" dirty="0"/>
-          </a:p>
-        </p:txBody>
-      </p:sp>
-      <p:sp>
-        <p:nvSpPr>
-          <p:cNvPr id="178" name="TextBox 177"/>
-          <p:cNvSpPr txBox="1"/>
-          <p:nvPr/>
-        </p:nvSpPr>
-        <p:spPr>
-          <a:xfrm>
-            <a:off x="3124348" y="4332439"/>
-            <a:ext cx="438188" cy="184666"/>
-          </a:xfrm>
-          <a:prstGeom prst="rect">
-            <a:avLst/>
-          </a:prstGeom>
-          <a:solidFill>
-            <a:schemeClr val="bg1"/>
-          </a:solidFill>
-          <a:ln>
-            <a:solidFill>
-              <a:srgbClr val="00B050"/>
-            </a:solidFill>
-          </a:ln>
-        </p:spPr>
-        <p:txBody>
-          <a:bodyPr wrap="none" lIns="36000" rIns="36000" rtlCol="0">
-            <a:spAutoFit/>
-          </a:bodyPr>
-          <a:lstStyle/>
-          <a:p>
-            <a:r>
-              <a:rPr lang="en-US" altLang="ko-KR" sz="600" dirty="0" err="1" smtClean="0"/>
-              <a:t>SubjectVO</a:t>
-            </a:r>
-            <a:endParaRPr lang="ko-KR" altLang="en-US" sz="600" dirty="0"/>
-          </a:p>
-        </p:txBody>
-      </p:sp>
-      <p:sp>
-        <p:nvSpPr>
-          <p:cNvPr id="179" name="TextBox 178"/>
-          <p:cNvSpPr txBox="1"/>
-          <p:nvPr/>
-        </p:nvSpPr>
-        <p:spPr>
-          <a:xfrm>
-            <a:off x="5012127" y="4332439"/>
-            <a:ext cx="325978" cy="184666"/>
-          </a:xfrm>
-          <a:prstGeom prst="rect">
-            <a:avLst/>
-          </a:prstGeom>
-          <a:solidFill>
-            <a:schemeClr val="bg1"/>
-          </a:solidFill>
-          <a:ln>
-            <a:solidFill>
-              <a:srgbClr val="00B050"/>
-            </a:solidFill>
-          </a:ln>
-        </p:spPr>
-        <p:txBody>
-          <a:bodyPr wrap="none" lIns="36000" rIns="36000" rtlCol="0">
-            <a:spAutoFit/>
-          </a:bodyPr>
-          <a:lstStyle/>
-          <a:p>
-            <a:r>
-              <a:rPr lang="en-US" altLang="ko-KR" sz="600" dirty="0" err="1" smtClean="0"/>
-              <a:t>UnitVO</a:t>
-            </a:r>
-            <a:endParaRPr lang="ko-KR" altLang="en-US" sz="600" dirty="0"/>
-          </a:p>
-        </p:txBody>
-      </p:sp>
-      <p:sp>
-        <p:nvSpPr>
-          <p:cNvPr id="181" name="TextBox 180"/>
-          <p:cNvSpPr txBox="1"/>
-          <p:nvPr/>
-        </p:nvSpPr>
-        <p:spPr>
-          <a:xfrm>
-            <a:off x="4231311" y="4332439"/>
-            <a:ext cx="733140" cy="184666"/>
-          </a:xfrm>
-          <a:prstGeom prst="rect">
-            <a:avLst/>
-          </a:prstGeom>
-          <a:solidFill>
-            <a:schemeClr val="bg1"/>
-          </a:solidFill>
-          <a:ln>
-            <a:solidFill>
-              <a:srgbClr val="00B050"/>
-            </a:solidFill>
-          </a:ln>
-        </p:spPr>
-        <p:txBody>
-          <a:bodyPr wrap="none" lIns="36000" rIns="36000" rtlCol="0">
-            <a:spAutoFit/>
-          </a:bodyPr>
-          <a:lstStyle/>
-          <a:p>
-            <a:r>
-              <a:rPr lang="en-US" altLang="ko-KR" sz="600" dirty="0" err="1" smtClean="0"/>
-              <a:t>UnitCompletionVO</a:t>
-            </a:r>
-            <a:endParaRPr lang="ko-KR" altLang="en-US" sz="600" dirty="0"/>
-          </a:p>
-        </p:txBody>
-      </p:sp>
-      <p:sp>
-        <p:nvSpPr>
-          <p:cNvPr id="182" name="TextBox 181"/>
-          <p:cNvSpPr txBox="1"/>
-          <p:nvPr/>
-        </p:nvSpPr>
-        <p:spPr>
-          <a:xfrm>
-            <a:off x="3655469" y="4332439"/>
-            <a:ext cx="486278" cy="184666"/>
-          </a:xfrm>
-          <a:prstGeom prst="rect">
-            <a:avLst/>
-          </a:prstGeom>
-          <a:solidFill>
-            <a:schemeClr val="bg1"/>
-          </a:solidFill>
-          <a:ln>
-            <a:solidFill>
-              <a:srgbClr val="00B050"/>
-            </a:solidFill>
-          </a:ln>
-        </p:spPr>
-        <p:txBody>
-          <a:bodyPr wrap="none" lIns="36000" rIns="36000" rtlCol="0">
-            <a:spAutoFit/>
-          </a:bodyPr>
-          <a:lstStyle/>
-          <a:p>
-            <a:r>
-              <a:rPr lang="en-US" altLang="ko-KR" sz="600" dirty="0" err="1" smtClean="0"/>
-              <a:t>FinalTestVO</a:t>
-            </a:r>
-            <a:endParaRPr lang="ko-KR" altLang="en-US" sz="600" dirty="0"/>
-          </a:p>
-        </p:txBody>
-      </p:sp>
-      <p:sp>
-        <p:nvSpPr>
-          <p:cNvPr id="183" name="TextBox 182"/>
-          <p:cNvSpPr txBox="1"/>
-          <p:nvPr/>
-        </p:nvSpPr>
-        <p:spPr>
-          <a:xfrm>
-            <a:off x="2476081" y="4332439"/>
-            <a:ext cx="537574" cy="184666"/>
-          </a:xfrm>
-          <a:prstGeom prst="rect">
-            <a:avLst/>
-          </a:prstGeom>
-          <a:solidFill>
-            <a:schemeClr val="bg1"/>
-          </a:solidFill>
-          <a:ln>
-            <a:solidFill>
-              <a:srgbClr val="00B050"/>
-            </a:solidFill>
-          </a:ln>
-        </p:spPr>
-        <p:txBody>
-          <a:bodyPr wrap="none" lIns="36000" rIns="36000" rtlCol="0">
-            <a:spAutoFit/>
-          </a:bodyPr>
-          <a:lstStyle/>
-          <a:p>
-            <a:r>
-              <a:rPr lang="en-US" altLang="ko-KR" sz="600" dirty="0" err="1" smtClean="0"/>
-              <a:t>TestResultVO</a:t>
-            </a:r>
-            <a:endParaRPr lang="ko-KR" altLang="en-US" sz="600" dirty="0"/>
-          </a:p>
-        </p:txBody>
-      </p:sp>
-      <p:sp>
-        <p:nvSpPr>
-          <p:cNvPr id="185" name="TextBox 184"/>
-          <p:cNvSpPr txBox="1"/>
-          <p:nvPr/>
-        </p:nvSpPr>
-        <p:spPr>
-          <a:xfrm>
-            <a:off x="1838981" y="4332439"/>
-            <a:ext cx="526353" cy="184666"/>
-          </a:xfrm>
-          <a:prstGeom prst="rect">
-            <a:avLst/>
-          </a:prstGeom>
-          <a:solidFill>
-            <a:schemeClr val="bg1"/>
-          </a:solidFill>
-          <a:ln>
-            <a:solidFill>
-              <a:srgbClr val="00B050"/>
-            </a:solidFill>
-          </a:ln>
-        </p:spPr>
-        <p:txBody>
-          <a:bodyPr wrap="none" lIns="36000" rIns="36000" rtlCol="0">
-            <a:spAutoFit/>
-          </a:bodyPr>
-          <a:lstStyle/>
-          <a:p>
-            <a:r>
-              <a:rPr lang="en-US" altLang="ko-KR" sz="600" dirty="0" err="1" smtClean="0"/>
-              <a:t>ChallengeVO</a:t>
-            </a:r>
-            <a:endParaRPr lang="ko-KR" altLang="en-US" sz="600" dirty="0"/>
-          </a:p>
-        </p:txBody>
-      </p:sp>
-      <p:sp>
-        <p:nvSpPr>
-          <p:cNvPr id="188" name="TextBox 187"/>
-          <p:cNvSpPr txBox="1"/>
-          <p:nvPr/>
-        </p:nvSpPr>
-        <p:spPr>
-          <a:xfrm>
-            <a:off x="327408" y="4332439"/>
-            <a:ext cx="689860" cy="184666"/>
-          </a:xfrm>
-          <a:prstGeom prst="rect">
-            <a:avLst/>
-          </a:prstGeom>
-          <a:solidFill>
-            <a:schemeClr val="bg1"/>
-          </a:solidFill>
-          <a:ln>
-            <a:solidFill>
-              <a:srgbClr val="00B050"/>
-            </a:solidFill>
-          </a:ln>
-        </p:spPr>
-        <p:txBody>
-          <a:bodyPr wrap="none" lIns="36000" rIns="36000" rtlCol="0">
-            <a:spAutoFit/>
-          </a:bodyPr>
-          <a:lstStyle/>
-          <a:p>
-            <a:r>
-              <a:rPr lang="en-US" altLang="ko-KR" sz="600" dirty="0" err="1" smtClean="0"/>
-              <a:t>ChallengeCaseVO</a:t>
-            </a:r>
-            <a:endParaRPr lang="ko-KR" altLang="en-US" sz="600" dirty="0"/>
-          </a:p>
-        </p:txBody>
-      </p:sp>
-      <p:sp>
-        <p:nvSpPr>
-          <p:cNvPr id="189" name="TextBox 188"/>
-          <p:cNvSpPr txBox="1"/>
-          <p:nvPr/>
-        </p:nvSpPr>
-        <p:spPr>
-          <a:xfrm>
-            <a:off x="1079147" y="4332439"/>
-            <a:ext cx="739552" cy="184666"/>
-          </a:xfrm>
-          <a:prstGeom prst="rect">
-            <a:avLst/>
-          </a:prstGeom>
-          <a:solidFill>
-            <a:schemeClr val="bg1"/>
-          </a:solidFill>
-          <a:ln>
-            <a:solidFill>
-              <a:srgbClr val="00B050"/>
-            </a:solidFill>
-          </a:ln>
-        </p:spPr>
-        <p:txBody>
-          <a:bodyPr wrap="none" lIns="36000" rIns="36000" rtlCol="0">
-            <a:spAutoFit/>
-          </a:bodyPr>
-          <a:lstStyle/>
-          <a:p>
-            <a:r>
-              <a:rPr lang="en-US" altLang="ko-KR" sz="600" dirty="0" err="1" smtClean="0"/>
-              <a:t>ChallengeResultVO</a:t>
-            </a:r>
-            <a:endParaRPr lang="ko-KR" altLang="en-US" sz="600" dirty="0"/>
-          </a:p>
-        </p:txBody>
-      </p:sp>
-      <p:sp>
-        <p:nvSpPr>
-          <p:cNvPr id="194" name="TextBox 193"/>
-          <p:cNvSpPr txBox="1"/>
-          <p:nvPr/>
-        </p:nvSpPr>
-        <p:spPr>
-          <a:xfrm>
-            <a:off x="5520606" y="4332439"/>
-            <a:ext cx="337199" cy="184666"/>
-          </a:xfrm>
-          <a:prstGeom prst="rect">
-            <a:avLst/>
-          </a:prstGeom>
-          <a:solidFill>
-            <a:schemeClr val="bg1"/>
-          </a:solidFill>
-          <a:ln>
-            <a:solidFill>
-              <a:srgbClr val="00B050"/>
-            </a:solidFill>
-          </a:ln>
-        </p:spPr>
-        <p:txBody>
-          <a:bodyPr wrap="none" lIns="36000" rIns="36000" rtlCol="0">
-            <a:spAutoFit/>
-          </a:bodyPr>
-          <a:lstStyle/>
-          <a:p>
-            <a:r>
-              <a:rPr lang="en-US" altLang="ko-KR" sz="600" dirty="0" err="1" smtClean="0"/>
-              <a:t>UserVO</a:t>
-            </a:r>
-            <a:endParaRPr lang="ko-KR" altLang="en-US" sz="600" dirty="0"/>
-          </a:p>
-        </p:txBody>
-      </p:sp>
-      <p:sp>
-        <p:nvSpPr>
-          <p:cNvPr id="195" name="TextBox 194"/>
-          <p:cNvSpPr txBox="1"/>
-          <p:nvPr/>
-        </p:nvSpPr>
-        <p:spPr>
-          <a:xfrm>
-            <a:off x="6945298" y="4332439"/>
-            <a:ext cx="535971" cy="184666"/>
-          </a:xfrm>
-          <a:prstGeom prst="rect">
-            <a:avLst/>
-          </a:prstGeom>
-          <a:solidFill>
-            <a:schemeClr val="bg1"/>
-          </a:solidFill>
-          <a:ln>
-            <a:solidFill>
-              <a:srgbClr val="00B050"/>
-            </a:solidFill>
-          </a:ln>
-        </p:spPr>
-        <p:txBody>
-          <a:bodyPr wrap="none" lIns="36000" rIns="36000" rtlCol="0">
-            <a:spAutoFit/>
-          </a:bodyPr>
-          <a:lstStyle/>
-          <a:p>
-            <a:r>
-              <a:rPr lang="en-US" altLang="ko-KR" sz="600" dirty="0" err="1" smtClean="0"/>
-              <a:t>BoardPostVO</a:t>
-            </a:r>
-            <a:endParaRPr lang="ko-KR" altLang="en-US" sz="600" dirty="0"/>
-          </a:p>
-        </p:txBody>
-      </p:sp>
-      <p:sp>
-        <p:nvSpPr>
-          <p:cNvPr id="197" name="TextBox 196"/>
-          <p:cNvSpPr txBox="1"/>
-          <p:nvPr/>
-        </p:nvSpPr>
-        <p:spPr>
-          <a:xfrm>
-            <a:off x="7585516" y="4332439"/>
-            <a:ext cx="523147" cy="184666"/>
-          </a:xfrm>
-          <a:prstGeom prst="rect">
-            <a:avLst/>
-          </a:prstGeom>
-          <a:solidFill>
-            <a:schemeClr val="bg1"/>
-          </a:solidFill>
-          <a:ln>
-            <a:solidFill>
-              <a:srgbClr val="00B050"/>
-            </a:solidFill>
-          </a:ln>
-        </p:spPr>
-        <p:txBody>
-          <a:bodyPr wrap="none" lIns="36000" rIns="36000" rtlCol="0">
-            <a:spAutoFit/>
-          </a:bodyPr>
-          <a:lstStyle/>
-          <a:p>
-            <a:r>
-              <a:rPr lang="en-US" altLang="ko-KR" sz="600" dirty="0" err="1" smtClean="0"/>
-              <a:t>CommentVO</a:t>
-            </a:r>
-            <a:endParaRPr lang="ko-KR" altLang="en-US" sz="600" dirty="0"/>
-          </a:p>
-        </p:txBody>
-      </p:sp>
-      <p:cxnSp>
-        <p:nvCxnSpPr>
-          <p:cNvPr id="198" name="꺾인 연결선 197"/>
-          <p:cNvCxnSpPr>
-            <a:stCxn id="238" idx="2"/>
-            <a:endCxn id="186" idx="0"/>
-          </p:cNvCxnSpPr>
-          <p:nvPr/>
-        </p:nvCxnSpPr>
-        <p:spPr>
-          <a:xfrm rot="5400000">
-            <a:off x="4905048" y="5289004"/>
-            <a:ext cx="359294" cy="1041620"/>
-          </a:xfrm>
-          <a:prstGeom prst="bentConnector3">
-            <a:avLst>
-              <a:gd name="adj1" fmla="val 50000"/>
-            </a:avLst>
-          </a:prstGeom>
-          <a:ln w="6350">
-            <a:solidFill>
-              <a:schemeClr val="tx1"/>
-            </a:solidFill>
-            <a:tailEnd type="triangle" w="med" len="sm"/>
-          </a:ln>
-        </p:spPr>
-        <p:style>
-          <a:lnRef idx="1">
-            <a:schemeClr val="accent1"/>
-          </a:lnRef>
-          <a:fillRef idx="0">
-            <a:schemeClr val="accent1"/>
-          </a:fillRef>
-          <a:effectRef idx="0">
-            <a:schemeClr val="accent1"/>
-          </a:effectRef>
-          <a:fontRef idx="minor">
-            <a:schemeClr val="tx1"/>
-          </a:fontRef>
-        </p:style>
-      </p:cxnSp>
-      <p:sp>
-        <p:nvSpPr>
-          <p:cNvPr id="213" name="TextBox 212"/>
-          <p:cNvSpPr txBox="1"/>
-          <p:nvPr/>
-        </p:nvSpPr>
-        <p:spPr>
-          <a:xfrm>
-            <a:off x="6952352" y="3068884"/>
-            <a:ext cx="523147" cy="184666"/>
-          </a:xfrm>
-          <a:prstGeom prst="rect">
-            <a:avLst/>
-          </a:prstGeom>
-          <a:solidFill>
-            <a:schemeClr val="bg1"/>
-          </a:solidFill>
-          <a:ln>
-            <a:solidFill>
-              <a:srgbClr val="00B050"/>
-            </a:solidFill>
-          </a:ln>
-        </p:spPr>
-        <p:txBody>
-          <a:bodyPr wrap="none" lIns="36000" rIns="36000" rtlCol="0">
-            <a:spAutoFit/>
-          </a:bodyPr>
-          <a:lstStyle/>
-          <a:p>
-            <a:r>
-              <a:rPr lang="en-US" altLang="ko-KR" sz="600" dirty="0" err="1" smtClean="0"/>
-              <a:t>CommentVO</a:t>
-            </a:r>
-            <a:endParaRPr lang="ko-KR" altLang="en-US" sz="600" dirty="0"/>
-          </a:p>
-        </p:txBody>
-      </p:sp>
-      <p:sp>
-        <p:nvSpPr>
-          <p:cNvPr id="214" name="TextBox 213"/>
-          <p:cNvSpPr txBox="1"/>
-          <p:nvPr/>
-        </p:nvSpPr>
-        <p:spPr>
-          <a:xfrm>
-            <a:off x="7482121" y="3068884"/>
-            <a:ext cx="535971" cy="184666"/>
-          </a:xfrm>
-          <a:prstGeom prst="rect">
-            <a:avLst/>
-          </a:prstGeom>
-          <a:solidFill>
-            <a:schemeClr val="bg1"/>
-          </a:solidFill>
-          <a:ln>
-            <a:solidFill>
-              <a:srgbClr val="00B050"/>
-            </a:solidFill>
-          </a:ln>
-        </p:spPr>
-        <p:txBody>
-          <a:bodyPr wrap="none" lIns="36000" rIns="36000" rtlCol="0">
-            <a:spAutoFit/>
-          </a:bodyPr>
-          <a:lstStyle/>
-          <a:p>
-            <a:r>
-              <a:rPr lang="en-US" altLang="ko-KR" sz="600" dirty="0" err="1" smtClean="0"/>
-              <a:t>BoardPostVO</a:t>
-            </a:r>
-            <a:endParaRPr lang="ko-KR" altLang="en-US" sz="600" dirty="0"/>
-          </a:p>
-        </p:txBody>
-      </p:sp>
-      <p:sp>
-        <p:nvSpPr>
-          <p:cNvPr id="191" name="TextBox 190"/>
-          <p:cNvSpPr txBox="1"/>
-          <p:nvPr/>
-        </p:nvSpPr>
-        <p:spPr>
-          <a:xfrm>
-            <a:off x="5940738" y="4331827"/>
-            <a:ext cx="765200" cy="184666"/>
-          </a:xfrm>
-          <a:prstGeom prst="rect">
-            <a:avLst/>
-          </a:prstGeom>
-          <a:solidFill>
-            <a:schemeClr val="bg1"/>
-          </a:solidFill>
-          <a:ln>
-            <a:solidFill>
-              <a:srgbClr val="00B050"/>
-            </a:solidFill>
-          </a:ln>
-        </p:spPr>
-        <p:txBody>
-          <a:bodyPr wrap="none" lIns="36000" rIns="36000" rtlCol="0">
-            <a:spAutoFit/>
-          </a:bodyPr>
-          <a:lstStyle/>
-          <a:p>
-            <a:r>
-              <a:rPr lang="en-US" altLang="ko-KR" sz="600" dirty="0" err="1" smtClean="0"/>
-              <a:t>TutorApplicationVO</a:t>
-            </a:r>
-            <a:endParaRPr lang="ko-KR" altLang="en-US" sz="600" dirty="0"/>
-          </a:p>
-        </p:txBody>
-      </p:sp>
-      <p:sp>
-        <p:nvSpPr>
-          <p:cNvPr id="192" name="TextBox 191"/>
-          <p:cNvSpPr txBox="1"/>
-          <p:nvPr/>
-        </p:nvSpPr>
-        <p:spPr>
-          <a:xfrm>
-            <a:off x="7565455" y="3642419"/>
-            <a:ext cx="1293526" cy="230832"/>
-          </a:xfrm>
-          <a:prstGeom prst="rect">
-            <a:avLst/>
-          </a:prstGeom>
-          <a:noFill/>
-          <a:ln>
-            <a:solidFill>
-              <a:schemeClr val="tx1"/>
-            </a:solidFill>
-          </a:ln>
-        </p:spPr>
-        <p:txBody>
-          <a:bodyPr wrap="square" lIns="36000" rIns="36000" rtlCol="0">
-            <a:spAutoFit/>
-          </a:bodyPr>
-          <a:lstStyle/>
-          <a:p>
-            <a:pPr algn="ctr"/>
-            <a:r>
-              <a:rPr lang="en-US" altLang="ko-KR" sz="900" b="1" dirty="0" err="1" smtClean="0"/>
-              <a:t>ReviewBoardService</a:t>
-            </a:r>
-            <a:endParaRPr lang="ko-KR" altLang="en-US" sz="900" b="1" dirty="0"/>
-          </a:p>
-        </p:txBody>
-      </p:sp>
-      <p:cxnSp>
-        <p:nvCxnSpPr>
-          <p:cNvPr id="217" name="꺾인 연결선 216"/>
-          <p:cNvCxnSpPr>
-            <a:stCxn id="130" idx="2"/>
-            <a:endCxn id="192" idx="0"/>
-          </p:cNvCxnSpPr>
-          <p:nvPr/>
-        </p:nvCxnSpPr>
-        <p:spPr>
-          <a:xfrm rot="16200000" flipH="1">
-            <a:off x="7419379" y="2849580"/>
-            <a:ext cx="199884" cy="1385793"/>
-          </a:xfrm>
-          <a:prstGeom prst="bentConnector3">
-            <a:avLst>
-              <a:gd name="adj1" fmla="val 50000"/>
-            </a:avLst>
-          </a:prstGeom>
-          <a:ln w="6350">
-            <a:solidFill>
-              <a:schemeClr val="tx1"/>
-            </a:solidFill>
-            <a:tailEnd type="triangle" w="med" len="sm"/>
-          </a:ln>
-        </p:spPr>
-        <p:style>
-          <a:lnRef idx="1">
-            <a:schemeClr val="accent1"/>
-          </a:lnRef>
-          <a:fillRef idx="0">
-            <a:schemeClr val="accent1"/>
-          </a:fillRef>
-          <a:effectRef idx="0">
-            <a:schemeClr val="accent1"/>
-          </a:effectRef>
-          <a:fontRef idx="minor">
-            <a:schemeClr val="tx1"/>
-          </a:fontRef>
-        </p:style>
-      </p:cxnSp>
-      <p:cxnSp>
-        <p:nvCxnSpPr>
-          <p:cNvPr id="219" name="꺾인 연결선 218"/>
-          <p:cNvCxnSpPr>
-            <a:stCxn id="124" idx="2"/>
-            <a:endCxn id="165" idx="0"/>
-          </p:cNvCxnSpPr>
-          <p:nvPr/>
-        </p:nvCxnSpPr>
-        <p:spPr>
-          <a:xfrm rot="16200000" flipH="1">
-            <a:off x="6527268" y="4176318"/>
-            <a:ext cx="708885" cy="110571"/>
-          </a:xfrm>
-          <a:prstGeom prst="bentConnector3">
-            <a:avLst>
-              <a:gd name="adj1" fmla="val 50000"/>
-            </a:avLst>
-          </a:prstGeom>
-          <a:ln w="6350">
-            <a:solidFill>
-              <a:schemeClr val="tx1"/>
-            </a:solidFill>
-            <a:tailEnd type="triangle" w="med" len="sm"/>
-          </a:ln>
-        </p:spPr>
-        <p:style>
-          <a:lnRef idx="1">
-            <a:schemeClr val="accent1"/>
-          </a:lnRef>
-          <a:fillRef idx="0">
-            <a:schemeClr val="accent1"/>
-          </a:fillRef>
-          <a:effectRef idx="0">
-            <a:schemeClr val="accent1"/>
-          </a:effectRef>
-          <a:fontRef idx="minor">
-            <a:schemeClr val="tx1"/>
-          </a:fontRef>
-        </p:style>
-      </p:cxnSp>
-      <p:cxnSp>
-        <p:nvCxnSpPr>
-          <p:cNvPr id="220" name="꺾인 연결선 219"/>
-          <p:cNvCxnSpPr>
-            <a:stCxn id="126" idx="2"/>
-            <a:endCxn id="165" idx="0"/>
-          </p:cNvCxnSpPr>
-          <p:nvPr/>
-        </p:nvCxnSpPr>
-        <p:spPr>
-          <a:xfrm rot="16200000" flipH="1">
-            <a:off x="5860681" y="3509731"/>
-            <a:ext cx="706891" cy="1445740"/>
-          </a:xfrm>
-          <a:prstGeom prst="bentConnector3">
-            <a:avLst>
-              <a:gd name="adj1" fmla="val 50000"/>
-            </a:avLst>
-          </a:prstGeom>
-          <a:ln w="6350">
-            <a:solidFill>
-              <a:schemeClr val="tx1"/>
-            </a:solidFill>
-            <a:tailEnd type="triangle" w="med" len="sm"/>
-          </a:ln>
-        </p:spPr>
-        <p:style>
-          <a:lnRef idx="1">
-            <a:schemeClr val="accent1"/>
-          </a:lnRef>
-          <a:fillRef idx="0">
-            <a:schemeClr val="accent1"/>
-          </a:fillRef>
-          <a:effectRef idx="0">
-            <a:schemeClr val="accent1"/>
-          </a:effectRef>
-          <a:fontRef idx="minor">
-            <a:schemeClr val="tx1"/>
-          </a:fontRef>
-        </p:style>
-      </p:cxnSp>
     </p:spTree>
     <p:extLst>
       <p:ext uri="{BB962C8B-B14F-4D97-AF65-F5344CB8AC3E}">
-        <p14:creationId xmlns:p14="http://schemas.microsoft.com/office/powerpoint/2010/main" val="2241025850"/>
+        <p14:creationId xmlns:p14="http://schemas.microsoft.com/office/powerpoint/2010/main" val="2460230197"/>
       </p:ext>
     </p:extLst>
   </p:cSld>
@@ -23519,7 +18686,7 @@
   <a:extraClrSchemeLst/>
   <a:extLst>
     <a:ext uri="{05A4C25C-085E-4340-85A3-A5531E510DB2}">
-      <thm15:themeFamily xmlns:thm15="http://schemas.microsoft.com/office/thememl/2012/main" xmlns="" name="자바SW엔지니어링 양성과정소개_180110_v01.potx" id="{6F616C3F-B66A-4703-9118-158F4023CAED}" vid="{52C1C78F-6B00-4783-9AA5-8806F0181E6F}"/>
+      <thm15:themeFamily xmlns="" xmlns:thm15="http://schemas.microsoft.com/office/thememl/2012/main" name="자바SW엔지니어링 양성과정소개_180110_v01.potx" id="{6F616C3F-B66A-4703-9118-158F4023CAED}" vid="{52C1C78F-6B00-4783-9AA5-8806F0181E6F}"/>
     </a:ext>
   </a:extLst>
 </a:theme>
@@ -23780,7 +18947,7 @@
   <a:extraClrSchemeLst/>
   <a:extLst>
     <a:ext uri="{05A4C25C-085E-4340-85A3-A5531E510DB2}">
-      <thm15:themeFamily xmlns:thm15="http://schemas.microsoft.com/office/thememl/2012/main" xmlns="" name="Office Theme" id="{62F939B6-93AF-4DB8-9C6B-D6C7DFDC589F}" vid="{4A3C46E8-61CC-4603-A589-7422A47A8E4A}"/>
+      <thm15:themeFamily xmlns="" xmlns:thm15="http://schemas.microsoft.com/office/thememl/2012/main" name="Office Theme" id="{62F939B6-93AF-4DB8-9C6B-D6C7DFDC589F}" vid="{4A3C46E8-61CC-4603-A589-7422A47A8E4A}"/>
     </a:ext>
   </a:extLst>
 </a:theme>
@@ -24041,7 +19208,7 @@
   <a:extraClrSchemeLst/>
   <a:extLst>
     <a:ext uri="{05A4C25C-085E-4340-85A3-A5531E510DB2}">
-      <thm15:themeFamily xmlns:thm15="http://schemas.microsoft.com/office/thememl/2012/main" xmlns="" name="Office Theme" id="{62F939B6-93AF-4DB8-9C6B-D6C7DFDC589F}" vid="{4A3C46E8-61CC-4603-A589-7422A47A8E4A}"/>
+      <thm15:themeFamily xmlns="" xmlns:thm15="http://schemas.microsoft.com/office/thememl/2012/main" name="Office Theme" id="{62F939B6-93AF-4DB8-9C6B-D6C7DFDC589F}" vid="{4A3C46E8-61CC-4603-A589-7422A47A8E4A}"/>
     </a:ext>
   </a:extLst>
 </a:theme>
